--- a/PredictiveModeling/Classification/Classification.pptx
+++ b/PredictiveModeling/Classification/Classification.pptx
@@ -11,6 +11,8 @@
     <p:sldId id="269" r:id="rId5"/>
     <p:sldId id="267" r:id="rId6"/>
     <p:sldId id="268" r:id="rId7"/>
+    <p:sldId id="271" r:id="rId8"/>
+    <p:sldId id="272" r:id="rId9"/>
   </p:sldIdLst>
   <p:sldSz cx="12192000" cy="6858000"/>
   <p:notesSz cx="6858000" cy="9144000"/>
@@ -1500,7 +1502,7 @@
           <a:p>
             <a:fld id="{C369705D-41FE-4C2A-AD94-64E2E5127CB0}" type="datetimeFigureOut">
               <a:rPr lang="it-IT" smtClean="0"/>
-              <a:t>30/05/2022</a:t>
+              <a:t>06/06/2022</a:t>
             </a:fld>
             <a:endParaRPr lang="it-IT"/>
           </a:p>
@@ -1700,7 +1702,7 @@
           <a:p>
             <a:fld id="{C369705D-41FE-4C2A-AD94-64E2E5127CB0}" type="datetimeFigureOut">
               <a:rPr lang="it-IT" smtClean="0"/>
-              <a:t>30/05/2022</a:t>
+              <a:t>06/06/2022</a:t>
             </a:fld>
             <a:endParaRPr lang="it-IT"/>
           </a:p>
@@ -1910,7 +1912,7 @@
           <a:p>
             <a:fld id="{C369705D-41FE-4C2A-AD94-64E2E5127CB0}" type="datetimeFigureOut">
               <a:rPr lang="it-IT" smtClean="0"/>
-              <a:t>30/05/2022</a:t>
+              <a:t>06/06/2022</a:t>
             </a:fld>
             <a:endParaRPr lang="it-IT"/>
           </a:p>
@@ -2110,7 +2112,7 @@
           <a:p>
             <a:fld id="{C369705D-41FE-4C2A-AD94-64E2E5127CB0}" type="datetimeFigureOut">
               <a:rPr lang="it-IT" smtClean="0"/>
-              <a:t>30/05/2022</a:t>
+              <a:t>06/06/2022</a:t>
             </a:fld>
             <a:endParaRPr lang="it-IT"/>
           </a:p>
@@ -2386,7 +2388,7 @@
           <a:p>
             <a:fld id="{C369705D-41FE-4C2A-AD94-64E2E5127CB0}" type="datetimeFigureOut">
               <a:rPr lang="it-IT" smtClean="0"/>
-              <a:t>30/05/2022</a:t>
+              <a:t>06/06/2022</a:t>
             </a:fld>
             <a:endParaRPr lang="it-IT"/>
           </a:p>
@@ -2654,7 +2656,7 @@
           <a:p>
             <a:fld id="{C369705D-41FE-4C2A-AD94-64E2E5127CB0}" type="datetimeFigureOut">
               <a:rPr lang="it-IT" smtClean="0"/>
-              <a:t>30/05/2022</a:t>
+              <a:t>06/06/2022</a:t>
             </a:fld>
             <a:endParaRPr lang="it-IT"/>
           </a:p>
@@ -3069,7 +3071,7 @@
           <a:p>
             <a:fld id="{C369705D-41FE-4C2A-AD94-64E2E5127CB0}" type="datetimeFigureOut">
               <a:rPr lang="it-IT" smtClean="0"/>
-              <a:t>30/05/2022</a:t>
+              <a:t>06/06/2022</a:t>
             </a:fld>
             <a:endParaRPr lang="it-IT"/>
           </a:p>
@@ -3211,7 +3213,7 @@
           <a:p>
             <a:fld id="{C369705D-41FE-4C2A-AD94-64E2E5127CB0}" type="datetimeFigureOut">
               <a:rPr lang="it-IT" smtClean="0"/>
-              <a:t>30/05/2022</a:t>
+              <a:t>06/06/2022</a:t>
             </a:fld>
             <a:endParaRPr lang="it-IT"/>
           </a:p>
@@ -3324,7 +3326,7 @@
           <a:p>
             <a:fld id="{C369705D-41FE-4C2A-AD94-64E2E5127CB0}" type="datetimeFigureOut">
               <a:rPr lang="it-IT" smtClean="0"/>
-              <a:t>30/05/2022</a:t>
+              <a:t>06/06/2022</a:t>
             </a:fld>
             <a:endParaRPr lang="it-IT"/>
           </a:p>
@@ -3637,7 +3639,7 @@
           <a:p>
             <a:fld id="{C369705D-41FE-4C2A-AD94-64E2E5127CB0}" type="datetimeFigureOut">
               <a:rPr lang="it-IT" smtClean="0"/>
-              <a:t>30/05/2022</a:t>
+              <a:t>06/06/2022</a:t>
             </a:fld>
             <a:endParaRPr lang="it-IT"/>
           </a:p>
@@ -3926,7 +3928,7 @@
           <a:p>
             <a:fld id="{C369705D-41FE-4C2A-AD94-64E2E5127CB0}" type="datetimeFigureOut">
               <a:rPr lang="it-IT" smtClean="0"/>
-              <a:t>30/05/2022</a:t>
+              <a:t>06/06/2022</a:t>
             </a:fld>
             <a:endParaRPr lang="it-IT"/>
           </a:p>
@@ -4169,7 +4171,7 @@
           <a:p>
             <a:fld id="{C369705D-41FE-4C2A-AD94-64E2E5127CB0}" type="datetimeFigureOut">
               <a:rPr lang="it-IT" smtClean="0"/>
-              <a:t>30/05/2022</a:t>
+              <a:t>06/06/2022</a:t>
             </a:fld>
             <a:endParaRPr lang="it-IT"/>
           </a:p>
@@ -6421,8 +6423,8 @@
           </a:p>
         </p:txBody>
       </p:sp>
-      <mc:AlternateContent xmlns:mc="http://schemas.openxmlformats.org/markup-compatibility/2006">
-        <mc:Choice xmlns:a14="http://schemas.microsoft.com/office/drawing/2010/main" Requires="a14">
+      <mc:AlternateContent xmlns:mc="http://schemas.openxmlformats.org/markup-compatibility/2006" xmlns:a14="http://schemas.microsoft.com/office/drawing/2010/main">
+        <mc:Choice Requires="a14">
           <p:sp>
             <p:nvSpPr>
               <p:cNvPr id="4" name="TextBox 3">
@@ -6451,6 +6453,7 @@
               </a:bodyPr>
               <a:lstStyle/>
               <a:p>
+                <a:pPr/>
                 <a14:m>
                   <m:oMathPara xmlns:m="http://schemas.openxmlformats.org/officeDocument/2006/math">
                     <m:oMathParaPr>
@@ -6707,7 +6710,7 @@
             </p:txBody>
           </p:sp>
         </mc:Choice>
-        <mc:Fallback>
+        <mc:Fallback xmlns="">
           <p:sp>
             <p:nvSpPr>
               <p:cNvPr id="4" name="TextBox 3">
@@ -6799,8 +6802,8 @@
           </a:extLst>
         </p:spPr>
       </p:pic>
-      <mc:AlternateContent xmlns:mc="http://schemas.openxmlformats.org/markup-compatibility/2006">
-        <mc:Choice xmlns:a14="http://schemas.microsoft.com/office/drawing/2010/main" Requires="a14">
+      <mc:AlternateContent xmlns:mc="http://schemas.openxmlformats.org/markup-compatibility/2006" xmlns:a14="http://schemas.microsoft.com/office/drawing/2010/main">
+        <mc:Choice Requires="a14">
           <p:sp>
             <p:nvSpPr>
               <p:cNvPr id="7" name="TextBox 6">
@@ -6829,6 +6832,7 @@
               </a:bodyPr>
               <a:lstStyle/>
               <a:p>
+                <a:pPr/>
                 <a14:m>
                   <m:oMathPara xmlns:m="http://schemas.openxmlformats.org/officeDocument/2006/math">
                     <m:oMathParaPr>
@@ -6941,7 +6945,7 @@
             </p:txBody>
           </p:sp>
         </mc:Choice>
-        <mc:Fallback>
+        <mc:Fallback xmlns="">
           <p:sp>
             <p:nvSpPr>
               <p:cNvPr id="7" name="TextBox 6">
@@ -7048,7 +7052,19 @@
               <a:rPr lang="en-GB" sz="2400" b="1" dirty="0">
                 <a:latin typeface="+mn-lt"/>
               </a:rPr>
-              <a:t>Support-vector machine</a:t>
+              <a:t>K </a:t>
+            </a:r>
+            <a:r>
+              <a:rPr lang="en-GB" sz="2400" b="1" dirty="0" err="1">
+                <a:latin typeface="+mn-lt"/>
+              </a:rPr>
+              <a:t>neighbors</a:t>
+            </a:r>
+            <a:r>
+              <a:rPr lang="en-GB" sz="2400" b="1" dirty="0">
+                <a:latin typeface="+mn-lt"/>
+              </a:rPr>
+              <a:t> classifier</a:t>
             </a:r>
           </a:p>
         </p:txBody>
@@ -7057,6 +7073,140 @@
     <p:extLst>
       <p:ext uri="{BB962C8B-B14F-4D97-AF65-F5344CB8AC3E}">
         <p14:creationId xmlns:p14="http://schemas.microsoft.com/office/powerpoint/2010/main" val="3010960734"/>
+      </p:ext>
+    </p:extLst>
+  </p:cSld>
+  <p:clrMapOvr>
+    <a:masterClrMapping/>
+  </p:clrMapOvr>
+</p:sld>
+</file>
+
+<file path=ppt/slides/slide7.xml><?xml version="1.0" encoding="utf-8"?>
+<p:sld xmlns:a="http://schemas.openxmlformats.org/drawingml/2006/main" xmlns:r="http://schemas.openxmlformats.org/officeDocument/2006/relationships" xmlns:p="http://schemas.openxmlformats.org/presentationml/2006/main">
+  <p:cSld>
+    <p:spTree>
+      <p:nvGrpSpPr>
+        <p:cNvPr id="1" name=""/>
+        <p:cNvGrpSpPr/>
+        <p:nvPr/>
+      </p:nvGrpSpPr>
+      <p:grpSpPr>
+        <a:xfrm>
+          <a:off x="0" y="0"/>
+          <a:ext cx="0" cy="0"/>
+          <a:chOff x="0" y="0"/>
+          <a:chExt cx="0" cy="0"/>
+        </a:xfrm>
+      </p:grpSpPr>
+      <p:sp>
+        <p:nvSpPr>
+          <p:cNvPr id="4" name="Title 1">
+            <a:extLst>
+              <a:ext uri="{FF2B5EF4-FFF2-40B4-BE49-F238E27FC236}">
+                <a16:creationId xmlns:a16="http://schemas.microsoft.com/office/drawing/2014/main" id="{58C679D1-14B7-223D-10A5-F77131E88DFF}"/>
+              </a:ext>
+            </a:extLst>
+          </p:cNvPr>
+          <p:cNvSpPr>
+            <a:spLocks noGrp="1"/>
+          </p:cNvSpPr>
+          <p:nvPr>
+            <p:ph type="title"/>
+          </p:nvPr>
+        </p:nvSpPr>
+        <p:spPr>
+          <a:xfrm>
+            <a:off x="838200" y="365125"/>
+            <a:ext cx="10515600" cy="521283"/>
+          </a:xfrm>
+        </p:spPr>
+        <p:txBody>
+          <a:bodyPr>
+            <a:normAutofit/>
+          </a:bodyPr>
+          <a:lstStyle/>
+          <a:p>
+            <a:r>
+              <a:rPr lang="en-GB" sz="2400" b="1" dirty="0">
+                <a:latin typeface="+mn-lt"/>
+              </a:rPr>
+              <a:t>Support-vector machine</a:t>
+            </a:r>
+          </a:p>
+        </p:txBody>
+      </p:sp>
+    </p:spTree>
+    <p:extLst>
+      <p:ext uri="{BB962C8B-B14F-4D97-AF65-F5344CB8AC3E}">
+        <p14:creationId xmlns:p14="http://schemas.microsoft.com/office/powerpoint/2010/main" val="918426659"/>
+      </p:ext>
+    </p:extLst>
+  </p:cSld>
+  <p:clrMapOvr>
+    <a:masterClrMapping/>
+  </p:clrMapOvr>
+</p:sld>
+</file>
+
+<file path=ppt/slides/slide8.xml><?xml version="1.0" encoding="utf-8"?>
+<p:sld xmlns:a="http://schemas.openxmlformats.org/drawingml/2006/main" xmlns:r="http://schemas.openxmlformats.org/officeDocument/2006/relationships" xmlns:p="http://schemas.openxmlformats.org/presentationml/2006/main">
+  <p:cSld>
+    <p:spTree>
+      <p:nvGrpSpPr>
+        <p:cNvPr id="1" name=""/>
+        <p:cNvGrpSpPr/>
+        <p:nvPr/>
+      </p:nvGrpSpPr>
+      <p:grpSpPr>
+        <a:xfrm>
+          <a:off x="0" y="0"/>
+          <a:ext cx="0" cy="0"/>
+          <a:chOff x="0" y="0"/>
+          <a:chExt cx="0" cy="0"/>
+        </a:xfrm>
+      </p:grpSpPr>
+      <p:sp>
+        <p:nvSpPr>
+          <p:cNvPr id="4" name="Title 1">
+            <a:extLst>
+              <a:ext uri="{FF2B5EF4-FFF2-40B4-BE49-F238E27FC236}">
+                <a16:creationId xmlns:a16="http://schemas.microsoft.com/office/drawing/2014/main" id="{58C679D1-14B7-223D-10A5-F77131E88DFF}"/>
+              </a:ext>
+            </a:extLst>
+          </p:cNvPr>
+          <p:cNvSpPr>
+            <a:spLocks noGrp="1"/>
+          </p:cNvSpPr>
+          <p:nvPr>
+            <p:ph type="title"/>
+          </p:nvPr>
+        </p:nvSpPr>
+        <p:spPr>
+          <a:xfrm>
+            <a:off x="838200" y="365125"/>
+            <a:ext cx="10515600" cy="521283"/>
+          </a:xfrm>
+        </p:spPr>
+        <p:txBody>
+          <a:bodyPr>
+            <a:normAutofit/>
+          </a:bodyPr>
+          <a:lstStyle/>
+          <a:p>
+            <a:r>
+              <a:rPr lang="en-GB" sz="2400" b="1" dirty="0">
+                <a:latin typeface="+mn-lt"/>
+              </a:rPr>
+              <a:t>Confusion matrix</a:t>
+            </a:r>
+          </a:p>
+        </p:txBody>
+      </p:sp>
+    </p:spTree>
+    <p:extLst>
+      <p:ext uri="{BB962C8B-B14F-4D97-AF65-F5344CB8AC3E}">
+        <p14:creationId xmlns:p14="http://schemas.microsoft.com/office/powerpoint/2010/main" val="2684129627"/>
       </p:ext>
     </p:extLst>
   </p:cSld>

--- a/PredictiveModeling/Classification/Classification.pptx
+++ b/PredictiveModeling/Classification/Classification.pptx
@@ -12,7 +12,13 @@
     <p:sldId id="267" r:id="rId6"/>
     <p:sldId id="268" r:id="rId7"/>
     <p:sldId id="271" r:id="rId8"/>
-    <p:sldId id="272" r:id="rId9"/>
+    <p:sldId id="273" r:id="rId9"/>
+    <p:sldId id="275" r:id="rId10"/>
+    <p:sldId id="272" r:id="rId11"/>
+    <p:sldId id="274" r:id="rId12"/>
+    <p:sldId id="276" r:id="rId13"/>
+    <p:sldId id="279" r:id="rId14"/>
+    <p:sldId id="280" r:id="rId15"/>
   </p:sldIdLst>
   <p:sldSz cx="12192000" cy="6858000"/>
   <p:notesSz cx="6858000" cy="9144000"/>
@@ -1502,7 +1508,7 @@
           <a:p>
             <a:fld id="{C369705D-41FE-4C2A-AD94-64E2E5127CB0}" type="datetimeFigureOut">
               <a:rPr lang="it-IT" smtClean="0"/>
-              <a:t>06/06/2022</a:t>
+              <a:t>17/07/2022</a:t>
             </a:fld>
             <a:endParaRPr lang="it-IT"/>
           </a:p>
@@ -1702,7 +1708,7 @@
           <a:p>
             <a:fld id="{C369705D-41FE-4C2A-AD94-64E2E5127CB0}" type="datetimeFigureOut">
               <a:rPr lang="it-IT" smtClean="0"/>
-              <a:t>06/06/2022</a:t>
+              <a:t>17/07/2022</a:t>
             </a:fld>
             <a:endParaRPr lang="it-IT"/>
           </a:p>
@@ -1912,7 +1918,7 @@
           <a:p>
             <a:fld id="{C369705D-41FE-4C2A-AD94-64E2E5127CB0}" type="datetimeFigureOut">
               <a:rPr lang="it-IT" smtClean="0"/>
-              <a:t>06/06/2022</a:t>
+              <a:t>17/07/2022</a:t>
             </a:fld>
             <a:endParaRPr lang="it-IT"/>
           </a:p>
@@ -2112,7 +2118,7 @@
           <a:p>
             <a:fld id="{C369705D-41FE-4C2A-AD94-64E2E5127CB0}" type="datetimeFigureOut">
               <a:rPr lang="it-IT" smtClean="0"/>
-              <a:t>06/06/2022</a:t>
+              <a:t>17/07/2022</a:t>
             </a:fld>
             <a:endParaRPr lang="it-IT"/>
           </a:p>
@@ -2388,7 +2394,7 @@
           <a:p>
             <a:fld id="{C369705D-41FE-4C2A-AD94-64E2E5127CB0}" type="datetimeFigureOut">
               <a:rPr lang="it-IT" smtClean="0"/>
-              <a:t>06/06/2022</a:t>
+              <a:t>17/07/2022</a:t>
             </a:fld>
             <a:endParaRPr lang="it-IT"/>
           </a:p>
@@ -2656,7 +2662,7 @@
           <a:p>
             <a:fld id="{C369705D-41FE-4C2A-AD94-64E2E5127CB0}" type="datetimeFigureOut">
               <a:rPr lang="it-IT" smtClean="0"/>
-              <a:t>06/06/2022</a:t>
+              <a:t>17/07/2022</a:t>
             </a:fld>
             <a:endParaRPr lang="it-IT"/>
           </a:p>
@@ -3071,7 +3077,7 @@
           <a:p>
             <a:fld id="{C369705D-41FE-4C2A-AD94-64E2E5127CB0}" type="datetimeFigureOut">
               <a:rPr lang="it-IT" smtClean="0"/>
-              <a:t>06/06/2022</a:t>
+              <a:t>17/07/2022</a:t>
             </a:fld>
             <a:endParaRPr lang="it-IT"/>
           </a:p>
@@ -3213,7 +3219,7 @@
           <a:p>
             <a:fld id="{C369705D-41FE-4C2A-AD94-64E2E5127CB0}" type="datetimeFigureOut">
               <a:rPr lang="it-IT" smtClean="0"/>
-              <a:t>06/06/2022</a:t>
+              <a:t>17/07/2022</a:t>
             </a:fld>
             <a:endParaRPr lang="it-IT"/>
           </a:p>
@@ -3326,7 +3332,7 @@
           <a:p>
             <a:fld id="{C369705D-41FE-4C2A-AD94-64E2E5127CB0}" type="datetimeFigureOut">
               <a:rPr lang="it-IT" smtClean="0"/>
-              <a:t>06/06/2022</a:t>
+              <a:t>17/07/2022</a:t>
             </a:fld>
             <a:endParaRPr lang="it-IT"/>
           </a:p>
@@ -3639,7 +3645,7 @@
           <a:p>
             <a:fld id="{C369705D-41FE-4C2A-AD94-64E2E5127CB0}" type="datetimeFigureOut">
               <a:rPr lang="it-IT" smtClean="0"/>
-              <a:t>06/06/2022</a:t>
+              <a:t>17/07/2022</a:t>
             </a:fld>
             <a:endParaRPr lang="it-IT"/>
           </a:p>
@@ -3928,7 +3934,7 @@
           <a:p>
             <a:fld id="{C369705D-41FE-4C2A-AD94-64E2E5127CB0}" type="datetimeFigureOut">
               <a:rPr lang="it-IT" smtClean="0"/>
-              <a:t>06/06/2022</a:t>
+              <a:t>17/07/2022</a:t>
             </a:fld>
             <a:endParaRPr lang="it-IT"/>
           </a:p>
@@ -4171,7 +4177,7 @@
           <a:p>
             <a:fld id="{C369705D-41FE-4C2A-AD94-64E2E5127CB0}" type="datetimeFigureOut">
               <a:rPr lang="it-IT" smtClean="0"/>
-              <a:t>06/06/2022</a:t>
+              <a:t>17/07/2022</a:t>
             </a:fld>
             <a:endParaRPr lang="it-IT"/>
           </a:p>
@@ -4632,6 +4638,1361 @@
     <p:extLst>
       <p:ext uri="{BB962C8B-B14F-4D97-AF65-F5344CB8AC3E}">
         <p14:creationId xmlns:p14="http://schemas.microsoft.com/office/powerpoint/2010/main" val="3467641796"/>
+      </p:ext>
+    </p:extLst>
+  </p:cSld>
+  <p:clrMapOvr>
+    <a:masterClrMapping/>
+  </p:clrMapOvr>
+</p:sld>
+</file>
+
+<file path=ppt/slides/slide10.xml><?xml version="1.0" encoding="utf-8"?>
+<p:sld xmlns:a="http://schemas.openxmlformats.org/drawingml/2006/main" xmlns:r="http://schemas.openxmlformats.org/officeDocument/2006/relationships" xmlns:p="http://schemas.openxmlformats.org/presentationml/2006/main">
+  <p:cSld>
+    <p:spTree>
+      <p:nvGrpSpPr>
+        <p:cNvPr id="1" name=""/>
+        <p:cNvGrpSpPr/>
+        <p:nvPr/>
+      </p:nvGrpSpPr>
+      <p:grpSpPr>
+        <a:xfrm>
+          <a:off x="0" y="0"/>
+          <a:ext cx="0" cy="0"/>
+          <a:chOff x="0" y="0"/>
+          <a:chExt cx="0" cy="0"/>
+        </a:xfrm>
+      </p:grpSpPr>
+      <p:sp>
+        <p:nvSpPr>
+          <p:cNvPr id="4" name="Title 1">
+            <a:extLst>
+              <a:ext uri="{FF2B5EF4-FFF2-40B4-BE49-F238E27FC236}">
+                <a16:creationId xmlns:a16="http://schemas.microsoft.com/office/drawing/2014/main" id="{58C679D1-14B7-223D-10A5-F77131E88DFF}"/>
+              </a:ext>
+            </a:extLst>
+          </p:cNvPr>
+          <p:cNvSpPr>
+            <a:spLocks noGrp="1"/>
+          </p:cNvSpPr>
+          <p:nvPr>
+            <p:ph type="title"/>
+          </p:nvPr>
+        </p:nvSpPr>
+        <p:spPr>
+          <a:xfrm>
+            <a:off x="838200" y="523749"/>
+            <a:ext cx="10515600" cy="523157"/>
+          </a:xfrm>
+        </p:spPr>
+        <p:txBody>
+          <a:bodyPr>
+            <a:normAutofit/>
+          </a:bodyPr>
+          <a:lstStyle/>
+          <a:p>
+            <a:r>
+              <a:rPr lang="en-GB" sz="2400" b="1" dirty="0">
+                <a:latin typeface="+mn-lt"/>
+              </a:rPr>
+              <a:t>Evaluation metrics for classification model</a:t>
+            </a:r>
+            <a:endParaRPr lang="en-GB" sz="1800" b="1" dirty="0">
+              <a:latin typeface="+mn-lt"/>
+            </a:endParaRPr>
+          </a:p>
+        </p:txBody>
+      </p:sp>
+      <p:sp>
+        <p:nvSpPr>
+          <p:cNvPr id="3" name="TextBox 2">
+            <a:extLst>
+              <a:ext uri="{FF2B5EF4-FFF2-40B4-BE49-F238E27FC236}">
+                <a16:creationId xmlns:a16="http://schemas.microsoft.com/office/drawing/2014/main" id="{E3E1B475-58BB-A7CB-70B8-B3250FE6CB5B}"/>
+              </a:ext>
+            </a:extLst>
+          </p:cNvPr>
+          <p:cNvSpPr txBox="1"/>
+          <p:nvPr/>
+        </p:nvSpPr>
+        <p:spPr>
+          <a:xfrm>
+            <a:off x="3703216" y="1830861"/>
+            <a:ext cx="4050523" cy="3539430"/>
+          </a:xfrm>
+          <a:prstGeom prst="rect">
+            <a:avLst/>
+          </a:prstGeom>
+          <a:noFill/>
+        </p:spPr>
+        <p:txBody>
+          <a:bodyPr wrap="square" rtlCol="0">
+            <a:spAutoFit/>
+          </a:bodyPr>
+          <a:lstStyle/>
+          <a:p>
+            <a:pPr marL="285750" indent="-285750">
+              <a:buFont typeface="Arial" panose="020B0604020202020204" pitchFamily="34" charset="0"/>
+              <a:buChar char="•"/>
+            </a:pPr>
+            <a:r>
+              <a:rPr lang="it-IT" sz="3200" dirty="0" err="1"/>
+              <a:t>Accuracy</a:t>
+            </a:r>
+            <a:endParaRPr lang="it-IT" sz="3200" dirty="0"/>
+          </a:p>
+          <a:p>
+            <a:pPr marL="285750" indent="-285750">
+              <a:buFont typeface="Arial" panose="020B0604020202020204" pitchFamily="34" charset="0"/>
+              <a:buChar char="•"/>
+            </a:pPr>
+            <a:endParaRPr lang="it-IT" sz="3200" dirty="0"/>
+          </a:p>
+          <a:p>
+            <a:pPr marL="285750" indent="-285750">
+              <a:buFont typeface="Arial" panose="020B0604020202020204" pitchFamily="34" charset="0"/>
+              <a:buChar char="•"/>
+            </a:pPr>
+            <a:r>
+              <a:rPr lang="it-IT" sz="3200" dirty="0"/>
+              <a:t>Precision</a:t>
+            </a:r>
+          </a:p>
+          <a:p>
+            <a:pPr marL="285750" indent="-285750">
+              <a:buFont typeface="Arial" panose="020B0604020202020204" pitchFamily="34" charset="0"/>
+              <a:buChar char="•"/>
+            </a:pPr>
+            <a:endParaRPr lang="it-IT" sz="3200" dirty="0"/>
+          </a:p>
+          <a:p>
+            <a:pPr marL="285750" indent="-285750">
+              <a:buFont typeface="Arial" panose="020B0604020202020204" pitchFamily="34" charset="0"/>
+              <a:buChar char="•"/>
+            </a:pPr>
+            <a:r>
+              <a:rPr lang="it-IT" sz="3200" dirty="0"/>
+              <a:t>Recall (</a:t>
+            </a:r>
+            <a:r>
+              <a:rPr lang="it-IT" sz="3200" dirty="0" err="1"/>
+              <a:t>Sensitivity</a:t>
+            </a:r>
+            <a:r>
+              <a:rPr lang="it-IT" sz="3200" dirty="0"/>
+              <a:t>)</a:t>
+            </a:r>
+          </a:p>
+          <a:p>
+            <a:endParaRPr lang="it-IT" sz="3200" dirty="0"/>
+          </a:p>
+          <a:p>
+            <a:pPr marL="285750" indent="-285750">
+              <a:buFont typeface="Arial" panose="020B0604020202020204" pitchFamily="34" charset="0"/>
+              <a:buChar char="•"/>
+            </a:pPr>
+            <a:r>
+              <a:rPr lang="it-IT" sz="3200" dirty="0"/>
+              <a:t>AUC-ROC</a:t>
+            </a:r>
+            <a:endParaRPr lang="en-GB" sz="3200" dirty="0"/>
+          </a:p>
+        </p:txBody>
+      </p:sp>
+    </p:spTree>
+    <p:extLst>
+      <p:ext uri="{BB962C8B-B14F-4D97-AF65-F5344CB8AC3E}">
+        <p14:creationId xmlns:p14="http://schemas.microsoft.com/office/powerpoint/2010/main" val="2684129627"/>
+      </p:ext>
+    </p:extLst>
+  </p:cSld>
+  <p:clrMapOvr>
+    <a:masterClrMapping/>
+  </p:clrMapOvr>
+</p:sld>
+</file>
+
+<file path=ppt/slides/slide11.xml><?xml version="1.0" encoding="utf-8"?>
+<p:sld xmlns:a="http://schemas.openxmlformats.org/drawingml/2006/main" xmlns:r="http://schemas.openxmlformats.org/officeDocument/2006/relationships" xmlns:p="http://schemas.openxmlformats.org/presentationml/2006/main">
+  <p:cSld>
+    <p:spTree>
+      <p:nvGrpSpPr>
+        <p:cNvPr id="1" name=""/>
+        <p:cNvGrpSpPr/>
+        <p:nvPr/>
+      </p:nvGrpSpPr>
+      <p:grpSpPr>
+        <a:xfrm>
+          <a:off x="0" y="0"/>
+          <a:ext cx="0" cy="0"/>
+          <a:chOff x="0" y="0"/>
+          <a:chExt cx="0" cy="0"/>
+        </a:xfrm>
+      </p:grpSpPr>
+      <p:sp>
+        <p:nvSpPr>
+          <p:cNvPr id="4" name="Title 1">
+            <a:extLst>
+              <a:ext uri="{FF2B5EF4-FFF2-40B4-BE49-F238E27FC236}">
+                <a16:creationId xmlns:a16="http://schemas.microsoft.com/office/drawing/2014/main" id="{58C679D1-14B7-223D-10A5-F77131E88DFF}"/>
+              </a:ext>
+            </a:extLst>
+          </p:cNvPr>
+          <p:cNvSpPr>
+            <a:spLocks noGrp="1"/>
+          </p:cNvSpPr>
+          <p:nvPr>
+            <p:ph type="title"/>
+          </p:nvPr>
+        </p:nvSpPr>
+        <p:spPr>
+          <a:xfrm>
+            <a:off x="838200" y="365125"/>
+            <a:ext cx="10515600" cy="1550761"/>
+          </a:xfrm>
+        </p:spPr>
+        <p:txBody>
+          <a:bodyPr>
+            <a:normAutofit/>
+          </a:bodyPr>
+          <a:lstStyle/>
+          <a:p>
+            <a:r>
+              <a:rPr lang="en-GB" sz="2400" b="1" dirty="0">
+                <a:latin typeface="+mn-lt"/>
+              </a:rPr>
+              <a:t>Accuracy</a:t>
+            </a:r>
+            <a:br>
+              <a:rPr lang="en-GB" sz="2400" b="1" dirty="0">
+                <a:latin typeface="+mn-lt"/>
+              </a:rPr>
+            </a:br>
+            <a:br>
+              <a:rPr lang="en-GB" sz="2400" b="1" dirty="0">
+                <a:latin typeface="+mn-lt"/>
+              </a:rPr>
+            </a:br>
+            <a:r>
+              <a:rPr lang="en-GB" sz="1800" b="0" i="0" dirty="0">
+                <a:solidFill>
+                  <a:srgbClr val="222222"/>
+                </a:solidFill>
+                <a:effectLst/>
+                <a:latin typeface="Lato" panose="020F0502020204030203" pitchFamily="34" charset="0"/>
+              </a:rPr>
+              <a:t>Accuracy simply measures how often the classifier correctly predicts. We can define accuracy as the ratio of the number of correct predictions and the total number of predictions.</a:t>
+            </a:r>
+            <a:endParaRPr lang="en-GB" sz="1800" b="1" dirty="0">
+              <a:latin typeface="+mn-lt"/>
+            </a:endParaRPr>
+          </a:p>
+        </p:txBody>
+      </p:sp>
+      <mc:AlternateContent xmlns:mc="http://schemas.openxmlformats.org/markup-compatibility/2006">
+        <mc:Choice xmlns:a14="http://schemas.microsoft.com/office/drawing/2010/main" Requires="a14">
+          <p:sp>
+            <p:nvSpPr>
+              <p:cNvPr id="2" name="TextBox 1">
+                <a:extLst>
+                  <a:ext uri="{FF2B5EF4-FFF2-40B4-BE49-F238E27FC236}">
+                    <a16:creationId xmlns:a16="http://schemas.microsoft.com/office/drawing/2014/main" id="{92712CD1-6A5E-44E2-BE53-E2F70E0BC73D}"/>
+                  </a:ext>
+                </a:extLst>
+              </p:cNvPr>
+              <p:cNvSpPr txBox="1"/>
+              <p:nvPr/>
+            </p:nvSpPr>
+            <p:spPr>
+              <a:xfrm>
+                <a:off x="2957804" y="3138311"/>
+                <a:ext cx="5467739" cy="581378"/>
+              </a:xfrm>
+              <a:prstGeom prst="rect">
+                <a:avLst/>
+              </a:prstGeom>
+              <a:noFill/>
+            </p:spPr>
+            <p:txBody>
+              <a:bodyPr wrap="square" lIns="0" tIns="0" rIns="0" bIns="0" rtlCol="0">
+                <a:spAutoFit/>
+              </a:bodyPr>
+              <a:lstStyle/>
+              <a:p>
+                <a:pPr/>
+                <a14:m>
+                  <m:oMathPara xmlns:m="http://schemas.openxmlformats.org/officeDocument/2006/math">
+                    <m:oMathParaPr>
+                      <m:jc m:val="centerGroup"/>
+                    </m:oMathParaPr>
+                    <m:oMath xmlns:m="http://schemas.openxmlformats.org/officeDocument/2006/math">
+                      <m:r>
+                        <a:rPr lang="it-IT" sz="2000" b="0" i="1" smtClean="0">
+                          <a:latin typeface="Cambria Math" panose="02040503050406030204" pitchFamily="18" charset="0"/>
+                        </a:rPr>
+                        <m:t>𝐴𝑐𝑐𝑢𝑟𝑎𝑐𝑦</m:t>
+                      </m:r>
+                      <m:r>
+                        <a:rPr lang="en-GB" sz="2000" i="1" smtClean="0">
+                          <a:latin typeface="Cambria Math" panose="02040503050406030204" pitchFamily="18" charset="0"/>
+                        </a:rPr>
+                        <m:t>=</m:t>
+                      </m:r>
+                      <m:f>
+                        <m:fPr>
+                          <m:ctrlPr>
+                            <a:rPr lang="en-GB" sz="2000" i="1" smtClean="0">
+                              <a:latin typeface="Cambria Math" panose="02040503050406030204" pitchFamily="18" charset="0"/>
+                            </a:rPr>
+                          </m:ctrlPr>
+                        </m:fPr>
+                        <m:num>
+                          <m:r>
+                            <a:rPr lang="it-IT" sz="2000" b="0" i="1" smtClean="0">
+                              <a:latin typeface="Cambria Math" panose="02040503050406030204" pitchFamily="18" charset="0"/>
+                            </a:rPr>
+                            <m:t>𝑇𝑃</m:t>
+                          </m:r>
+                          <m:r>
+                            <a:rPr lang="it-IT" sz="2000" b="0" i="1" smtClean="0">
+                              <a:latin typeface="Cambria Math" panose="02040503050406030204" pitchFamily="18" charset="0"/>
+                            </a:rPr>
+                            <m:t>+</m:t>
+                          </m:r>
+                          <m:r>
+                            <a:rPr lang="it-IT" sz="2000" b="0" i="1" smtClean="0">
+                              <a:latin typeface="Cambria Math" panose="02040503050406030204" pitchFamily="18" charset="0"/>
+                            </a:rPr>
+                            <m:t>𝑇𝑁</m:t>
+                          </m:r>
+                        </m:num>
+                        <m:den>
+                          <m:r>
+                            <a:rPr lang="it-IT" sz="2000" b="0" i="1" smtClean="0">
+                              <a:latin typeface="Cambria Math" panose="02040503050406030204" pitchFamily="18" charset="0"/>
+                            </a:rPr>
+                            <m:t>𝑇𝑃</m:t>
+                          </m:r>
+                          <m:r>
+                            <a:rPr lang="it-IT" sz="2000" b="0" i="1" smtClean="0">
+                              <a:latin typeface="Cambria Math" panose="02040503050406030204" pitchFamily="18" charset="0"/>
+                            </a:rPr>
+                            <m:t>+</m:t>
+                          </m:r>
+                          <m:r>
+                            <a:rPr lang="it-IT" sz="2000" b="0" i="1" smtClean="0">
+                              <a:latin typeface="Cambria Math" panose="02040503050406030204" pitchFamily="18" charset="0"/>
+                            </a:rPr>
+                            <m:t>𝑇𝑁</m:t>
+                          </m:r>
+                          <m:r>
+                            <a:rPr lang="it-IT" sz="2000" b="0" i="1" smtClean="0">
+                              <a:latin typeface="Cambria Math" panose="02040503050406030204" pitchFamily="18" charset="0"/>
+                            </a:rPr>
+                            <m:t>+</m:t>
+                          </m:r>
+                          <m:r>
+                            <a:rPr lang="it-IT" sz="2000" b="0" i="1" smtClean="0">
+                              <a:latin typeface="Cambria Math" panose="02040503050406030204" pitchFamily="18" charset="0"/>
+                            </a:rPr>
+                            <m:t>𝐹𝑃</m:t>
+                          </m:r>
+                          <m:r>
+                            <a:rPr lang="it-IT" sz="2000" b="0" i="1" smtClean="0">
+                              <a:latin typeface="Cambria Math" panose="02040503050406030204" pitchFamily="18" charset="0"/>
+                            </a:rPr>
+                            <m:t>+</m:t>
+                          </m:r>
+                          <m:r>
+                            <a:rPr lang="it-IT" sz="2000" b="0" i="1" smtClean="0">
+                              <a:latin typeface="Cambria Math" panose="02040503050406030204" pitchFamily="18" charset="0"/>
+                            </a:rPr>
+                            <m:t>𝐹𝑁</m:t>
+                          </m:r>
+                        </m:den>
+                      </m:f>
+                    </m:oMath>
+                  </m:oMathPara>
+                </a14:m>
+                <a:endParaRPr lang="en-GB" sz="2000" dirty="0"/>
+              </a:p>
+            </p:txBody>
+          </p:sp>
+        </mc:Choice>
+        <mc:Fallback>
+          <p:sp>
+            <p:nvSpPr>
+              <p:cNvPr id="2" name="TextBox 1">
+                <a:extLst>
+                  <a:ext uri="{FF2B5EF4-FFF2-40B4-BE49-F238E27FC236}">
+                    <a16:creationId xmlns:a16="http://schemas.microsoft.com/office/drawing/2014/main" id="{92712CD1-6A5E-44E2-BE53-E2F70E0BC73D}"/>
+                  </a:ext>
+                </a:extLst>
+              </p:cNvPr>
+              <p:cNvSpPr txBox="1">
+                <a:spLocks noRot="1" noChangeAspect="1" noMove="1" noResize="1" noEditPoints="1" noAdjustHandles="1" noChangeArrowheads="1" noChangeShapeType="1" noTextEdit="1"/>
+              </p:cNvSpPr>
+              <p:nvPr/>
+            </p:nvSpPr>
+            <p:spPr>
+              <a:xfrm>
+                <a:off x="2957804" y="3138311"/>
+                <a:ext cx="5467739" cy="581378"/>
+              </a:xfrm>
+              <a:prstGeom prst="rect">
+                <a:avLst/>
+              </a:prstGeom>
+              <a:blipFill>
+                <a:blip r:embed="rId2"/>
+                <a:stretch>
+                  <a:fillRect/>
+                </a:stretch>
+              </a:blipFill>
+            </p:spPr>
+            <p:txBody>
+              <a:bodyPr/>
+              <a:lstStyle/>
+              <a:p>
+                <a:r>
+                  <a:rPr lang="en-GB">
+                    <a:noFill/>
+                  </a:rPr>
+                  <a:t> </a:t>
+                </a:r>
+              </a:p>
+            </p:txBody>
+          </p:sp>
+        </mc:Fallback>
+      </mc:AlternateContent>
+      <p:sp>
+        <p:nvSpPr>
+          <p:cNvPr id="3" name="TextBox 2">
+            <a:extLst>
+              <a:ext uri="{FF2B5EF4-FFF2-40B4-BE49-F238E27FC236}">
+                <a16:creationId xmlns:a16="http://schemas.microsoft.com/office/drawing/2014/main" id="{69A0B934-DACF-3FBD-8FE4-13D46C4E6118}"/>
+              </a:ext>
+            </a:extLst>
+          </p:cNvPr>
+          <p:cNvSpPr txBox="1"/>
+          <p:nvPr/>
+        </p:nvSpPr>
+        <p:spPr>
+          <a:xfrm>
+            <a:off x="4204026" y="5912889"/>
+            <a:ext cx="3560014" cy="369332"/>
+          </a:xfrm>
+          <a:prstGeom prst="rect">
+            <a:avLst/>
+          </a:prstGeom>
+          <a:noFill/>
+        </p:spPr>
+        <p:txBody>
+          <a:bodyPr wrap="none" rtlCol="0">
+            <a:spAutoFit/>
+          </a:bodyPr>
+          <a:lstStyle/>
+          <a:p>
+            <a:r>
+              <a:rPr lang="en-GB" dirty="0"/>
+              <a:t>Be </a:t>
+            </a:r>
+            <a:r>
+              <a:rPr lang="en-GB" dirty="0" err="1"/>
+              <a:t>carefull</a:t>
+            </a:r>
+            <a:r>
+              <a:rPr lang="en-GB" dirty="0"/>
+              <a:t> with imbalanced classes!</a:t>
+            </a:r>
+          </a:p>
+        </p:txBody>
+      </p:sp>
+    </p:spTree>
+    <p:extLst>
+      <p:ext uri="{BB962C8B-B14F-4D97-AF65-F5344CB8AC3E}">
+        <p14:creationId xmlns:p14="http://schemas.microsoft.com/office/powerpoint/2010/main" val="2936514577"/>
+      </p:ext>
+    </p:extLst>
+  </p:cSld>
+  <p:clrMapOvr>
+    <a:masterClrMapping/>
+  </p:clrMapOvr>
+</p:sld>
+</file>
+
+<file path=ppt/slides/slide12.xml><?xml version="1.0" encoding="utf-8"?>
+<p:sld xmlns:a="http://schemas.openxmlformats.org/drawingml/2006/main" xmlns:r="http://schemas.openxmlformats.org/officeDocument/2006/relationships" xmlns:p="http://schemas.openxmlformats.org/presentationml/2006/main">
+  <p:cSld>
+    <p:spTree>
+      <p:nvGrpSpPr>
+        <p:cNvPr id="1" name=""/>
+        <p:cNvGrpSpPr/>
+        <p:nvPr/>
+      </p:nvGrpSpPr>
+      <p:grpSpPr>
+        <a:xfrm>
+          <a:off x="0" y="0"/>
+          <a:ext cx="0" cy="0"/>
+          <a:chOff x="0" y="0"/>
+          <a:chExt cx="0" cy="0"/>
+        </a:xfrm>
+      </p:grpSpPr>
+      <p:sp>
+        <p:nvSpPr>
+          <p:cNvPr id="4" name="Title 1">
+            <a:extLst>
+              <a:ext uri="{FF2B5EF4-FFF2-40B4-BE49-F238E27FC236}">
+                <a16:creationId xmlns:a16="http://schemas.microsoft.com/office/drawing/2014/main" id="{58C679D1-14B7-223D-10A5-F77131E88DFF}"/>
+              </a:ext>
+            </a:extLst>
+          </p:cNvPr>
+          <p:cNvSpPr>
+            <a:spLocks noGrp="1"/>
+          </p:cNvSpPr>
+          <p:nvPr>
+            <p:ph type="title"/>
+          </p:nvPr>
+        </p:nvSpPr>
+        <p:spPr>
+          <a:xfrm>
+            <a:off x="838200" y="365125"/>
+            <a:ext cx="10515600" cy="1939536"/>
+          </a:xfrm>
+        </p:spPr>
+        <p:txBody>
+          <a:bodyPr>
+            <a:normAutofit fontScale="90000"/>
+          </a:bodyPr>
+          <a:lstStyle/>
+          <a:p>
+            <a:r>
+              <a:rPr lang="en-GB" sz="2400" b="1" dirty="0">
+                <a:latin typeface="+mn-lt"/>
+              </a:rPr>
+              <a:t>Precision</a:t>
+            </a:r>
+            <a:br>
+              <a:rPr lang="en-GB" sz="2400" b="1" dirty="0">
+                <a:latin typeface="+mn-lt"/>
+              </a:rPr>
+            </a:br>
+            <a:br>
+              <a:rPr lang="en-GB" sz="2400" b="1" dirty="0">
+                <a:latin typeface="+mn-lt"/>
+              </a:rPr>
+            </a:br>
+            <a:r>
+              <a:rPr lang="en-GB" sz="1800" b="0" i="0" dirty="0" err="1">
+                <a:solidFill>
+                  <a:srgbClr val="222222"/>
+                </a:solidFill>
+                <a:effectLst/>
+                <a:latin typeface="Lato" panose="020F0502020204030203" pitchFamily="34" charset="0"/>
+              </a:rPr>
+              <a:t>Precision</a:t>
+            </a:r>
+            <a:r>
+              <a:rPr lang="en-GB" sz="1800" b="0" i="0" dirty="0">
+                <a:solidFill>
+                  <a:srgbClr val="222222"/>
+                </a:solidFill>
+                <a:effectLst/>
+                <a:latin typeface="Lato" panose="020F0502020204030203" pitchFamily="34" charset="0"/>
+              </a:rPr>
+              <a:t> explains how many of the correctly predicted cases actually turned out to be positive. Precision is useful in the cases where False Positive is a higher concern than False Negatives. </a:t>
+            </a:r>
+            <a:br>
+              <a:rPr lang="en-GB" sz="1800" b="0" i="0" dirty="0">
+                <a:solidFill>
+                  <a:srgbClr val="222222"/>
+                </a:solidFill>
+                <a:effectLst/>
+                <a:latin typeface="Lato" panose="020F0502020204030203" pitchFamily="34" charset="0"/>
+              </a:rPr>
+            </a:br>
+            <a:br>
+              <a:rPr lang="en-GB" sz="1800" b="0" i="0" dirty="0">
+                <a:solidFill>
+                  <a:srgbClr val="222222"/>
+                </a:solidFill>
+                <a:effectLst/>
+                <a:latin typeface="Lato" panose="020F0502020204030203" pitchFamily="34" charset="0"/>
+              </a:rPr>
+            </a:br>
+            <a:r>
+              <a:rPr lang="en-GB" sz="1800" b="0" i="0" dirty="0">
+                <a:solidFill>
+                  <a:srgbClr val="222222"/>
+                </a:solidFill>
+                <a:effectLst/>
+                <a:latin typeface="Lato" panose="020F0502020204030203" pitchFamily="34" charset="0"/>
+              </a:rPr>
+              <a:t>The importance of Precision is in music or video recommendation systems, e-commerce websites, etc. where wrong results could lead to customer churn and this could be harmful to the business.</a:t>
+            </a:r>
+            <a:endParaRPr lang="en-GB" sz="1800" b="1" dirty="0">
+              <a:latin typeface="+mn-lt"/>
+            </a:endParaRPr>
+          </a:p>
+        </p:txBody>
+      </p:sp>
+      <mc:AlternateContent xmlns:mc="http://schemas.openxmlformats.org/markup-compatibility/2006">
+        <mc:Choice xmlns:a14="http://schemas.microsoft.com/office/drawing/2010/main" Requires="a14">
+          <p:sp>
+            <p:nvSpPr>
+              <p:cNvPr id="8" name="TextBox 7">
+                <a:extLst>
+                  <a:ext uri="{FF2B5EF4-FFF2-40B4-BE49-F238E27FC236}">
+                    <a16:creationId xmlns:a16="http://schemas.microsoft.com/office/drawing/2014/main" id="{E161CB1B-E138-B698-64E2-693418251173}"/>
+                  </a:ext>
+                </a:extLst>
+              </p:cNvPr>
+              <p:cNvSpPr txBox="1"/>
+              <p:nvPr/>
+            </p:nvSpPr>
+            <p:spPr>
+              <a:xfrm>
+                <a:off x="3004457" y="2804367"/>
+                <a:ext cx="5467739" cy="813813"/>
+              </a:xfrm>
+              <a:prstGeom prst="rect">
+                <a:avLst/>
+              </a:prstGeom>
+              <a:noFill/>
+            </p:spPr>
+            <p:txBody>
+              <a:bodyPr wrap="square" lIns="0" tIns="0" rIns="0" bIns="0" rtlCol="0">
+                <a:spAutoFit/>
+              </a:bodyPr>
+              <a:lstStyle/>
+              <a:p>
+                <a:pPr/>
+                <a14:m>
+                  <m:oMathPara xmlns:m="http://schemas.openxmlformats.org/officeDocument/2006/math">
+                    <m:oMathParaPr>
+                      <m:jc m:val="centerGroup"/>
+                    </m:oMathParaPr>
+                    <m:oMath xmlns:m="http://schemas.openxmlformats.org/officeDocument/2006/math">
+                      <m:r>
+                        <a:rPr lang="en-GB" sz="2800" b="0" i="1" smtClean="0">
+                          <a:latin typeface="Cambria Math" panose="02040503050406030204" pitchFamily="18" charset="0"/>
+                        </a:rPr>
+                        <m:t>𝑃𝑟𝑒𝑐𝑖𝑠𝑖𝑜𝑛</m:t>
+                      </m:r>
+                      <m:r>
+                        <a:rPr lang="en-GB" sz="2800" i="1" smtClean="0">
+                          <a:latin typeface="Cambria Math" panose="02040503050406030204" pitchFamily="18" charset="0"/>
+                        </a:rPr>
+                        <m:t>=</m:t>
+                      </m:r>
+                      <m:f>
+                        <m:fPr>
+                          <m:ctrlPr>
+                            <a:rPr lang="en-GB" sz="2800" i="1" smtClean="0">
+                              <a:latin typeface="Cambria Math" panose="02040503050406030204" pitchFamily="18" charset="0"/>
+                            </a:rPr>
+                          </m:ctrlPr>
+                        </m:fPr>
+                        <m:num>
+                          <m:r>
+                            <a:rPr lang="it-IT" sz="2800" b="0" i="1" smtClean="0">
+                              <a:latin typeface="Cambria Math" panose="02040503050406030204" pitchFamily="18" charset="0"/>
+                            </a:rPr>
+                            <m:t>𝑇𝑃</m:t>
+                          </m:r>
+                        </m:num>
+                        <m:den>
+                          <m:r>
+                            <a:rPr lang="it-IT" sz="2800" b="0" i="1" smtClean="0">
+                              <a:latin typeface="Cambria Math" panose="02040503050406030204" pitchFamily="18" charset="0"/>
+                            </a:rPr>
+                            <m:t>𝑇𝑃</m:t>
+                          </m:r>
+                          <m:r>
+                            <a:rPr lang="en-GB" sz="2800" b="0" i="1" smtClean="0">
+                              <a:latin typeface="Cambria Math" panose="02040503050406030204" pitchFamily="18" charset="0"/>
+                            </a:rPr>
+                            <m:t>+</m:t>
+                          </m:r>
+                          <m:r>
+                            <a:rPr lang="it-IT" sz="2800" b="0" i="1" smtClean="0">
+                              <a:latin typeface="Cambria Math" panose="02040503050406030204" pitchFamily="18" charset="0"/>
+                            </a:rPr>
+                            <m:t>𝐹𝑃</m:t>
+                          </m:r>
+                        </m:den>
+                      </m:f>
+                    </m:oMath>
+                  </m:oMathPara>
+                </a14:m>
+                <a:endParaRPr lang="en-GB" sz="2800" dirty="0"/>
+              </a:p>
+            </p:txBody>
+          </p:sp>
+        </mc:Choice>
+        <mc:Fallback>
+          <p:sp>
+            <p:nvSpPr>
+              <p:cNvPr id="8" name="TextBox 7">
+                <a:extLst>
+                  <a:ext uri="{FF2B5EF4-FFF2-40B4-BE49-F238E27FC236}">
+                    <a16:creationId xmlns:a16="http://schemas.microsoft.com/office/drawing/2014/main" id="{E161CB1B-E138-B698-64E2-693418251173}"/>
+                  </a:ext>
+                </a:extLst>
+              </p:cNvPr>
+              <p:cNvSpPr txBox="1">
+                <a:spLocks noRot="1" noChangeAspect="1" noMove="1" noResize="1" noEditPoints="1" noAdjustHandles="1" noChangeArrowheads="1" noChangeShapeType="1" noTextEdit="1"/>
+              </p:cNvSpPr>
+              <p:nvPr/>
+            </p:nvSpPr>
+            <p:spPr>
+              <a:xfrm>
+                <a:off x="3004457" y="2804367"/>
+                <a:ext cx="5467739" cy="813813"/>
+              </a:xfrm>
+              <a:prstGeom prst="rect">
+                <a:avLst/>
+              </a:prstGeom>
+              <a:blipFill>
+                <a:blip r:embed="rId2"/>
+                <a:stretch>
+                  <a:fillRect/>
+                </a:stretch>
+              </a:blipFill>
+            </p:spPr>
+            <p:txBody>
+              <a:bodyPr/>
+              <a:lstStyle/>
+              <a:p>
+                <a:r>
+                  <a:rPr lang="en-GB">
+                    <a:noFill/>
+                  </a:rPr>
+                  <a:t> </a:t>
+                </a:r>
+              </a:p>
+            </p:txBody>
+          </p:sp>
+        </mc:Fallback>
+      </mc:AlternateContent>
+    </p:spTree>
+    <p:extLst>
+      <p:ext uri="{BB962C8B-B14F-4D97-AF65-F5344CB8AC3E}">
+        <p14:creationId xmlns:p14="http://schemas.microsoft.com/office/powerpoint/2010/main" val="2238503856"/>
+      </p:ext>
+    </p:extLst>
+  </p:cSld>
+  <p:clrMapOvr>
+    <a:masterClrMapping/>
+  </p:clrMapOvr>
+</p:sld>
+</file>
+
+<file path=ppt/slides/slide13.xml><?xml version="1.0" encoding="utf-8"?>
+<p:sld xmlns:a="http://schemas.openxmlformats.org/drawingml/2006/main" xmlns:r="http://schemas.openxmlformats.org/officeDocument/2006/relationships" xmlns:p="http://schemas.openxmlformats.org/presentationml/2006/main">
+  <p:cSld>
+    <p:spTree>
+      <p:nvGrpSpPr>
+        <p:cNvPr id="1" name=""/>
+        <p:cNvGrpSpPr/>
+        <p:nvPr/>
+      </p:nvGrpSpPr>
+      <p:grpSpPr>
+        <a:xfrm>
+          <a:off x="0" y="0"/>
+          <a:ext cx="0" cy="0"/>
+          <a:chOff x="0" y="0"/>
+          <a:chExt cx="0" cy="0"/>
+        </a:xfrm>
+      </p:grpSpPr>
+      <p:sp>
+        <p:nvSpPr>
+          <p:cNvPr id="4" name="Title 1">
+            <a:extLst>
+              <a:ext uri="{FF2B5EF4-FFF2-40B4-BE49-F238E27FC236}">
+                <a16:creationId xmlns:a16="http://schemas.microsoft.com/office/drawing/2014/main" id="{58C679D1-14B7-223D-10A5-F77131E88DFF}"/>
+              </a:ext>
+            </a:extLst>
+          </p:cNvPr>
+          <p:cNvSpPr>
+            <a:spLocks noGrp="1"/>
+          </p:cNvSpPr>
+          <p:nvPr>
+            <p:ph type="title"/>
+          </p:nvPr>
+        </p:nvSpPr>
+        <p:spPr>
+          <a:xfrm>
+            <a:off x="838200" y="365125"/>
+            <a:ext cx="10515600" cy="1939536"/>
+          </a:xfrm>
+        </p:spPr>
+        <p:txBody>
+          <a:bodyPr>
+            <a:normAutofit fontScale="90000"/>
+          </a:bodyPr>
+          <a:lstStyle/>
+          <a:p>
+            <a:r>
+              <a:rPr lang="en-GB" sz="2400" b="1" dirty="0">
+                <a:latin typeface="+mn-lt"/>
+              </a:rPr>
+              <a:t>Recall (Sensitivity) </a:t>
+            </a:r>
+            <a:br>
+              <a:rPr lang="en-GB" sz="2400" b="1" dirty="0">
+                <a:latin typeface="+mn-lt"/>
+              </a:rPr>
+            </a:br>
+            <a:br>
+              <a:rPr lang="en-GB" sz="2400" b="1" dirty="0">
+                <a:latin typeface="+mn-lt"/>
+              </a:rPr>
+            </a:br>
+            <a:r>
+              <a:rPr lang="en-GB" sz="2000" dirty="0">
+                <a:latin typeface="+mn-lt"/>
+              </a:rPr>
+              <a:t>Recall explains how many of the actual positive cases we were able to predict correctly with our model. </a:t>
+            </a:r>
+            <a:br>
+              <a:rPr lang="en-GB" sz="2000" dirty="0">
+                <a:latin typeface="+mn-lt"/>
+              </a:rPr>
+            </a:br>
+            <a:br>
+              <a:rPr lang="en-GB" sz="2000" dirty="0">
+                <a:latin typeface="+mn-lt"/>
+              </a:rPr>
+            </a:br>
+            <a:r>
+              <a:rPr lang="en-GB" sz="2000" dirty="0">
+                <a:latin typeface="+mn-lt"/>
+              </a:rPr>
+              <a:t>It is a useful metric in cases where False Negative is of higher concern than False Positive. It is important in medical cases where it doesn’t matter whether we raise a false alarm but the actual positive cases should not go undetected!</a:t>
+            </a:r>
+          </a:p>
+        </p:txBody>
+      </p:sp>
+      <mc:AlternateContent xmlns:mc="http://schemas.openxmlformats.org/markup-compatibility/2006">
+        <mc:Choice xmlns:a14="http://schemas.microsoft.com/office/drawing/2010/main" Requires="a14">
+          <p:sp>
+            <p:nvSpPr>
+              <p:cNvPr id="8" name="TextBox 7">
+                <a:extLst>
+                  <a:ext uri="{FF2B5EF4-FFF2-40B4-BE49-F238E27FC236}">
+                    <a16:creationId xmlns:a16="http://schemas.microsoft.com/office/drawing/2014/main" id="{E161CB1B-E138-B698-64E2-693418251173}"/>
+                  </a:ext>
+                </a:extLst>
+              </p:cNvPr>
+              <p:cNvSpPr txBox="1"/>
+              <p:nvPr/>
+            </p:nvSpPr>
+            <p:spPr>
+              <a:xfrm>
+                <a:off x="3004457" y="2804367"/>
+                <a:ext cx="5467739" cy="813813"/>
+              </a:xfrm>
+              <a:prstGeom prst="rect">
+                <a:avLst/>
+              </a:prstGeom>
+              <a:noFill/>
+            </p:spPr>
+            <p:txBody>
+              <a:bodyPr wrap="square" lIns="0" tIns="0" rIns="0" bIns="0" rtlCol="0">
+                <a:spAutoFit/>
+              </a:bodyPr>
+              <a:lstStyle/>
+              <a:p>
+                <a:pPr/>
+                <a14:m>
+                  <m:oMathPara xmlns:m="http://schemas.openxmlformats.org/officeDocument/2006/math">
+                    <m:oMathParaPr>
+                      <m:jc m:val="centerGroup"/>
+                    </m:oMathParaPr>
+                    <m:oMath xmlns:m="http://schemas.openxmlformats.org/officeDocument/2006/math">
+                      <m:r>
+                        <a:rPr lang="en-GB" sz="2800" b="0" i="1" smtClean="0">
+                          <a:latin typeface="Cambria Math" panose="02040503050406030204" pitchFamily="18" charset="0"/>
+                        </a:rPr>
+                        <m:t>𝑆𝑒𝑛𝑠𝑖𝑡𝑖𝑣𝑖𝑡𝑦</m:t>
+                      </m:r>
+                      <m:r>
+                        <a:rPr lang="en-GB" sz="2800" i="1" smtClean="0">
+                          <a:latin typeface="Cambria Math" panose="02040503050406030204" pitchFamily="18" charset="0"/>
+                        </a:rPr>
+                        <m:t>=</m:t>
+                      </m:r>
+                      <m:f>
+                        <m:fPr>
+                          <m:ctrlPr>
+                            <a:rPr lang="en-GB" sz="2800" i="1" smtClean="0">
+                              <a:latin typeface="Cambria Math" panose="02040503050406030204" pitchFamily="18" charset="0"/>
+                            </a:rPr>
+                          </m:ctrlPr>
+                        </m:fPr>
+                        <m:num>
+                          <m:r>
+                            <a:rPr lang="it-IT" sz="2800" b="0" i="1" smtClean="0">
+                              <a:latin typeface="Cambria Math" panose="02040503050406030204" pitchFamily="18" charset="0"/>
+                            </a:rPr>
+                            <m:t>𝑇𝑃</m:t>
+                          </m:r>
+                        </m:num>
+                        <m:den>
+                          <m:r>
+                            <a:rPr lang="it-IT" sz="2800" b="0" i="1" smtClean="0">
+                              <a:latin typeface="Cambria Math" panose="02040503050406030204" pitchFamily="18" charset="0"/>
+                            </a:rPr>
+                            <m:t>𝑇𝑃</m:t>
+                          </m:r>
+                          <m:r>
+                            <a:rPr lang="en-GB" sz="2800" b="0" i="1" smtClean="0">
+                              <a:latin typeface="Cambria Math" panose="02040503050406030204" pitchFamily="18" charset="0"/>
+                            </a:rPr>
+                            <m:t>+</m:t>
+                          </m:r>
+                          <m:r>
+                            <a:rPr lang="en-GB" sz="2800" b="0" i="1" smtClean="0">
+                              <a:latin typeface="Cambria Math" panose="02040503050406030204" pitchFamily="18" charset="0"/>
+                            </a:rPr>
+                            <m:t>𝐹𝑁</m:t>
+                          </m:r>
+                        </m:den>
+                      </m:f>
+                    </m:oMath>
+                  </m:oMathPara>
+                </a14:m>
+                <a:endParaRPr lang="en-GB" sz="2800" dirty="0"/>
+              </a:p>
+            </p:txBody>
+          </p:sp>
+        </mc:Choice>
+        <mc:Fallback>
+          <p:sp>
+            <p:nvSpPr>
+              <p:cNvPr id="8" name="TextBox 7">
+                <a:extLst>
+                  <a:ext uri="{FF2B5EF4-FFF2-40B4-BE49-F238E27FC236}">
+                    <a16:creationId xmlns:a16="http://schemas.microsoft.com/office/drawing/2014/main" id="{E161CB1B-E138-B698-64E2-693418251173}"/>
+                  </a:ext>
+                </a:extLst>
+              </p:cNvPr>
+              <p:cNvSpPr txBox="1">
+                <a:spLocks noRot="1" noChangeAspect="1" noMove="1" noResize="1" noEditPoints="1" noAdjustHandles="1" noChangeArrowheads="1" noChangeShapeType="1" noTextEdit="1"/>
+              </p:cNvSpPr>
+              <p:nvPr/>
+            </p:nvSpPr>
+            <p:spPr>
+              <a:xfrm>
+                <a:off x="3004457" y="2804367"/>
+                <a:ext cx="5467739" cy="813813"/>
+              </a:xfrm>
+              <a:prstGeom prst="rect">
+                <a:avLst/>
+              </a:prstGeom>
+              <a:blipFill>
+                <a:blip r:embed="rId2"/>
+                <a:stretch>
+                  <a:fillRect/>
+                </a:stretch>
+              </a:blipFill>
+            </p:spPr>
+            <p:txBody>
+              <a:bodyPr/>
+              <a:lstStyle/>
+              <a:p>
+                <a:r>
+                  <a:rPr lang="en-GB">
+                    <a:noFill/>
+                  </a:rPr>
+                  <a:t> </a:t>
+                </a:r>
+              </a:p>
+            </p:txBody>
+          </p:sp>
+        </mc:Fallback>
+      </mc:AlternateContent>
+    </p:spTree>
+    <p:extLst>
+      <p:ext uri="{BB962C8B-B14F-4D97-AF65-F5344CB8AC3E}">
+        <p14:creationId xmlns:p14="http://schemas.microsoft.com/office/powerpoint/2010/main" val="406194174"/>
+      </p:ext>
+    </p:extLst>
+  </p:cSld>
+  <p:clrMapOvr>
+    <a:masterClrMapping/>
+  </p:clrMapOvr>
+</p:sld>
+</file>
+
+<file path=ppt/slides/slide14.xml><?xml version="1.0" encoding="utf-8"?>
+<p:sld xmlns:a="http://schemas.openxmlformats.org/drawingml/2006/main" xmlns:r="http://schemas.openxmlformats.org/officeDocument/2006/relationships" xmlns:p="http://schemas.openxmlformats.org/presentationml/2006/main">
+  <p:cSld>
+    <p:spTree>
+      <p:nvGrpSpPr>
+        <p:cNvPr id="1" name=""/>
+        <p:cNvGrpSpPr/>
+        <p:nvPr/>
+      </p:nvGrpSpPr>
+      <p:grpSpPr>
+        <a:xfrm>
+          <a:off x="0" y="0"/>
+          <a:ext cx="0" cy="0"/>
+          <a:chOff x="0" y="0"/>
+          <a:chExt cx="0" cy="0"/>
+        </a:xfrm>
+      </p:grpSpPr>
+      <p:sp>
+        <p:nvSpPr>
+          <p:cNvPr id="4" name="Title 1">
+            <a:extLst>
+              <a:ext uri="{FF2B5EF4-FFF2-40B4-BE49-F238E27FC236}">
+                <a16:creationId xmlns:a16="http://schemas.microsoft.com/office/drawing/2014/main" id="{58C679D1-14B7-223D-10A5-F77131E88DFF}"/>
+              </a:ext>
+            </a:extLst>
+          </p:cNvPr>
+          <p:cNvSpPr>
+            <a:spLocks noGrp="1"/>
+          </p:cNvSpPr>
+          <p:nvPr>
+            <p:ph type="title"/>
+          </p:nvPr>
+        </p:nvSpPr>
+        <p:spPr>
+          <a:xfrm>
+            <a:off x="838200" y="365126"/>
+            <a:ext cx="10515600" cy="474630"/>
+          </a:xfrm>
+        </p:spPr>
+        <p:txBody>
+          <a:bodyPr>
+            <a:normAutofit/>
+          </a:bodyPr>
+          <a:lstStyle/>
+          <a:p>
+            <a:r>
+              <a:rPr lang="en-GB" sz="2400" b="1" dirty="0">
+                <a:latin typeface="+mn-lt"/>
+              </a:rPr>
+              <a:t>AUC-ROC (Area Under Curve – Receiver Operating Characteristics)</a:t>
+            </a:r>
+            <a:endParaRPr lang="en-GB" sz="2000" dirty="0">
+              <a:latin typeface="+mn-lt"/>
+            </a:endParaRPr>
+          </a:p>
+        </p:txBody>
+      </p:sp>
+      <mc:AlternateContent xmlns:mc="http://schemas.openxmlformats.org/markup-compatibility/2006">
+        <mc:Choice xmlns:a14="http://schemas.microsoft.com/office/drawing/2010/main" Requires="a14">
+          <p:sp>
+            <p:nvSpPr>
+              <p:cNvPr id="2" name="TextBox 1">
+                <a:extLst>
+                  <a:ext uri="{FF2B5EF4-FFF2-40B4-BE49-F238E27FC236}">
+                    <a16:creationId xmlns:a16="http://schemas.microsoft.com/office/drawing/2014/main" id="{6C1271EB-EC09-D599-B642-4CF3002D6636}"/>
+                  </a:ext>
+                </a:extLst>
+              </p:cNvPr>
+              <p:cNvSpPr txBox="1"/>
+              <p:nvPr/>
+            </p:nvSpPr>
+            <p:spPr>
+              <a:xfrm>
+                <a:off x="9370251" y="5568534"/>
+                <a:ext cx="1669111" cy="523157"/>
+              </a:xfrm>
+              <a:prstGeom prst="rect">
+                <a:avLst/>
+              </a:prstGeom>
+              <a:noFill/>
+            </p:spPr>
+            <p:txBody>
+              <a:bodyPr wrap="none" lIns="0" tIns="0" rIns="0" bIns="0" rtlCol="0">
+                <a:spAutoFit/>
+              </a:bodyPr>
+              <a:lstStyle/>
+              <a:p>
+                <a14:m>
+                  <m:oMathPara xmlns:m="http://schemas.openxmlformats.org/officeDocument/2006/math">
+                    <m:oMathParaPr>
+                      <m:jc m:val="centerGroup"/>
+                    </m:oMathParaPr>
+                    <m:oMath xmlns:m="http://schemas.openxmlformats.org/officeDocument/2006/math">
+                      <m:r>
+                        <a:rPr lang="en-GB" b="0" i="1" smtClean="0">
+                          <a:latin typeface="Cambria Math" panose="02040503050406030204" pitchFamily="18" charset="0"/>
+                        </a:rPr>
+                        <m:t>𝐹𝑃𝑅</m:t>
+                      </m:r>
+                      <m:r>
+                        <a:rPr lang="pt-BR" i="1" smtClean="0">
+                          <a:latin typeface="Cambria Math" panose="02040503050406030204" pitchFamily="18" charset="0"/>
+                        </a:rPr>
+                        <m:t>=</m:t>
+                      </m:r>
+                      <m:f>
+                        <m:fPr>
+                          <m:ctrlPr>
+                            <a:rPr lang="pt-BR" i="1" smtClean="0">
+                              <a:latin typeface="Cambria Math" panose="02040503050406030204" pitchFamily="18" charset="0"/>
+                            </a:rPr>
+                          </m:ctrlPr>
+                        </m:fPr>
+                        <m:num>
+                          <m:r>
+                            <a:rPr lang="en-GB" b="0" i="1" smtClean="0">
+                              <a:latin typeface="Cambria Math" panose="02040503050406030204" pitchFamily="18" charset="0"/>
+                            </a:rPr>
+                            <m:t>𝐹𝑃</m:t>
+                          </m:r>
+                        </m:num>
+                        <m:den>
+                          <m:r>
+                            <a:rPr lang="en-GB" b="0" i="1" smtClean="0">
+                              <a:latin typeface="Cambria Math" panose="02040503050406030204" pitchFamily="18" charset="0"/>
+                            </a:rPr>
+                            <m:t>𝐹𝑃</m:t>
+                          </m:r>
+                          <m:r>
+                            <a:rPr lang="en-GB" b="0" i="1" smtClean="0">
+                              <a:latin typeface="Cambria Math" panose="02040503050406030204" pitchFamily="18" charset="0"/>
+                            </a:rPr>
+                            <m:t>+</m:t>
+                          </m:r>
+                          <m:r>
+                            <a:rPr lang="en-GB" b="0" i="1" smtClean="0">
+                              <a:latin typeface="Cambria Math" panose="02040503050406030204" pitchFamily="18" charset="0"/>
+                            </a:rPr>
+                            <m:t>𝑇𝑁</m:t>
+                          </m:r>
+                        </m:den>
+                      </m:f>
+                    </m:oMath>
+                  </m:oMathPara>
+                </a14:m>
+                <a:endParaRPr lang="en-GB" dirty="0"/>
+              </a:p>
+            </p:txBody>
+          </p:sp>
+        </mc:Choice>
+        <mc:Fallback>
+          <p:sp>
+            <p:nvSpPr>
+              <p:cNvPr id="2" name="TextBox 1">
+                <a:extLst>
+                  <a:ext uri="{FF2B5EF4-FFF2-40B4-BE49-F238E27FC236}">
+                    <a16:creationId xmlns:a16="http://schemas.microsoft.com/office/drawing/2014/main" id="{6C1271EB-EC09-D599-B642-4CF3002D6636}"/>
+                  </a:ext>
+                </a:extLst>
+              </p:cNvPr>
+              <p:cNvSpPr txBox="1">
+                <a:spLocks noRot="1" noChangeAspect="1" noMove="1" noResize="1" noEditPoints="1" noAdjustHandles="1" noChangeArrowheads="1" noChangeShapeType="1" noTextEdit="1"/>
+              </p:cNvSpPr>
+              <p:nvPr/>
+            </p:nvSpPr>
+            <p:spPr>
+              <a:xfrm>
+                <a:off x="9370251" y="5568534"/>
+                <a:ext cx="1669111" cy="523157"/>
+              </a:xfrm>
+              <a:prstGeom prst="rect">
+                <a:avLst/>
+              </a:prstGeom>
+              <a:blipFill>
+                <a:blip r:embed="rId2"/>
+                <a:stretch>
+                  <a:fillRect/>
+                </a:stretch>
+              </a:blipFill>
+            </p:spPr>
+            <p:txBody>
+              <a:bodyPr/>
+              <a:lstStyle/>
+              <a:p>
+                <a:r>
+                  <a:rPr lang="en-GB">
+                    <a:noFill/>
+                  </a:rPr>
+                  <a:t> </a:t>
+                </a:r>
+              </a:p>
+            </p:txBody>
+          </p:sp>
+        </mc:Fallback>
+      </mc:AlternateContent>
+      <mc:AlternateContent xmlns:mc="http://schemas.openxmlformats.org/markup-compatibility/2006">
+        <mc:Choice xmlns:a14="http://schemas.microsoft.com/office/drawing/2010/main" Requires="a14">
+          <p:sp>
+            <p:nvSpPr>
+              <p:cNvPr id="5" name="TextBox 4">
+                <a:extLst>
+                  <a:ext uri="{FF2B5EF4-FFF2-40B4-BE49-F238E27FC236}">
+                    <a16:creationId xmlns:a16="http://schemas.microsoft.com/office/drawing/2014/main" id="{01AB2D80-7629-278D-434D-142CBAC46217}"/>
+                  </a:ext>
+                </a:extLst>
+              </p:cNvPr>
+              <p:cNvSpPr txBox="1"/>
+              <p:nvPr/>
+            </p:nvSpPr>
+            <p:spPr>
+              <a:xfrm>
+                <a:off x="1024847" y="1427283"/>
+                <a:ext cx="1665905" cy="523157"/>
+              </a:xfrm>
+              <a:prstGeom prst="rect">
+                <a:avLst/>
+              </a:prstGeom>
+              <a:noFill/>
+            </p:spPr>
+            <p:txBody>
+              <a:bodyPr wrap="none" lIns="0" tIns="0" rIns="0" bIns="0" rtlCol="0">
+                <a:spAutoFit/>
+              </a:bodyPr>
+              <a:lstStyle/>
+              <a:p>
+                <a14:m>
+                  <m:oMathPara xmlns:m="http://schemas.openxmlformats.org/officeDocument/2006/math">
+                    <m:oMathParaPr>
+                      <m:jc m:val="centerGroup"/>
+                    </m:oMathParaPr>
+                    <m:oMath xmlns:m="http://schemas.openxmlformats.org/officeDocument/2006/math">
+                      <m:r>
+                        <a:rPr lang="en-GB" b="0" i="1" smtClean="0">
+                          <a:latin typeface="Cambria Math" panose="02040503050406030204" pitchFamily="18" charset="0"/>
+                        </a:rPr>
+                        <m:t>𝑇𝑃𝑅</m:t>
+                      </m:r>
+                      <m:r>
+                        <a:rPr lang="pt-BR" i="1" smtClean="0">
+                          <a:latin typeface="Cambria Math" panose="02040503050406030204" pitchFamily="18" charset="0"/>
+                        </a:rPr>
+                        <m:t>=</m:t>
+                      </m:r>
+                      <m:f>
+                        <m:fPr>
+                          <m:ctrlPr>
+                            <a:rPr lang="pt-BR" i="1" smtClean="0">
+                              <a:latin typeface="Cambria Math" panose="02040503050406030204" pitchFamily="18" charset="0"/>
+                            </a:rPr>
+                          </m:ctrlPr>
+                        </m:fPr>
+                        <m:num>
+                          <m:r>
+                            <a:rPr lang="en-GB" b="0" i="1" smtClean="0">
+                              <a:latin typeface="Cambria Math" panose="02040503050406030204" pitchFamily="18" charset="0"/>
+                            </a:rPr>
+                            <m:t>𝑇𝑃</m:t>
+                          </m:r>
+                        </m:num>
+                        <m:den>
+                          <m:r>
+                            <a:rPr lang="en-GB" b="0" i="1" smtClean="0">
+                              <a:latin typeface="Cambria Math" panose="02040503050406030204" pitchFamily="18" charset="0"/>
+                            </a:rPr>
+                            <m:t>𝑇𝑃</m:t>
+                          </m:r>
+                          <m:r>
+                            <a:rPr lang="en-GB" b="0" i="1" smtClean="0">
+                              <a:latin typeface="Cambria Math" panose="02040503050406030204" pitchFamily="18" charset="0"/>
+                            </a:rPr>
+                            <m:t>+</m:t>
+                          </m:r>
+                          <m:r>
+                            <a:rPr lang="en-GB" b="0" i="1" smtClean="0">
+                              <a:latin typeface="Cambria Math" panose="02040503050406030204" pitchFamily="18" charset="0"/>
+                            </a:rPr>
+                            <m:t>𝐹𝑁</m:t>
+                          </m:r>
+                        </m:den>
+                      </m:f>
+                    </m:oMath>
+                  </m:oMathPara>
+                </a14:m>
+                <a:endParaRPr lang="en-GB" dirty="0"/>
+              </a:p>
+            </p:txBody>
+          </p:sp>
+        </mc:Choice>
+        <mc:Fallback>
+          <p:sp>
+            <p:nvSpPr>
+              <p:cNvPr id="5" name="TextBox 4">
+                <a:extLst>
+                  <a:ext uri="{FF2B5EF4-FFF2-40B4-BE49-F238E27FC236}">
+                    <a16:creationId xmlns:a16="http://schemas.microsoft.com/office/drawing/2014/main" id="{01AB2D80-7629-278D-434D-142CBAC46217}"/>
+                  </a:ext>
+                </a:extLst>
+              </p:cNvPr>
+              <p:cNvSpPr txBox="1">
+                <a:spLocks noRot="1" noChangeAspect="1" noMove="1" noResize="1" noEditPoints="1" noAdjustHandles="1" noChangeArrowheads="1" noChangeShapeType="1" noTextEdit="1"/>
+              </p:cNvSpPr>
+              <p:nvPr/>
+            </p:nvSpPr>
+            <p:spPr>
+              <a:xfrm>
+                <a:off x="1024847" y="1427283"/>
+                <a:ext cx="1665905" cy="523157"/>
+              </a:xfrm>
+              <a:prstGeom prst="rect">
+                <a:avLst/>
+              </a:prstGeom>
+              <a:blipFill>
+                <a:blip r:embed="rId3"/>
+                <a:stretch>
+                  <a:fillRect/>
+                </a:stretch>
+              </a:blipFill>
+            </p:spPr>
+            <p:txBody>
+              <a:bodyPr/>
+              <a:lstStyle/>
+              <a:p>
+                <a:r>
+                  <a:rPr lang="en-GB">
+                    <a:noFill/>
+                  </a:rPr>
+                  <a:t> </a:t>
+                </a:r>
+              </a:p>
+            </p:txBody>
+          </p:sp>
+        </mc:Fallback>
+      </mc:AlternateContent>
+      <p:pic>
+        <p:nvPicPr>
+          <p:cNvPr id="6" name="Picture 5">
+            <a:extLst>
+              <a:ext uri="{FF2B5EF4-FFF2-40B4-BE49-F238E27FC236}">
+                <a16:creationId xmlns:a16="http://schemas.microsoft.com/office/drawing/2014/main" id="{4A355A50-8724-8F6F-E4B3-F09B0BF03989}"/>
+              </a:ext>
+            </a:extLst>
+          </p:cNvPr>
+          <p:cNvPicPr>
+            <a:picLocks noChangeAspect="1"/>
+          </p:cNvPicPr>
+          <p:nvPr/>
+        </p:nvPicPr>
+        <p:blipFill>
+          <a:blip r:embed="rId4"/>
+          <a:stretch>
+            <a:fillRect/>
+          </a:stretch>
+        </p:blipFill>
+        <p:spPr>
+          <a:xfrm>
+            <a:off x="2690752" y="1250002"/>
+            <a:ext cx="6579637" cy="5016159"/>
+          </a:xfrm>
+          <a:prstGeom prst="rect">
+            <a:avLst/>
+          </a:prstGeom>
+        </p:spPr>
+      </p:pic>
+    </p:spTree>
+    <p:extLst>
+      <p:ext uri="{BB962C8B-B14F-4D97-AF65-F5344CB8AC3E}">
+        <p14:creationId xmlns:p14="http://schemas.microsoft.com/office/powerpoint/2010/main" val="3609853914"/>
       </p:ext>
     </p:extLst>
   </p:cSld>
@@ -7184,8 +8545,8 @@
         </p:nvSpPr>
         <p:spPr>
           <a:xfrm>
-            <a:off x="838200" y="365125"/>
-            <a:ext cx="10515600" cy="521283"/>
+            <a:off x="838200" y="365126"/>
+            <a:ext cx="10515600" cy="549274"/>
           </a:xfrm>
         </p:spPr>
         <p:txBody>
@@ -7200,13 +8561,146 @@
               </a:rPr>
               <a:t>Confusion matrix</a:t>
             </a:r>
+            <a:endParaRPr lang="en-GB" sz="1800" b="1" dirty="0">
+              <a:latin typeface="+mn-lt"/>
+            </a:endParaRPr>
           </a:p>
         </p:txBody>
       </p:sp>
+      <p:pic>
+        <p:nvPicPr>
+          <p:cNvPr id="5" name="Picture 4">
+            <a:extLst>
+              <a:ext uri="{FF2B5EF4-FFF2-40B4-BE49-F238E27FC236}">
+                <a16:creationId xmlns:a16="http://schemas.microsoft.com/office/drawing/2014/main" id="{0469C677-950B-3E3C-5941-E58F0E10816C}"/>
+              </a:ext>
+            </a:extLst>
+          </p:cNvPr>
+          <p:cNvPicPr>
+            <a:picLocks noChangeAspect="1"/>
+          </p:cNvPicPr>
+          <p:nvPr/>
+        </p:nvPicPr>
+        <p:blipFill>
+          <a:blip r:embed="rId2"/>
+          <a:stretch>
+            <a:fillRect/>
+          </a:stretch>
+        </p:blipFill>
+        <p:spPr>
+          <a:xfrm>
+            <a:off x="2745370" y="1035698"/>
+            <a:ext cx="6701259" cy="5621516"/>
+          </a:xfrm>
+          <a:prstGeom prst="rect">
+            <a:avLst/>
+          </a:prstGeom>
+        </p:spPr>
+      </p:pic>
     </p:spTree>
     <p:extLst>
       <p:ext uri="{BB962C8B-B14F-4D97-AF65-F5344CB8AC3E}">
-        <p14:creationId xmlns:p14="http://schemas.microsoft.com/office/powerpoint/2010/main" val="2684129627"/>
+        <p14:creationId xmlns:p14="http://schemas.microsoft.com/office/powerpoint/2010/main" val="3583065972"/>
+      </p:ext>
+    </p:extLst>
+  </p:cSld>
+  <p:clrMapOvr>
+    <a:masterClrMapping/>
+  </p:clrMapOvr>
+</p:sld>
+</file>
+
+<file path=ppt/slides/slide9.xml><?xml version="1.0" encoding="utf-8"?>
+<p:sld xmlns:a="http://schemas.openxmlformats.org/drawingml/2006/main" xmlns:r="http://schemas.openxmlformats.org/officeDocument/2006/relationships" xmlns:p="http://schemas.openxmlformats.org/presentationml/2006/main">
+  <p:cSld>
+    <p:spTree>
+      <p:nvGrpSpPr>
+        <p:cNvPr id="1" name=""/>
+        <p:cNvGrpSpPr/>
+        <p:nvPr/>
+      </p:nvGrpSpPr>
+      <p:grpSpPr>
+        <a:xfrm>
+          <a:off x="0" y="0"/>
+          <a:ext cx="0" cy="0"/>
+          <a:chOff x="0" y="0"/>
+          <a:chExt cx="0" cy="0"/>
+        </a:xfrm>
+      </p:grpSpPr>
+      <p:sp>
+        <p:nvSpPr>
+          <p:cNvPr id="4" name="Title 1">
+            <a:extLst>
+              <a:ext uri="{FF2B5EF4-FFF2-40B4-BE49-F238E27FC236}">
+                <a16:creationId xmlns:a16="http://schemas.microsoft.com/office/drawing/2014/main" id="{58C679D1-14B7-223D-10A5-F77131E88DFF}"/>
+              </a:ext>
+            </a:extLst>
+          </p:cNvPr>
+          <p:cNvSpPr>
+            <a:spLocks noGrp="1"/>
+          </p:cNvSpPr>
+          <p:nvPr>
+            <p:ph type="title"/>
+          </p:nvPr>
+        </p:nvSpPr>
+        <p:spPr>
+          <a:xfrm>
+            <a:off x="838200" y="365126"/>
+            <a:ext cx="10515600" cy="549274"/>
+          </a:xfrm>
+        </p:spPr>
+        <p:txBody>
+          <a:bodyPr>
+            <a:normAutofit/>
+          </a:bodyPr>
+          <a:lstStyle/>
+          <a:p>
+            <a:r>
+              <a:rPr lang="en-GB" sz="2400" b="1" dirty="0">
+                <a:latin typeface="+mn-lt"/>
+              </a:rPr>
+              <a:t>Confusion matrix</a:t>
+            </a:r>
+            <a:endParaRPr lang="en-GB" sz="1800" b="1" dirty="0">
+              <a:latin typeface="+mn-lt"/>
+            </a:endParaRPr>
+          </a:p>
+        </p:txBody>
+      </p:sp>
+      <p:pic>
+        <p:nvPicPr>
+          <p:cNvPr id="7" name="Picture 6">
+            <a:extLst>
+              <a:ext uri="{FF2B5EF4-FFF2-40B4-BE49-F238E27FC236}">
+                <a16:creationId xmlns:a16="http://schemas.microsoft.com/office/drawing/2014/main" id="{709D52EF-BF42-362A-B011-D80441CF66ED}"/>
+              </a:ext>
+            </a:extLst>
+          </p:cNvPr>
+          <p:cNvPicPr>
+            <a:picLocks noChangeAspect="1"/>
+          </p:cNvPicPr>
+          <p:nvPr/>
+        </p:nvPicPr>
+        <p:blipFill>
+          <a:blip r:embed="rId2"/>
+          <a:stretch>
+            <a:fillRect/>
+          </a:stretch>
+        </p:blipFill>
+        <p:spPr>
+          <a:xfrm>
+            <a:off x="1572298" y="914399"/>
+            <a:ext cx="7478395" cy="5476997"/>
+          </a:xfrm>
+          <a:prstGeom prst="rect">
+            <a:avLst/>
+          </a:prstGeom>
+        </p:spPr>
+      </p:pic>
+    </p:spTree>
+    <p:extLst>
+      <p:ext uri="{BB962C8B-B14F-4D97-AF65-F5344CB8AC3E}">
+        <p14:creationId xmlns:p14="http://schemas.microsoft.com/office/powerpoint/2010/main" val="2996811488"/>
       </p:ext>
     </p:extLst>
   </p:cSld>

--- a/PredictiveModeling/Classification/Classification.pptx
+++ b/PredictiveModeling/Classification/Classification.pptx
@@ -9,16 +9,23 @@
     <p:sldId id="262" r:id="rId3"/>
     <p:sldId id="266" r:id="rId4"/>
     <p:sldId id="269" r:id="rId5"/>
-    <p:sldId id="267" r:id="rId6"/>
-    <p:sldId id="268" r:id="rId7"/>
-    <p:sldId id="271" r:id="rId8"/>
-    <p:sldId id="273" r:id="rId9"/>
-    <p:sldId id="275" r:id="rId10"/>
-    <p:sldId id="272" r:id="rId11"/>
-    <p:sldId id="274" r:id="rId12"/>
-    <p:sldId id="276" r:id="rId13"/>
-    <p:sldId id="279" r:id="rId14"/>
-    <p:sldId id="280" r:id="rId15"/>
+    <p:sldId id="283" r:id="rId6"/>
+    <p:sldId id="267" r:id="rId7"/>
+    <p:sldId id="285" r:id="rId8"/>
+    <p:sldId id="284" r:id="rId9"/>
+    <p:sldId id="286" r:id="rId10"/>
+    <p:sldId id="271" r:id="rId11"/>
+    <p:sldId id="287" r:id="rId12"/>
+    <p:sldId id="268" r:id="rId13"/>
+    <p:sldId id="272" r:id="rId14"/>
+    <p:sldId id="273" r:id="rId15"/>
+    <p:sldId id="275" r:id="rId16"/>
+    <p:sldId id="282" r:id="rId17"/>
+    <p:sldId id="274" r:id="rId18"/>
+    <p:sldId id="276" r:id="rId19"/>
+    <p:sldId id="279" r:id="rId20"/>
+    <p:sldId id="280" r:id="rId21"/>
+    <p:sldId id="281" r:id="rId22"/>
   </p:sldIdLst>
   <p:sldSz cx="12192000" cy="6858000"/>
   <p:notesSz cx="6858000" cy="9144000"/>
@@ -1508,7 +1515,7 @@
           <a:p>
             <a:fld id="{C369705D-41FE-4C2A-AD94-64E2E5127CB0}" type="datetimeFigureOut">
               <a:rPr lang="it-IT" smtClean="0"/>
-              <a:t>17/07/2022</a:t>
+              <a:t>20/07/2022</a:t>
             </a:fld>
             <a:endParaRPr lang="it-IT"/>
           </a:p>
@@ -1708,7 +1715,7 @@
           <a:p>
             <a:fld id="{C369705D-41FE-4C2A-AD94-64E2E5127CB0}" type="datetimeFigureOut">
               <a:rPr lang="it-IT" smtClean="0"/>
-              <a:t>17/07/2022</a:t>
+              <a:t>20/07/2022</a:t>
             </a:fld>
             <a:endParaRPr lang="it-IT"/>
           </a:p>
@@ -1918,7 +1925,7 @@
           <a:p>
             <a:fld id="{C369705D-41FE-4C2A-AD94-64E2E5127CB0}" type="datetimeFigureOut">
               <a:rPr lang="it-IT" smtClean="0"/>
-              <a:t>17/07/2022</a:t>
+              <a:t>20/07/2022</a:t>
             </a:fld>
             <a:endParaRPr lang="it-IT"/>
           </a:p>
@@ -2118,7 +2125,7 @@
           <a:p>
             <a:fld id="{C369705D-41FE-4C2A-AD94-64E2E5127CB0}" type="datetimeFigureOut">
               <a:rPr lang="it-IT" smtClean="0"/>
-              <a:t>17/07/2022</a:t>
+              <a:t>20/07/2022</a:t>
             </a:fld>
             <a:endParaRPr lang="it-IT"/>
           </a:p>
@@ -2394,7 +2401,7 @@
           <a:p>
             <a:fld id="{C369705D-41FE-4C2A-AD94-64E2E5127CB0}" type="datetimeFigureOut">
               <a:rPr lang="it-IT" smtClean="0"/>
-              <a:t>17/07/2022</a:t>
+              <a:t>20/07/2022</a:t>
             </a:fld>
             <a:endParaRPr lang="it-IT"/>
           </a:p>
@@ -2662,7 +2669,7 @@
           <a:p>
             <a:fld id="{C369705D-41FE-4C2A-AD94-64E2E5127CB0}" type="datetimeFigureOut">
               <a:rPr lang="it-IT" smtClean="0"/>
-              <a:t>17/07/2022</a:t>
+              <a:t>20/07/2022</a:t>
             </a:fld>
             <a:endParaRPr lang="it-IT"/>
           </a:p>
@@ -3077,7 +3084,7 @@
           <a:p>
             <a:fld id="{C369705D-41FE-4C2A-AD94-64E2E5127CB0}" type="datetimeFigureOut">
               <a:rPr lang="it-IT" smtClean="0"/>
-              <a:t>17/07/2022</a:t>
+              <a:t>20/07/2022</a:t>
             </a:fld>
             <a:endParaRPr lang="it-IT"/>
           </a:p>
@@ -3219,7 +3226,7 @@
           <a:p>
             <a:fld id="{C369705D-41FE-4C2A-AD94-64E2E5127CB0}" type="datetimeFigureOut">
               <a:rPr lang="it-IT" smtClean="0"/>
-              <a:t>17/07/2022</a:t>
+              <a:t>20/07/2022</a:t>
             </a:fld>
             <a:endParaRPr lang="it-IT"/>
           </a:p>
@@ -3332,7 +3339,7 @@
           <a:p>
             <a:fld id="{C369705D-41FE-4C2A-AD94-64E2E5127CB0}" type="datetimeFigureOut">
               <a:rPr lang="it-IT" smtClean="0"/>
-              <a:t>17/07/2022</a:t>
+              <a:t>20/07/2022</a:t>
             </a:fld>
             <a:endParaRPr lang="it-IT"/>
           </a:p>
@@ -3645,7 +3652,7 @@
           <a:p>
             <a:fld id="{C369705D-41FE-4C2A-AD94-64E2E5127CB0}" type="datetimeFigureOut">
               <a:rPr lang="it-IT" smtClean="0"/>
-              <a:t>17/07/2022</a:t>
+              <a:t>20/07/2022</a:t>
             </a:fld>
             <a:endParaRPr lang="it-IT"/>
           </a:p>
@@ -3934,7 +3941,7 @@
           <a:p>
             <a:fld id="{C369705D-41FE-4C2A-AD94-64E2E5127CB0}" type="datetimeFigureOut">
               <a:rPr lang="it-IT" smtClean="0"/>
-              <a:t>17/07/2022</a:t>
+              <a:t>20/07/2022</a:t>
             </a:fld>
             <a:endParaRPr lang="it-IT"/>
           </a:p>
@@ -4177,7 +4184,7 @@
           <a:p>
             <a:fld id="{C369705D-41FE-4C2A-AD94-64E2E5127CB0}" type="datetimeFigureOut">
               <a:rPr lang="it-IT" smtClean="0"/>
-              <a:t>17/07/2022</a:t>
+              <a:t>20/07/2022</a:t>
             </a:fld>
             <a:endParaRPr lang="it-IT"/>
           </a:p>
@@ -4682,8 +4689,8 @@
         </p:nvSpPr>
         <p:spPr>
           <a:xfrm>
-            <a:off x="838200" y="523749"/>
-            <a:ext cx="10515600" cy="523157"/>
+            <a:off x="838200" y="365125"/>
+            <a:ext cx="10515600" cy="521283"/>
           </a:xfrm>
         </p:spPr>
         <p:txBody>
@@ -4696,20 +4703,17 @@
               <a:rPr lang="en-GB" sz="2400" b="1" dirty="0">
                 <a:latin typeface="+mn-lt"/>
               </a:rPr>
-              <a:t>Evaluation metrics for classification model</a:t>
-            </a:r>
-            <a:endParaRPr lang="en-GB" sz="1800" b="1" dirty="0">
-              <a:latin typeface="+mn-lt"/>
-            </a:endParaRPr>
+              <a:t>Support-vector machine</a:t>
+            </a:r>
           </a:p>
         </p:txBody>
       </p:sp>
       <p:sp>
         <p:nvSpPr>
-          <p:cNvPr id="3" name="TextBox 2">
+          <p:cNvPr id="9" name="TextBox 8">
             <a:extLst>
               <a:ext uri="{FF2B5EF4-FFF2-40B4-BE49-F238E27FC236}">
-                <a16:creationId xmlns:a16="http://schemas.microsoft.com/office/drawing/2014/main" id="{E3E1B475-58BB-A7CB-70B8-B3250FE6CB5B}"/>
+                <a16:creationId xmlns:a16="http://schemas.microsoft.com/office/drawing/2014/main" id="{9AFC87F0-B776-2035-1FA5-9540C58EE783}"/>
               </a:ext>
             </a:extLst>
           </p:cNvPr>
@@ -4718,8 +4722,8 @@
         </p:nvSpPr>
         <p:spPr>
           <a:xfrm>
-            <a:off x="3703216" y="1830861"/>
-            <a:ext cx="4050523" cy="3539430"/>
+            <a:off x="838200" y="1005302"/>
+            <a:ext cx="11067661" cy="2677656"/>
           </a:xfrm>
           <a:prstGeom prst="rect">
             <a:avLst/>
@@ -4727,83 +4731,160 @@
           <a:noFill/>
         </p:spPr>
         <p:txBody>
-          <a:bodyPr wrap="square" rtlCol="0">
+          <a:bodyPr wrap="square">
             <a:spAutoFit/>
           </a:bodyPr>
           <a:lstStyle/>
           <a:p>
-            <a:pPr marL="285750" indent="-285750">
-              <a:buFont typeface="Arial" panose="020B0604020202020204" pitchFamily="34" charset="0"/>
-              <a:buChar char="•"/>
-            </a:pPr>
-            <a:r>
-              <a:rPr lang="it-IT" sz="3200" dirty="0" err="1"/>
-              <a:t>Accuracy</a:t>
-            </a:r>
-            <a:endParaRPr lang="it-IT" sz="3200" dirty="0"/>
-          </a:p>
-          <a:p>
-            <a:pPr marL="285750" indent="-285750">
-              <a:buFont typeface="Arial" panose="020B0604020202020204" pitchFamily="34" charset="0"/>
-              <a:buChar char="•"/>
-            </a:pPr>
-            <a:endParaRPr lang="it-IT" sz="3200" dirty="0"/>
-          </a:p>
-          <a:p>
-            <a:pPr marL="285750" indent="-285750">
-              <a:buFont typeface="Arial" panose="020B0604020202020204" pitchFamily="34" charset="0"/>
-              <a:buChar char="•"/>
-            </a:pPr>
-            <a:r>
-              <a:rPr lang="it-IT" sz="3200" dirty="0"/>
-              <a:t>Precision</a:t>
-            </a:r>
-          </a:p>
-          <a:p>
-            <a:pPr marL="285750" indent="-285750">
-              <a:buFont typeface="Arial" panose="020B0604020202020204" pitchFamily="34" charset="0"/>
-              <a:buChar char="•"/>
-            </a:pPr>
-            <a:endParaRPr lang="it-IT" sz="3200" dirty="0"/>
-          </a:p>
-          <a:p>
-            <a:pPr marL="285750" indent="-285750">
-              <a:buFont typeface="Arial" panose="020B0604020202020204" pitchFamily="34" charset="0"/>
-              <a:buChar char="•"/>
-            </a:pPr>
-            <a:r>
-              <a:rPr lang="it-IT" sz="3200" dirty="0"/>
-              <a:t>Recall (</a:t>
-            </a:r>
-            <a:r>
-              <a:rPr lang="it-IT" sz="3200" dirty="0" err="1"/>
-              <a:t>Sensitivity</a:t>
-            </a:r>
-            <a:r>
-              <a:rPr lang="it-IT" sz="3200" dirty="0"/>
-              <a:t>)</a:t>
-            </a:r>
-          </a:p>
-          <a:p>
-            <a:endParaRPr lang="it-IT" sz="3200" dirty="0"/>
-          </a:p>
-          <a:p>
-            <a:pPr marL="285750" indent="-285750">
-              <a:buFont typeface="Arial" panose="020B0604020202020204" pitchFamily="34" charset="0"/>
-              <a:buChar char="•"/>
-            </a:pPr>
-            <a:r>
-              <a:rPr lang="it-IT" sz="3200" dirty="0"/>
-              <a:t>AUC-ROC</a:t>
-            </a:r>
-            <a:endParaRPr lang="en-GB" sz="3200" dirty="0"/>
+            <a:r>
+              <a:rPr lang="en-GB" sz="1400" b="1" dirty="0"/>
+              <a:t>Hyperplane</a:t>
+            </a:r>
+          </a:p>
+          <a:p>
+            <a:r>
+              <a:rPr lang="en-GB" sz="1400" dirty="0"/>
+              <a:t>A hyperplane is a decision boundary which separates a given set of data points having different class labels. </a:t>
+            </a:r>
+            <a:r>
+              <a:rPr lang="en-GB" sz="1400" u="sng" dirty="0"/>
+              <a:t>The SVM classifier separates data points using a hyperplane with the maximum amount of margin</a:t>
+            </a:r>
+            <a:r>
+              <a:rPr lang="en-GB" sz="1400" dirty="0"/>
+              <a:t>. This hyperplane is known as the maximum margin hyperplane and the linear classifier it defines is known as the maximum margin classifier.</a:t>
+            </a:r>
+          </a:p>
+          <a:p>
+            <a:endParaRPr lang="en-GB" sz="1400" dirty="0"/>
+          </a:p>
+          <a:p>
+            <a:r>
+              <a:rPr lang="en-GB" sz="1400" b="1" dirty="0"/>
+              <a:t>Support Vectors</a:t>
+            </a:r>
+          </a:p>
+          <a:p>
+            <a:r>
+              <a:rPr lang="en-GB" sz="1400" dirty="0"/>
+              <a:t>Support vectors are the sample data points, which are closest to the hyperplane. These data points will define the separating line or hyperplane better by calculating margins.</a:t>
+            </a:r>
+          </a:p>
+          <a:p>
+            <a:endParaRPr lang="en-GB" sz="1400" dirty="0"/>
+          </a:p>
+          <a:p>
+            <a:r>
+              <a:rPr lang="en-GB" sz="1400" b="1" dirty="0"/>
+              <a:t>Margin</a:t>
+            </a:r>
+          </a:p>
+          <a:p>
+            <a:r>
+              <a:rPr lang="en-GB" sz="1400" dirty="0"/>
+              <a:t>A margin is a separation gap between the two lines on the closest data points. It is calculated as the perpendicular distance from the line to support vectors or closest data points. In SVMs, we try to maximize this separation gap so that we get maximum margin.</a:t>
+            </a:r>
           </a:p>
         </p:txBody>
       </p:sp>
+      <p:pic>
+        <p:nvPicPr>
+          <p:cNvPr id="10" name="Picture 2">
+            <a:extLst>
+              <a:ext uri="{FF2B5EF4-FFF2-40B4-BE49-F238E27FC236}">
+                <a16:creationId xmlns:a16="http://schemas.microsoft.com/office/drawing/2014/main" id="{F1E26AC2-D63C-4CB6-7F35-A14AFD3DD0BD}"/>
+              </a:ext>
+            </a:extLst>
+          </p:cNvPr>
+          <p:cNvPicPr>
+            <a:picLocks noChangeAspect="1" noChangeArrowheads="1"/>
+          </p:cNvPicPr>
+          <p:nvPr/>
+        </p:nvPicPr>
+        <p:blipFill>
+          <a:blip r:embed="rId2">
+            <a:extLst>
+              <a:ext uri="{28A0092B-C50C-407E-A947-70E740481C1C}">
+                <a14:useLocalDpi xmlns:a14="http://schemas.microsoft.com/office/drawing/2010/main" val="0"/>
+              </a:ext>
+            </a:extLst>
+          </a:blip>
+          <a:srcRect/>
+          <a:stretch>
+            <a:fillRect/>
+          </a:stretch>
+        </p:blipFill>
+        <p:spPr bwMode="auto">
+          <a:xfrm>
+            <a:off x="2629313" y="4087209"/>
+            <a:ext cx="2586500" cy="2534770"/>
+          </a:xfrm>
+          <a:prstGeom prst="rect">
+            <a:avLst/>
+          </a:prstGeom>
+          <a:noFill/>
+          <a:extLst>
+            <a:ext uri="{909E8E84-426E-40DD-AFC4-6F175D3DCCD1}">
+              <a14:hiddenFill xmlns:a14="http://schemas.microsoft.com/office/drawing/2010/main">
+                <a:solidFill>
+                  <a:srgbClr val="FFFFFF"/>
+                </a:solidFill>
+              </a14:hiddenFill>
+            </a:ext>
+          </a:extLst>
+        </p:spPr>
+      </p:pic>
+      <p:pic>
+        <p:nvPicPr>
+          <p:cNvPr id="11" name="Picture 4">
+            <a:extLst>
+              <a:ext uri="{FF2B5EF4-FFF2-40B4-BE49-F238E27FC236}">
+                <a16:creationId xmlns:a16="http://schemas.microsoft.com/office/drawing/2014/main" id="{23735D8E-07C2-98CA-A34F-A51664B73A69}"/>
+              </a:ext>
+            </a:extLst>
+          </p:cNvPr>
+          <p:cNvPicPr>
+            <a:picLocks noChangeAspect="1" noChangeArrowheads="1"/>
+          </p:cNvPicPr>
+          <p:nvPr/>
+        </p:nvPicPr>
+        <p:blipFill>
+          <a:blip r:embed="rId3">
+            <a:extLst>
+              <a:ext uri="{28A0092B-C50C-407E-A947-70E740481C1C}">
+                <a14:useLocalDpi xmlns:a14="http://schemas.microsoft.com/office/drawing/2010/main" val="0"/>
+              </a:ext>
+            </a:extLst>
+          </a:blip>
+          <a:srcRect/>
+          <a:stretch>
+            <a:fillRect/>
+          </a:stretch>
+        </p:blipFill>
+        <p:spPr bwMode="auto">
+          <a:xfrm>
+            <a:off x="7145329" y="4072922"/>
+            <a:ext cx="2586500" cy="2552013"/>
+          </a:xfrm>
+          <a:prstGeom prst="rect">
+            <a:avLst/>
+          </a:prstGeom>
+          <a:noFill/>
+          <a:extLst>
+            <a:ext uri="{909E8E84-426E-40DD-AFC4-6F175D3DCCD1}">
+              <a14:hiddenFill xmlns:a14="http://schemas.microsoft.com/office/drawing/2010/main">
+                <a:solidFill>
+                  <a:srgbClr val="FFFFFF"/>
+                </a:solidFill>
+              </a14:hiddenFill>
+            </a:ext>
+          </a:extLst>
+        </p:spPr>
+      </p:pic>
     </p:spTree>
     <p:extLst>
       <p:ext uri="{BB962C8B-B14F-4D97-AF65-F5344CB8AC3E}">
-        <p14:creationId xmlns:p14="http://schemas.microsoft.com/office/powerpoint/2010/main" val="2684129627"/>
+        <p14:creationId xmlns:p14="http://schemas.microsoft.com/office/powerpoint/2010/main" val="918426659"/>
       </p:ext>
     </p:extLst>
   </p:cSld>
@@ -4849,7 +4930,7 @@
         <p:spPr>
           <a:xfrm>
             <a:off x="838200" y="365125"/>
-            <a:ext cx="10515600" cy="1550761"/>
+            <a:ext cx="10515600" cy="521283"/>
           </a:xfrm>
         </p:spPr>
         <p:txBody>
@@ -4862,215 +4943,64 @@
               <a:rPr lang="en-GB" sz="2400" b="1" dirty="0">
                 <a:latin typeface="+mn-lt"/>
               </a:rPr>
-              <a:t>Accuracy</a:t>
-            </a:r>
-            <a:br>
-              <a:rPr lang="en-GB" sz="2400" b="1" dirty="0">
-                <a:latin typeface="+mn-lt"/>
-              </a:rPr>
-            </a:br>
-            <a:br>
-              <a:rPr lang="en-GB" sz="2400" b="1" dirty="0">
-                <a:latin typeface="+mn-lt"/>
-              </a:rPr>
-            </a:br>
-            <a:r>
-              <a:rPr lang="en-GB" sz="1800" b="0" i="0" dirty="0">
-                <a:solidFill>
-                  <a:srgbClr val="222222"/>
-                </a:solidFill>
-                <a:effectLst/>
-                <a:latin typeface="Lato" panose="020F0502020204030203" pitchFamily="34" charset="0"/>
-              </a:rPr>
-              <a:t>Accuracy simply measures how often the classifier correctly predicts. We can define accuracy as the ratio of the number of correct predictions and the total number of predictions.</a:t>
-            </a:r>
-            <a:endParaRPr lang="en-GB" sz="1800" b="1" dirty="0">
-              <a:latin typeface="+mn-lt"/>
-            </a:endParaRPr>
+              <a:t>Support-vector machine</a:t>
+            </a:r>
           </a:p>
         </p:txBody>
       </p:sp>
-      <mc:AlternateContent xmlns:mc="http://schemas.openxmlformats.org/markup-compatibility/2006">
-        <mc:Choice xmlns:a14="http://schemas.microsoft.com/office/drawing/2010/main" Requires="a14">
-          <p:sp>
-            <p:nvSpPr>
-              <p:cNvPr id="2" name="TextBox 1">
-                <a:extLst>
-                  <a:ext uri="{FF2B5EF4-FFF2-40B4-BE49-F238E27FC236}">
-                    <a16:creationId xmlns:a16="http://schemas.microsoft.com/office/drawing/2014/main" id="{92712CD1-6A5E-44E2-BE53-E2F70E0BC73D}"/>
-                  </a:ext>
-                </a:extLst>
-              </p:cNvPr>
-              <p:cNvSpPr txBox="1"/>
-              <p:nvPr/>
-            </p:nvSpPr>
-            <p:spPr>
-              <a:xfrm>
-                <a:off x="2957804" y="3138311"/>
-                <a:ext cx="5467739" cy="581378"/>
-              </a:xfrm>
-              <a:prstGeom prst="rect">
-                <a:avLst/>
-              </a:prstGeom>
-              <a:noFill/>
-            </p:spPr>
-            <p:txBody>
-              <a:bodyPr wrap="square" lIns="0" tIns="0" rIns="0" bIns="0" rtlCol="0">
-                <a:spAutoFit/>
-              </a:bodyPr>
-              <a:lstStyle/>
-              <a:p>
-                <a:pPr/>
-                <a14:m>
-                  <m:oMathPara xmlns:m="http://schemas.openxmlformats.org/officeDocument/2006/math">
-                    <m:oMathParaPr>
-                      <m:jc m:val="centerGroup"/>
-                    </m:oMathParaPr>
-                    <m:oMath xmlns:m="http://schemas.openxmlformats.org/officeDocument/2006/math">
-                      <m:r>
-                        <a:rPr lang="it-IT" sz="2000" b="0" i="1" smtClean="0">
-                          <a:latin typeface="Cambria Math" panose="02040503050406030204" pitchFamily="18" charset="0"/>
-                        </a:rPr>
-                        <m:t>𝐴𝑐𝑐𝑢𝑟𝑎𝑐𝑦</m:t>
-                      </m:r>
-                      <m:r>
-                        <a:rPr lang="en-GB" sz="2000" i="1" smtClean="0">
-                          <a:latin typeface="Cambria Math" panose="02040503050406030204" pitchFamily="18" charset="0"/>
-                        </a:rPr>
-                        <m:t>=</m:t>
-                      </m:r>
-                      <m:f>
-                        <m:fPr>
-                          <m:ctrlPr>
-                            <a:rPr lang="en-GB" sz="2000" i="1" smtClean="0">
-                              <a:latin typeface="Cambria Math" panose="02040503050406030204" pitchFamily="18" charset="0"/>
-                            </a:rPr>
-                          </m:ctrlPr>
-                        </m:fPr>
-                        <m:num>
-                          <m:r>
-                            <a:rPr lang="it-IT" sz="2000" b="0" i="1" smtClean="0">
-                              <a:latin typeface="Cambria Math" panose="02040503050406030204" pitchFamily="18" charset="0"/>
-                            </a:rPr>
-                            <m:t>𝑇𝑃</m:t>
-                          </m:r>
-                          <m:r>
-                            <a:rPr lang="it-IT" sz="2000" b="0" i="1" smtClean="0">
-                              <a:latin typeface="Cambria Math" panose="02040503050406030204" pitchFamily="18" charset="0"/>
-                            </a:rPr>
-                            <m:t>+</m:t>
-                          </m:r>
-                          <m:r>
-                            <a:rPr lang="it-IT" sz="2000" b="0" i="1" smtClean="0">
-                              <a:latin typeface="Cambria Math" panose="02040503050406030204" pitchFamily="18" charset="0"/>
-                            </a:rPr>
-                            <m:t>𝑇𝑁</m:t>
-                          </m:r>
-                        </m:num>
-                        <m:den>
-                          <m:r>
-                            <a:rPr lang="it-IT" sz="2000" b="0" i="1" smtClean="0">
-                              <a:latin typeface="Cambria Math" panose="02040503050406030204" pitchFamily="18" charset="0"/>
-                            </a:rPr>
-                            <m:t>𝑇𝑃</m:t>
-                          </m:r>
-                          <m:r>
-                            <a:rPr lang="it-IT" sz="2000" b="0" i="1" smtClean="0">
-                              <a:latin typeface="Cambria Math" panose="02040503050406030204" pitchFamily="18" charset="0"/>
-                            </a:rPr>
-                            <m:t>+</m:t>
-                          </m:r>
-                          <m:r>
-                            <a:rPr lang="it-IT" sz="2000" b="0" i="1" smtClean="0">
-                              <a:latin typeface="Cambria Math" panose="02040503050406030204" pitchFamily="18" charset="0"/>
-                            </a:rPr>
-                            <m:t>𝑇𝑁</m:t>
-                          </m:r>
-                          <m:r>
-                            <a:rPr lang="it-IT" sz="2000" b="0" i="1" smtClean="0">
-                              <a:latin typeface="Cambria Math" panose="02040503050406030204" pitchFamily="18" charset="0"/>
-                            </a:rPr>
-                            <m:t>+</m:t>
-                          </m:r>
-                          <m:r>
-                            <a:rPr lang="it-IT" sz="2000" b="0" i="1" smtClean="0">
-                              <a:latin typeface="Cambria Math" panose="02040503050406030204" pitchFamily="18" charset="0"/>
-                            </a:rPr>
-                            <m:t>𝐹𝑃</m:t>
-                          </m:r>
-                          <m:r>
-                            <a:rPr lang="it-IT" sz="2000" b="0" i="1" smtClean="0">
-                              <a:latin typeface="Cambria Math" panose="02040503050406030204" pitchFamily="18" charset="0"/>
-                            </a:rPr>
-                            <m:t>+</m:t>
-                          </m:r>
-                          <m:r>
-                            <a:rPr lang="it-IT" sz="2000" b="0" i="1" smtClean="0">
-                              <a:latin typeface="Cambria Math" panose="02040503050406030204" pitchFamily="18" charset="0"/>
-                            </a:rPr>
-                            <m:t>𝐹𝑁</m:t>
-                          </m:r>
-                        </m:den>
-                      </m:f>
-                    </m:oMath>
-                  </m:oMathPara>
-                </a14:m>
-                <a:endParaRPr lang="en-GB" sz="2000" dirty="0"/>
-              </a:p>
-            </p:txBody>
-          </p:sp>
-        </mc:Choice>
-        <mc:Fallback>
-          <p:sp>
-            <p:nvSpPr>
-              <p:cNvPr id="2" name="TextBox 1">
-                <a:extLst>
-                  <a:ext uri="{FF2B5EF4-FFF2-40B4-BE49-F238E27FC236}">
-                    <a16:creationId xmlns:a16="http://schemas.microsoft.com/office/drawing/2014/main" id="{92712CD1-6A5E-44E2-BE53-E2F70E0BC73D}"/>
-                  </a:ext>
-                </a:extLst>
-              </p:cNvPr>
-              <p:cNvSpPr txBox="1">
-                <a:spLocks noRot="1" noChangeAspect="1" noMove="1" noResize="1" noEditPoints="1" noAdjustHandles="1" noChangeArrowheads="1" noChangeShapeType="1" noTextEdit="1"/>
-              </p:cNvSpPr>
-              <p:nvPr/>
-            </p:nvSpPr>
-            <p:spPr>
-              <a:xfrm>
-                <a:off x="2957804" y="3138311"/>
-                <a:ext cx="5467739" cy="581378"/>
-              </a:xfrm>
-              <a:prstGeom prst="rect">
-                <a:avLst/>
-              </a:prstGeom>
-              <a:blipFill>
-                <a:blip r:embed="rId2"/>
-                <a:stretch>
-                  <a:fillRect/>
-                </a:stretch>
-              </a:blipFill>
-            </p:spPr>
-            <p:txBody>
-              <a:bodyPr/>
-              <a:lstStyle/>
-              <a:p>
-                <a:r>
-                  <a:rPr lang="en-GB">
-                    <a:noFill/>
-                  </a:rPr>
-                  <a:t> </a:t>
-                </a:r>
-              </a:p>
-            </p:txBody>
-          </p:sp>
-        </mc:Fallback>
-      </mc:AlternateContent>
+      <p:pic>
+        <p:nvPicPr>
+          <p:cNvPr id="6146" name="Picture 2" descr="Kernel trick">
+            <a:extLst>
+              <a:ext uri="{FF2B5EF4-FFF2-40B4-BE49-F238E27FC236}">
+                <a16:creationId xmlns:a16="http://schemas.microsoft.com/office/drawing/2014/main" id="{8914C650-E4F1-F189-626A-C887770D5EEB}"/>
+              </a:ext>
+            </a:extLst>
+          </p:cNvPr>
+          <p:cNvPicPr>
+            <a:picLocks noChangeAspect="1" noChangeArrowheads="1"/>
+          </p:cNvPicPr>
+          <p:nvPr/>
+        </p:nvPicPr>
+        <p:blipFill>
+          <a:blip r:embed="rId2">
+            <a:extLst>
+              <a:ext uri="{28A0092B-C50C-407E-A947-70E740481C1C}">
+                <a14:useLocalDpi xmlns:a14="http://schemas.microsoft.com/office/drawing/2010/main" val="0"/>
+              </a:ext>
+            </a:extLst>
+          </a:blip>
+          <a:srcRect/>
+          <a:stretch>
+            <a:fillRect/>
+          </a:stretch>
+        </p:blipFill>
+        <p:spPr bwMode="auto">
+          <a:xfrm>
+            <a:off x="1487454" y="1481739"/>
+            <a:ext cx="8980172" cy="4032651"/>
+          </a:xfrm>
+          <a:prstGeom prst="rect">
+            <a:avLst/>
+          </a:prstGeom>
+          <a:noFill/>
+          <a:extLst>
+            <a:ext uri="{909E8E84-426E-40DD-AFC4-6F175D3DCCD1}">
+              <a14:hiddenFill xmlns:a14="http://schemas.microsoft.com/office/drawing/2010/main">
+                <a:solidFill>
+                  <a:srgbClr val="FFFFFF"/>
+                </a:solidFill>
+              </a14:hiddenFill>
+            </a:ext>
+          </a:extLst>
+        </p:spPr>
+      </p:pic>
       <p:sp>
         <p:nvSpPr>
-          <p:cNvPr id="3" name="TextBox 2">
+          <p:cNvPr id="8" name="TextBox 7">
             <a:extLst>
               <a:ext uri="{FF2B5EF4-FFF2-40B4-BE49-F238E27FC236}">
-                <a16:creationId xmlns:a16="http://schemas.microsoft.com/office/drawing/2014/main" id="{69A0B934-DACF-3FBD-8FE4-13D46C4E6118}"/>
+                <a16:creationId xmlns:a16="http://schemas.microsoft.com/office/drawing/2014/main" id="{BC7C582B-3C4B-469E-5296-39509B32B162}"/>
               </a:ext>
             </a:extLst>
           </p:cNvPr>
@@ -5079,8 +5009,8 @@
         </p:nvSpPr>
         <p:spPr>
           <a:xfrm>
-            <a:off x="4204026" y="5912889"/>
-            <a:ext cx="3560014" cy="369332"/>
+            <a:off x="2633564" y="5740389"/>
+            <a:ext cx="6924872" cy="369332"/>
           </a:xfrm>
           <a:prstGeom prst="rect">
             <a:avLst/>
@@ -5088,22 +5018,21 @@
           <a:noFill/>
         </p:spPr>
         <p:txBody>
-          <a:bodyPr wrap="none" rtlCol="0">
+          <a:bodyPr wrap="square">
             <a:spAutoFit/>
           </a:bodyPr>
           <a:lstStyle/>
           <a:p>
-            <a:r>
-              <a:rPr lang="en-GB" dirty="0"/>
-              <a:t>Be </a:t>
-            </a:r>
-            <a:r>
-              <a:rPr lang="en-GB" dirty="0" err="1"/>
-              <a:t>carefull</a:t>
-            </a:r>
-            <a:r>
-              <a:rPr lang="en-GB" dirty="0"/>
-              <a:t> with imbalanced classes!</a:t>
+            <a:pPr algn="l"/>
+            <a:r>
+              <a:rPr lang="en-GB" b="0" i="0" dirty="0">
+                <a:solidFill>
+                  <a:srgbClr val="000000"/>
+                </a:solidFill>
+                <a:effectLst/>
+                <a:latin typeface="Inter"/>
+              </a:rPr>
+              <a:t>Kernel trick - transformation of input space to higher dimensional space</a:t>
             </a:r>
           </a:p>
         </p:txBody>
@@ -5111,7 +5040,7 @@
     </p:spTree>
     <p:extLst>
       <p:ext uri="{BB962C8B-B14F-4D97-AF65-F5344CB8AC3E}">
-        <p14:creationId xmlns:p14="http://schemas.microsoft.com/office/powerpoint/2010/main" val="2936514577"/>
+        <p14:creationId xmlns:p14="http://schemas.microsoft.com/office/powerpoint/2010/main" val="4015236716"/>
       </p:ext>
     </p:extLst>
   </p:cSld>
@@ -5157,12 +5086,1034 @@
         <p:spPr>
           <a:xfrm>
             <a:off x="838200" y="365125"/>
+            <a:ext cx="10515600" cy="521283"/>
+          </a:xfrm>
+        </p:spPr>
+        <p:txBody>
+          <a:bodyPr>
+            <a:normAutofit/>
+          </a:bodyPr>
+          <a:lstStyle/>
+          <a:p>
+            <a:r>
+              <a:rPr lang="en-GB" sz="2400" b="1" dirty="0">
+                <a:latin typeface="+mn-lt"/>
+              </a:rPr>
+              <a:t>K </a:t>
+            </a:r>
+            <a:r>
+              <a:rPr lang="en-GB" sz="2400" b="1" dirty="0" err="1">
+                <a:latin typeface="+mn-lt"/>
+              </a:rPr>
+              <a:t>neighbors</a:t>
+            </a:r>
+            <a:r>
+              <a:rPr lang="en-GB" sz="2400" b="1" dirty="0">
+                <a:latin typeface="+mn-lt"/>
+              </a:rPr>
+              <a:t> classifier</a:t>
+            </a:r>
+          </a:p>
+        </p:txBody>
+      </p:sp>
+      <p:sp>
+        <p:nvSpPr>
+          <p:cNvPr id="5" name="TextBox 4">
+            <a:extLst>
+              <a:ext uri="{FF2B5EF4-FFF2-40B4-BE49-F238E27FC236}">
+                <a16:creationId xmlns:a16="http://schemas.microsoft.com/office/drawing/2014/main" id="{27DF978E-BA81-DFA4-AC74-74846C1E1B6F}"/>
+              </a:ext>
+            </a:extLst>
+          </p:cNvPr>
+          <p:cNvSpPr txBox="1"/>
+          <p:nvPr/>
+        </p:nvSpPr>
+        <p:spPr>
+          <a:xfrm>
+            <a:off x="706794" y="886408"/>
+            <a:ext cx="10909817" cy="1200329"/>
+          </a:xfrm>
+          <a:prstGeom prst="rect">
+            <a:avLst/>
+          </a:prstGeom>
+          <a:noFill/>
+        </p:spPr>
+        <p:txBody>
+          <a:bodyPr wrap="square">
+            <a:spAutoFit/>
+          </a:bodyPr>
+          <a:lstStyle/>
+          <a:p>
+            <a:r>
+              <a:rPr lang="en-GB" dirty="0"/>
+              <a:t>The k-nearest </a:t>
+            </a:r>
+            <a:r>
+              <a:rPr lang="en-GB" dirty="0" err="1"/>
+              <a:t>neighbors</a:t>
+            </a:r>
+            <a:r>
+              <a:rPr lang="en-GB" dirty="0"/>
+              <a:t> algorithm, also known as KNN or k-NN, is a non-parametric, supervised learning classifier, which uses proximity to make classifications or predictions about the grouping of an individual data point.</a:t>
+            </a:r>
+          </a:p>
+          <a:p>
+            <a:r>
+              <a:rPr lang="en-GB" dirty="0"/>
+              <a:t>The training phase of the algorithm consists only of storing the feature vectors and class labels of the training samples.</a:t>
+            </a:r>
+          </a:p>
+        </p:txBody>
+      </p:sp>
+      <p:pic>
+        <p:nvPicPr>
+          <p:cNvPr id="7178" name="Picture 10" descr="KNN (K-Nearest Neighbors) #1. How it works? | by Italo José | Towards Data  Science">
+            <a:extLst>
+              <a:ext uri="{FF2B5EF4-FFF2-40B4-BE49-F238E27FC236}">
+                <a16:creationId xmlns:a16="http://schemas.microsoft.com/office/drawing/2014/main" id="{B893CDCF-D1F0-D931-4938-90025F72FA51}"/>
+              </a:ext>
+            </a:extLst>
+          </p:cNvPr>
+          <p:cNvPicPr>
+            <a:picLocks noChangeAspect="1" noChangeArrowheads="1"/>
+          </p:cNvPicPr>
+          <p:nvPr/>
+        </p:nvPicPr>
+        <p:blipFill>
+          <a:blip r:embed="rId2">
+            <a:extLst>
+              <a:ext uri="{28A0092B-C50C-407E-A947-70E740481C1C}">
+                <a14:useLocalDpi xmlns:a14="http://schemas.microsoft.com/office/drawing/2010/main" val="0"/>
+              </a:ext>
+            </a:extLst>
+          </a:blip>
+          <a:srcRect/>
+          <a:stretch>
+            <a:fillRect/>
+          </a:stretch>
+        </p:blipFill>
+        <p:spPr bwMode="auto">
+          <a:xfrm>
+            <a:off x="2948474" y="2239600"/>
+            <a:ext cx="5688661" cy="4253275"/>
+          </a:xfrm>
+          <a:prstGeom prst="rect">
+            <a:avLst/>
+          </a:prstGeom>
+          <a:noFill/>
+          <a:extLst>
+            <a:ext uri="{909E8E84-426E-40DD-AFC4-6F175D3DCCD1}">
+              <a14:hiddenFill xmlns:a14="http://schemas.microsoft.com/office/drawing/2010/main">
+                <a:solidFill>
+                  <a:srgbClr val="FFFFFF"/>
+                </a:solidFill>
+              </a14:hiddenFill>
+            </a:ext>
+          </a:extLst>
+        </p:spPr>
+      </p:pic>
+    </p:spTree>
+    <p:extLst>
+      <p:ext uri="{BB962C8B-B14F-4D97-AF65-F5344CB8AC3E}">
+        <p14:creationId xmlns:p14="http://schemas.microsoft.com/office/powerpoint/2010/main" val="3010960734"/>
+      </p:ext>
+    </p:extLst>
+  </p:cSld>
+  <p:clrMapOvr>
+    <a:masterClrMapping/>
+  </p:clrMapOvr>
+</p:sld>
+</file>
+
+<file path=ppt/slides/slide13.xml><?xml version="1.0" encoding="utf-8"?>
+<p:sld xmlns:a="http://schemas.openxmlformats.org/drawingml/2006/main" xmlns:r="http://schemas.openxmlformats.org/officeDocument/2006/relationships" xmlns:p="http://schemas.openxmlformats.org/presentationml/2006/main">
+  <p:cSld>
+    <p:spTree>
+      <p:nvGrpSpPr>
+        <p:cNvPr id="1" name=""/>
+        <p:cNvGrpSpPr/>
+        <p:nvPr/>
+      </p:nvGrpSpPr>
+      <p:grpSpPr>
+        <a:xfrm>
+          <a:off x="0" y="0"/>
+          <a:ext cx="0" cy="0"/>
+          <a:chOff x="0" y="0"/>
+          <a:chExt cx="0" cy="0"/>
+        </a:xfrm>
+      </p:grpSpPr>
+      <p:sp>
+        <p:nvSpPr>
+          <p:cNvPr id="4" name="Title 1">
+            <a:extLst>
+              <a:ext uri="{FF2B5EF4-FFF2-40B4-BE49-F238E27FC236}">
+                <a16:creationId xmlns:a16="http://schemas.microsoft.com/office/drawing/2014/main" id="{58C679D1-14B7-223D-10A5-F77131E88DFF}"/>
+              </a:ext>
+            </a:extLst>
+          </p:cNvPr>
+          <p:cNvSpPr>
+            <a:spLocks noGrp="1"/>
+          </p:cNvSpPr>
+          <p:nvPr>
+            <p:ph type="title"/>
+          </p:nvPr>
+        </p:nvSpPr>
+        <p:spPr>
+          <a:xfrm>
+            <a:off x="838200" y="523749"/>
+            <a:ext cx="10515600" cy="523157"/>
+          </a:xfrm>
+        </p:spPr>
+        <p:txBody>
+          <a:bodyPr>
+            <a:normAutofit/>
+          </a:bodyPr>
+          <a:lstStyle/>
+          <a:p>
+            <a:r>
+              <a:rPr lang="en-GB" sz="2400" b="1" dirty="0">
+                <a:latin typeface="+mn-lt"/>
+              </a:rPr>
+              <a:t>Evaluation metrics for classification model</a:t>
+            </a:r>
+            <a:endParaRPr lang="en-GB" sz="1800" b="1" dirty="0">
+              <a:latin typeface="+mn-lt"/>
+            </a:endParaRPr>
+          </a:p>
+        </p:txBody>
+      </p:sp>
+      <p:sp>
+        <p:nvSpPr>
+          <p:cNvPr id="5" name="TextBox 4">
+            <a:extLst>
+              <a:ext uri="{FF2B5EF4-FFF2-40B4-BE49-F238E27FC236}">
+                <a16:creationId xmlns:a16="http://schemas.microsoft.com/office/drawing/2014/main" id="{17650F33-8E78-427B-F87A-ECCCDB05CA21}"/>
+              </a:ext>
+            </a:extLst>
+          </p:cNvPr>
+          <p:cNvSpPr txBox="1"/>
+          <p:nvPr/>
+        </p:nvSpPr>
+        <p:spPr>
+          <a:xfrm>
+            <a:off x="764332" y="1754157"/>
+            <a:ext cx="10663335" cy="2585323"/>
+          </a:xfrm>
+          <a:prstGeom prst="rect">
+            <a:avLst/>
+          </a:prstGeom>
+          <a:noFill/>
+        </p:spPr>
+        <p:txBody>
+          <a:bodyPr wrap="square">
+            <a:spAutoFit/>
+          </a:bodyPr>
+          <a:lstStyle/>
+          <a:p>
+            <a:r>
+              <a:rPr lang="en-GB" dirty="0"/>
+              <a:t>Performance evaluation metrics are based on the total number of the following variables:</a:t>
+            </a:r>
+          </a:p>
+          <a:p>
+            <a:endParaRPr lang="en-GB" dirty="0"/>
+          </a:p>
+          <a:p>
+            <a:pPr marL="285750" indent="-285750">
+              <a:buFont typeface="Arial" panose="020B0604020202020204" pitchFamily="34" charset="0"/>
+              <a:buChar char="•"/>
+            </a:pPr>
+            <a:r>
+              <a:rPr lang="en-GB" b="1" dirty="0"/>
+              <a:t>True Positives</a:t>
+            </a:r>
+            <a:r>
+              <a:rPr lang="en-GB" dirty="0"/>
+              <a:t>: outcome correctly predicted as positive class</a:t>
+            </a:r>
+          </a:p>
+          <a:p>
+            <a:pPr marL="285750" indent="-285750">
+              <a:buFont typeface="Arial" panose="020B0604020202020204" pitchFamily="34" charset="0"/>
+              <a:buChar char="•"/>
+            </a:pPr>
+            <a:r>
+              <a:rPr lang="en-GB" b="1" dirty="0"/>
+              <a:t>True Negatives</a:t>
+            </a:r>
+            <a:r>
+              <a:rPr lang="en-GB" dirty="0"/>
+              <a:t>: outcome correctly predicted as negative class</a:t>
+            </a:r>
+          </a:p>
+          <a:p>
+            <a:pPr marL="285750" indent="-285750">
+              <a:buFont typeface="Arial" panose="020B0604020202020204" pitchFamily="34" charset="0"/>
+              <a:buChar char="•"/>
+            </a:pPr>
+            <a:r>
+              <a:rPr lang="en-GB" b="1" dirty="0"/>
+              <a:t>False Positives</a:t>
+            </a:r>
+            <a:r>
+              <a:rPr lang="en-GB" dirty="0"/>
+              <a:t>: outcome incorrectly predicted as positive class</a:t>
+            </a:r>
+          </a:p>
+          <a:p>
+            <a:pPr marL="285750" indent="-285750">
+              <a:buFont typeface="Arial" panose="020B0604020202020204" pitchFamily="34" charset="0"/>
+              <a:buChar char="•"/>
+            </a:pPr>
+            <a:r>
+              <a:rPr lang="en-GB" b="1" dirty="0"/>
+              <a:t>False Negatives</a:t>
+            </a:r>
+            <a:r>
+              <a:rPr lang="en-GB" dirty="0"/>
+              <a:t>: outcome incorrectly predicted as negative class</a:t>
+            </a:r>
+          </a:p>
+          <a:p>
+            <a:endParaRPr lang="en-GB" dirty="0"/>
+          </a:p>
+          <a:p>
+            <a:r>
+              <a:rPr lang="en-GB" dirty="0"/>
+              <a:t>which are visually represented in a matrix (i.e. confusion matrix) where one of its axis is the label that the machine learning model predicted, and the other the actual label.</a:t>
+            </a:r>
+          </a:p>
+        </p:txBody>
+      </p:sp>
+    </p:spTree>
+    <p:extLst>
+      <p:ext uri="{BB962C8B-B14F-4D97-AF65-F5344CB8AC3E}">
+        <p14:creationId xmlns:p14="http://schemas.microsoft.com/office/powerpoint/2010/main" val="2684129627"/>
+      </p:ext>
+    </p:extLst>
+  </p:cSld>
+  <p:clrMapOvr>
+    <a:masterClrMapping/>
+  </p:clrMapOvr>
+</p:sld>
+</file>
+
+<file path=ppt/slides/slide14.xml><?xml version="1.0" encoding="utf-8"?>
+<p:sld xmlns:a="http://schemas.openxmlformats.org/drawingml/2006/main" xmlns:r="http://schemas.openxmlformats.org/officeDocument/2006/relationships" xmlns:p="http://schemas.openxmlformats.org/presentationml/2006/main">
+  <p:cSld>
+    <p:spTree>
+      <p:nvGrpSpPr>
+        <p:cNvPr id="1" name=""/>
+        <p:cNvGrpSpPr/>
+        <p:nvPr/>
+      </p:nvGrpSpPr>
+      <p:grpSpPr>
+        <a:xfrm>
+          <a:off x="0" y="0"/>
+          <a:ext cx="0" cy="0"/>
+          <a:chOff x="0" y="0"/>
+          <a:chExt cx="0" cy="0"/>
+        </a:xfrm>
+      </p:grpSpPr>
+      <p:sp>
+        <p:nvSpPr>
+          <p:cNvPr id="4" name="Title 1">
+            <a:extLst>
+              <a:ext uri="{FF2B5EF4-FFF2-40B4-BE49-F238E27FC236}">
+                <a16:creationId xmlns:a16="http://schemas.microsoft.com/office/drawing/2014/main" id="{58C679D1-14B7-223D-10A5-F77131E88DFF}"/>
+              </a:ext>
+            </a:extLst>
+          </p:cNvPr>
+          <p:cNvSpPr>
+            <a:spLocks noGrp="1"/>
+          </p:cNvSpPr>
+          <p:nvPr>
+            <p:ph type="title"/>
+          </p:nvPr>
+        </p:nvSpPr>
+        <p:spPr>
+          <a:xfrm>
+            <a:off x="838200" y="365126"/>
+            <a:ext cx="10515600" cy="549274"/>
+          </a:xfrm>
+        </p:spPr>
+        <p:txBody>
+          <a:bodyPr>
+            <a:normAutofit/>
+          </a:bodyPr>
+          <a:lstStyle/>
+          <a:p>
+            <a:r>
+              <a:rPr lang="en-GB" sz="2400" b="1" dirty="0">
+                <a:latin typeface="+mn-lt"/>
+              </a:rPr>
+              <a:t>Confusion matrix</a:t>
+            </a:r>
+            <a:endParaRPr lang="en-GB" sz="1800" b="1" dirty="0">
+              <a:latin typeface="+mn-lt"/>
+            </a:endParaRPr>
+          </a:p>
+        </p:txBody>
+      </p:sp>
+      <p:pic>
+        <p:nvPicPr>
+          <p:cNvPr id="5" name="Picture 4">
+            <a:extLst>
+              <a:ext uri="{FF2B5EF4-FFF2-40B4-BE49-F238E27FC236}">
+                <a16:creationId xmlns:a16="http://schemas.microsoft.com/office/drawing/2014/main" id="{0469C677-950B-3E3C-5941-E58F0E10816C}"/>
+              </a:ext>
+            </a:extLst>
+          </p:cNvPr>
+          <p:cNvPicPr>
+            <a:picLocks noChangeAspect="1"/>
+          </p:cNvPicPr>
+          <p:nvPr/>
+        </p:nvPicPr>
+        <p:blipFill>
+          <a:blip r:embed="rId2"/>
+          <a:stretch>
+            <a:fillRect/>
+          </a:stretch>
+        </p:blipFill>
+        <p:spPr>
+          <a:xfrm>
+            <a:off x="2745370" y="1035698"/>
+            <a:ext cx="6701259" cy="5621516"/>
+          </a:xfrm>
+          <a:prstGeom prst="rect">
+            <a:avLst/>
+          </a:prstGeom>
+        </p:spPr>
+      </p:pic>
+    </p:spTree>
+    <p:extLst>
+      <p:ext uri="{BB962C8B-B14F-4D97-AF65-F5344CB8AC3E}">
+        <p14:creationId xmlns:p14="http://schemas.microsoft.com/office/powerpoint/2010/main" val="3583065972"/>
+      </p:ext>
+    </p:extLst>
+  </p:cSld>
+  <p:clrMapOvr>
+    <a:masterClrMapping/>
+  </p:clrMapOvr>
+</p:sld>
+</file>
+
+<file path=ppt/slides/slide15.xml><?xml version="1.0" encoding="utf-8"?>
+<p:sld xmlns:a="http://schemas.openxmlformats.org/drawingml/2006/main" xmlns:r="http://schemas.openxmlformats.org/officeDocument/2006/relationships" xmlns:p="http://schemas.openxmlformats.org/presentationml/2006/main">
+  <p:cSld>
+    <p:spTree>
+      <p:nvGrpSpPr>
+        <p:cNvPr id="1" name=""/>
+        <p:cNvGrpSpPr/>
+        <p:nvPr/>
+      </p:nvGrpSpPr>
+      <p:grpSpPr>
+        <a:xfrm>
+          <a:off x="0" y="0"/>
+          <a:ext cx="0" cy="0"/>
+          <a:chOff x="0" y="0"/>
+          <a:chExt cx="0" cy="0"/>
+        </a:xfrm>
+      </p:grpSpPr>
+      <p:sp>
+        <p:nvSpPr>
+          <p:cNvPr id="4" name="Title 1">
+            <a:extLst>
+              <a:ext uri="{FF2B5EF4-FFF2-40B4-BE49-F238E27FC236}">
+                <a16:creationId xmlns:a16="http://schemas.microsoft.com/office/drawing/2014/main" id="{58C679D1-14B7-223D-10A5-F77131E88DFF}"/>
+              </a:ext>
+            </a:extLst>
+          </p:cNvPr>
+          <p:cNvSpPr>
+            <a:spLocks noGrp="1"/>
+          </p:cNvSpPr>
+          <p:nvPr>
+            <p:ph type="title"/>
+          </p:nvPr>
+        </p:nvSpPr>
+        <p:spPr>
+          <a:xfrm>
+            <a:off x="838200" y="365126"/>
+            <a:ext cx="10515600" cy="549274"/>
+          </a:xfrm>
+        </p:spPr>
+        <p:txBody>
+          <a:bodyPr>
+            <a:normAutofit/>
+          </a:bodyPr>
+          <a:lstStyle/>
+          <a:p>
+            <a:r>
+              <a:rPr lang="en-GB" sz="2400" b="1" dirty="0">
+                <a:latin typeface="+mn-lt"/>
+              </a:rPr>
+              <a:t>Confusion matrix</a:t>
+            </a:r>
+            <a:endParaRPr lang="en-GB" sz="1800" b="1" dirty="0">
+              <a:latin typeface="+mn-lt"/>
+            </a:endParaRPr>
+          </a:p>
+        </p:txBody>
+      </p:sp>
+      <p:pic>
+        <p:nvPicPr>
+          <p:cNvPr id="7" name="Picture 6">
+            <a:extLst>
+              <a:ext uri="{FF2B5EF4-FFF2-40B4-BE49-F238E27FC236}">
+                <a16:creationId xmlns:a16="http://schemas.microsoft.com/office/drawing/2014/main" id="{709D52EF-BF42-362A-B011-D80441CF66ED}"/>
+              </a:ext>
+            </a:extLst>
+          </p:cNvPr>
+          <p:cNvPicPr>
+            <a:picLocks noChangeAspect="1"/>
+          </p:cNvPicPr>
+          <p:nvPr/>
+        </p:nvPicPr>
+        <p:blipFill>
+          <a:blip r:embed="rId2"/>
+          <a:stretch>
+            <a:fillRect/>
+          </a:stretch>
+        </p:blipFill>
+        <p:spPr>
+          <a:xfrm>
+            <a:off x="1572298" y="914399"/>
+            <a:ext cx="7478395" cy="5476997"/>
+          </a:xfrm>
+          <a:prstGeom prst="rect">
+            <a:avLst/>
+          </a:prstGeom>
+        </p:spPr>
+      </p:pic>
+    </p:spTree>
+    <p:extLst>
+      <p:ext uri="{BB962C8B-B14F-4D97-AF65-F5344CB8AC3E}">
+        <p14:creationId xmlns:p14="http://schemas.microsoft.com/office/powerpoint/2010/main" val="2996811488"/>
+      </p:ext>
+    </p:extLst>
+  </p:cSld>
+  <p:clrMapOvr>
+    <a:masterClrMapping/>
+  </p:clrMapOvr>
+</p:sld>
+</file>
+
+<file path=ppt/slides/slide16.xml><?xml version="1.0" encoding="utf-8"?>
+<p:sld xmlns:a="http://schemas.openxmlformats.org/drawingml/2006/main" xmlns:r="http://schemas.openxmlformats.org/officeDocument/2006/relationships" xmlns:p="http://schemas.openxmlformats.org/presentationml/2006/main">
+  <p:cSld>
+    <p:spTree>
+      <p:nvGrpSpPr>
+        <p:cNvPr id="1" name=""/>
+        <p:cNvGrpSpPr/>
+        <p:nvPr/>
+      </p:nvGrpSpPr>
+      <p:grpSpPr>
+        <a:xfrm>
+          <a:off x="0" y="0"/>
+          <a:ext cx="0" cy="0"/>
+          <a:chOff x="0" y="0"/>
+          <a:chExt cx="0" cy="0"/>
+        </a:xfrm>
+      </p:grpSpPr>
+      <p:sp>
+        <p:nvSpPr>
+          <p:cNvPr id="4" name="Title 1">
+            <a:extLst>
+              <a:ext uri="{FF2B5EF4-FFF2-40B4-BE49-F238E27FC236}">
+                <a16:creationId xmlns:a16="http://schemas.microsoft.com/office/drawing/2014/main" id="{58C679D1-14B7-223D-10A5-F77131E88DFF}"/>
+              </a:ext>
+            </a:extLst>
+          </p:cNvPr>
+          <p:cNvSpPr>
+            <a:spLocks noGrp="1"/>
+          </p:cNvSpPr>
+          <p:nvPr>
+            <p:ph type="title"/>
+          </p:nvPr>
+        </p:nvSpPr>
+        <p:spPr>
+          <a:xfrm>
+            <a:off x="838200" y="523749"/>
+            <a:ext cx="10515600" cy="523157"/>
+          </a:xfrm>
+        </p:spPr>
+        <p:txBody>
+          <a:bodyPr>
+            <a:normAutofit/>
+          </a:bodyPr>
+          <a:lstStyle/>
+          <a:p>
+            <a:r>
+              <a:rPr lang="en-GB" sz="2400" b="1" dirty="0">
+                <a:latin typeface="+mn-lt"/>
+              </a:rPr>
+              <a:t>Evaluation metrics for classification model</a:t>
+            </a:r>
+            <a:endParaRPr lang="en-GB" sz="1800" b="1" dirty="0">
+              <a:latin typeface="+mn-lt"/>
+            </a:endParaRPr>
+          </a:p>
+        </p:txBody>
+      </p:sp>
+      <p:sp>
+        <p:nvSpPr>
+          <p:cNvPr id="3" name="TextBox 2">
+            <a:extLst>
+              <a:ext uri="{FF2B5EF4-FFF2-40B4-BE49-F238E27FC236}">
+                <a16:creationId xmlns:a16="http://schemas.microsoft.com/office/drawing/2014/main" id="{E3E1B475-58BB-A7CB-70B8-B3250FE6CB5B}"/>
+              </a:ext>
+            </a:extLst>
+          </p:cNvPr>
+          <p:cNvSpPr txBox="1"/>
+          <p:nvPr/>
+        </p:nvSpPr>
+        <p:spPr>
+          <a:xfrm>
+            <a:off x="3703216" y="1830861"/>
+            <a:ext cx="4050523" cy="3539430"/>
+          </a:xfrm>
+          <a:prstGeom prst="rect">
+            <a:avLst/>
+          </a:prstGeom>
+          <a:noFill/>
+        </p:spPr>
+        <p:txBody>
+          <a:bodyPr wrap="square" rtlCol="0">
+            <a:spAutoFit/>
+          </a:bodyPr>
+          <a:lstStyle/>
+          <a:p>
+            <a:pPr marL="285750" indent="-285750">
+              <a:buFont typeface="Arial" panose="020B0604020202020204" pitchFamily="34" charset="0"/>
+              <a:buChar char="•"/>
+            </a:pPr>
+            <a:r>
+              <a:rPr lang="it-IT" sz="3200" dirty="0" err="1"/>
+              <a:t>Accuracy</a:t>
+            </a:r>
+            <a:endParaRPr lang="it-IT" sz="3200" dirty="0"/>
+          </a:p>
+          <a:p>
+            <a:pPr marL="285750" indent="-285750">
+              <a:buFont typeface="Arial" panose="020B0604020202020204" pitchFamily="34" charset="0"/>
+              <a:buChar char="•"/>
+            </a:pPr>
+            <a:endParaRPr lang="it-IT" sz="3200" dirty="0"/>
+          </a:p>
+          <a:p>
+            <a:pPr marL="285750" indent="-285750">
+              <a:buFont typeface="Arial" panose="020B0604020202020204" pitchFamily="34" charset="0"/>
+              <a:buChar char="•"/>
+            </a:pPr>
+            <a:r>
+              <a:rPr lang="it-IT" sz="3200" dirty="0"/>
+              <a:t>Precision</a:t>
+            </a:r>
+          </a:p>
+          <a:p>
+            <a:pPr marL="285750" indent="-285750">
+              <a:buFont typeface="Arial" panose="020B0604020202020204" pitchFamily="34" charset="0"/>
+              <a:buChar char="•"/>
+            </a:pPr>
+            <a:endParaRPr lang="it-IT" sz="3200" dirty="0"/>
+          </a:p>
+          <a:p>
+            <a:pPr marL="285750" indent="-285750">
+              <a:buFont typeface="Arial" panose="020B0604020202020204" pitchFamily="34" charset="0"/>
+              <a:buChar char="•"/>
+            </a:pPr>
+            <a:r>
+              <a:rPr lang="it-IT" sz="3200" dirty="0"/>
+              <a:t>Recall (</a:t>
+            </a:r>
+            <a:r>
+              <a:rPr lang="it-IT" sz="3200" dirty="0" err="1"/>
+              <a:t>Sensitivity</a:t>
+            </a:r>
+            <a:r>
+              <a:rPr lang="it-IT" sz="3200" dirty="0"/>
+              <a:t>)</a:t>
+            </a:r>
+          </a:p>
+          <a:p>
+            <a:endParaRPr lang="it-IT" sz="3200" dirty="0"/>
+          </a:p>
+          <a:p>
+            <a:pPr marL="285750" indent="-285750">
+              <a:buFont typeface="Arial" panose="020B0604020202020204" pitchFamily="34" charset="0"/>
+              <a:buChar char="•"/>
+            </a:pPr>
+            <a:r>
+              <a:rPr lang="it-IT" sz="3200" dirty="0"/>
+              <a:t>AUC-ROC</a:t>
+            </a:r>
+            <a:endParaRPr lang="en-GB" sz="3200" dirty="0"/>
+          </a:p>
+        </p:txBody>
+      </p:sp>
+    </p:spTree>
+    <p:extLst>
+      <p:ext uri="{BB962C8B-B14F-4D97-AF65-F5344CB8AC3E}">
+        <p14:creationId xmlns:p14="http://schemas.microsoft.com/office/powerpoint/2010/main" val="2783474612"/>
+      </p:ext>
+    </p:extLst>
+  </p:cSld>
+  <p:clrMapOvr>
+    <a:masterClrMapping/>
+  </p:clrMapOvr>
+</p:sld>
+</file>
+
+<file path=ppt/slides/slide17.xml><?xml version="1.0" encoding="utf-8"?>
+<p:sld xmlns:a="http://schemas.openxmlformats.org/drawingml/2006/main" xmlns:r="http://schemas.openxmlformats.org/officeDocument/2006/relationships" xmlns:p="http://schemas.openxmlformats.org/presentationml/2006/main">
+  <p:cSld>
+    <p:spTree>
+      <p:nvGrpSpPr>
+        <p:cNvPr id="1" name=""/>
+        <p:cNvGrpSpPr/>
+        <p:nvPr/>
+      </p:nvGrpSpPr>
+      <p:grpSpPr>
+        <a:xfrm>
+          <a:off x="0" y="0"/>
+          <a:ext cx="0" cy="0"/>
+          <a:chOff x="0" y="0"/>
+          <a:chExt cx="0" cy="0"/>
+        </a:xfrm>
+      </p:grpSpPr>
+      <p:sp>
+        <p:nvSpPr>
+          <p:cNvPr id="4" name="Title 1">
+            <a:extLst>
+              <a:ext uri="{FF2B5EF4-FFF2-40B4-BE49-F238E27FC236}">
+                <a16:creationId xmlns:a16="http://schemas.microsoft.com/office/drawing/2014/main" id="{58C679D1-14B7-223D-10A5-F77131E88DFF}"/>
+              </a:ext>
+            </a:extLst>
+          </p:cNvPr>
+          <p:cNvSpPr>
+            <a:spLocks noGrp="1"/>
+          </p:cNvSpPr>
+          <p:nvPr>
+            <p:ph type="title"/>
+          </p:nvPr>
+        </p:nvSpPr>
+        <p:spPr>
+          <a:xfrm>
+            <a:off x="838200" y="365125"/>
+            <a:ext cx="10515600" cy="1550761"/>
+          </a:xfrm>
+        </p:spPr>
+        <p:txBody>
+          <a:bodyPr>
+            <a:normAutofit/>
+          </a:bodyPr>
+          <a:lstStyle/>
+          <a:p>
+            <a:r>
+              <a:rPr lang="en-GB" sz="2400" b="1" dirty="0">
+                <a:latin typeface="+mn-lt"/>
+              </a:rPr>
+              <a:t>Accuracy</a:t>
+            </a:r>
+            <a:br>
+              <a:rPr lang="en-GB" sz="2400" b="1" dirty="0">
+                <a:latin typeface="+mn-lt"/>
+              </a:rPr>
+            </a:br>
+            <a:br>
+              <a:rPr lang="en-GB" sz="2400" b="1" dirty="0">
+                <a:latin typeface="+mn-lt"/>
+              </a:rPr>
+            </a:br>
+            <a:r>
+              <a:rPr lang="en-GB" sz="1800" b="0" i="0" dirty="0">
+                <a:solidFill>
+                  <a:srgbClr val="222222"/>
+                </a:solidFill>
+                <a:effectLst/>
+                <a:latin typeface="Lato" panose="020F0502020204030203" pitchFamily="34" charset="0"/>
+              </a:rPr>
+              <a:t>Accuracy simply measures how often the classifier correctly predicts. We can define accuracy as the ratio of the number of correct predictions and the total number of predictions.</a:t>
+            </a:r>
+            <a:endParaRPr lang="en-GB" sz="1800" b="1" dirty="0">
+              <a:latin typeface="+mn-lt"/>
+            </a:endParaRPr>
+          </a:p>
+        </p:txBody>
+      </p:sp>
+      <mc:AlternateContent xmlns:mc="http://schemas.openxmlformats.org/markup-compatibility/2006" xmlns:a14="http://schemas.microsoft.com/office/drawing/2010/main">
+        <mc:Choice Requires="a14">
+          <p:sp>
+            <p:nvSpPr>
+              <p:cNvPr id="2" name="TextBox 1">
+                <a:extLst>
+                  <a:ext uri="{FF2B5EF4-FFF2-40B4-BE49-F238E27FC236}">
+                    <a16:creationId xmlns:a16="http://schemas.microsoft.com/office/drawing/2014/main" id="{92712CD1-6A5E-44E2-BE53-E2F70E0BC73D}"/>
+                  </a:ext>
+                </a:extLst>
+              </p:cNvPr>
+              <p:cNvSpPr txBox="1"/>
+              <p:nvPr/>
+            </p:nvSpPr>
+            <p:spPr>
+              <a:xfrm>
+                <a:off x="2957804" y="3138311"/>
+                <a:ext cx="5467739" cy="813813"/>
+              </a:xfrm>
+              <a:prstGeom prst="rect">
+                <a:avLst/>
+              </a:prstGeom>
+              <a:noFill/>
+            </p:spPr>
+            <p:txBody>
+              <a:bodyPr wrap="square" lIns="0" tIns="0" rIns="0" bIns="0" rtlCol="0">
+                <a:spAutoFit/>
+              </a:bodyPr>
+              <a:lstStyle/>
+              <a:p>
+                <a:pPr/>
+                <a14:m>
+                  <m:oMathPara xmlns:m="http://schemas.openxmlformats.org/officeDocument/2006/math">
+                    <m:oMathParaPr>
+                      <m:jc m:val="centerGroup"/>
+                    </m:oMathParaPr>
+                    <m:oMath xmlns:m="http://schemas.openxmlformats.org/officeDocument/2006/math">
+                      <m:r>
+                        <a:rPr lang="it-IT" sz="2800" b="0" i="1" smtClean="0">
+                          <a:latin typeface="Cambria Math" panose="02040503050406030204" pitchFamily="18" charset="0"/>
+                        </a:rPr>
+                        <m:t>𝐴𝑐𝑐𝑢𝑟𝑎𝑐𝑦</m:t>
+                      </m:r>
+                      <m:r>
+                        <a:rPr lang="en-GB" sz="2800" i="1" smtClean="0">
+                          <a:latin typeface="Cambria Math" panose="02040503050406030204" pitchFamily="18" charset="0"/>
+                        </a:rPr>
+                        <m:t>=</m:t>
+                      </m:r>
+                      <m:f>
+                        <m:fPr>
+                          <m:ctrlPr>
+                            <a:rPr lang="en-GB" sz="2800" i="1" smtClean="0">
+                              <a:latin typeface="Cambria Math" panose="02040503050406030204" pitchFamily="18" charset="0"/>
+                            </a:rPr>
+                          </m:ctrlPr>
+                        </m:fPr>
+                        <m:num>
+                          <m:r>
+                            <a:rPr lang="it-IT" sz="2800" b="0" i="1" smtClean="0">
+                              <a:latin typeface="Cambria Math" panose="02040503050406030204" pitchFamily="18" charset="0"/>
+                            </a:rPr>
+                            <m:t>𝑇𝑃</m:t>
+                          </m:r>
+                          <m:r>
+                            <a:rPr lang="it-IT" sz="2800" b="0" i="1" smtClean="0">
+                              <a:latin typeface="Cambria Math" panose="02040503050406030204" pitchFamily="18" charset="0"/>
+                            </a:rPr>
+                            <m:t>+</m:t>
+                          </m:r>
+                          <m:r>
+                            <a:rPr lang="it-IT" sz="2800" b="0" i="1" smtClean="0">
+                              <a:latin typeface="Cambria Math" panose="02040503050406030204" pitchFamily="18" charset="0"/>
+                            </a:rPr>
+                            <m:t>𝑇𝑁</m:t>
+                          </m:r>
+                        </m:num>
+                        <m:den>
+                          <m:r>
+                            <a:rPr lang="it-IT" sz="2800" b="0" i="1" smtClean="0">
+                              <a:latin typeface="Cambria Math" panose="02040503050406030204" pitchFamily="18" charset="0"/>
+                            </a:rPr>
+                            <m:t>𝑇𝑃</m:t>
+                          </m:r>
+                          <m:r>
+                            <a:rPr lang="it-IT" sz="2800" b="0" i="1" smtClean="0">
+                              <a:latin typeface="Cambria Math" panose="02040503050406030204" pitchFamily="18" charset="0"/>
+                            </a:rPr>
+                            <m:t>+</m:t>
+                          </m:r>
+                          <m:r>
+                            <a:rPr lang="it-IT" sz="2800" b="0" i="1" smtClean="0">
+                              <a:latin typeface="Cambria Math" panose="02040503050406030204" pitchFamily="18" charset="0"/>
+                            </a:rPr>
+                            <m:t>𝑇𝑁</m:t>
+                          </m:r>
+                          <m:r>
+                            <a:rPr lang="it-IT" sz="2800" b="0" i="1" smtClean="0">
+                              <a:latin typeface="Cambria Math" panose="02040503050406030204" pitchFamily="18" charset="0"/>
+                            </a:rPr>
+                            <m:t>+</m:t>
+                          </m:r>
+                          <m:r>
+                            <a:rPr lang="it-IT" sz="2800" b="0" i="1" smtClean="0">
+                              <a:latin typeface="Cambria Math" panose="02040503050406030204" pitchFamily="18" charset="0"/>
+                            </a:rPr>
+                            <m:t>𝐹𝑃</m:t>
+                          </m:r>
+                          <m:r>
+                            <a:rPr lang="it-IT" sz="2800" b="0" i="1" smtClean="0">
+                              <a:latin typeface="Cambria Math" panose="02040503050406030204" pitchFamily="18" charset="0"/>
+                            </a:rPr>
+                            <m:t>+</m:t>
+                          </m:r>
+                          <m:r>
+                            <a:rPr lang="it-IT" sz="2800" b="0" i="1" smtClean="0">
+                              <a:latin typeface="Cambria Math" panose="02040503050406030204" pitchFamily="18" charset="0"/>
+                            </a:rPr>
+                            <m:t>𝐹𝑁</m:t>
+                          </m:r>
+                        </m:den>
+                      </m:f>
+                    </m:oMath>
+                  </m:oMathPara>
+                </a14:m>
+                <a:endParaRPr lang="en-GB" sz="2800" dirty="0"/>
+              </a:p>
+            </p:txBody>
+          </p:sp>
+        </mc:Choice>
+        <mc:Fallback xmlns="">
+          <p:sp>
+            <p:nvSpPr>
+              <p:cNvPr id="2" name="TextBox 1">
+                <a:extLst>
+                  <a:ext uri="{FF2B5EF4-FFF2-40B4-BE49-F238E27FC236}">
+                    <a16:creationId xmlns:a16="http://schemas.microsoft.com/office/drawing/2014/main" id="{92712CD1-6A5E-44E2-BE53-E2F70E0BC73D}"/>
+                  </a:ext>
+                </a:extLst>
+              </p:cNvPr>
+              <p:cNvSpPr txBox="1">
+                <a:spLocks noRot="1" noChangeAspect="1" noMove="1" noResize="1" noEditPoints="1" noAdjustHandles="1" noChangeArrowheads="1" noChangeShapeType="1" noTextEdit="1"/>
+              </p:cNvSpPr>
+              <p:nvPr/>
+            </p:nvSpPr>
+            <p:spPr>
+              <a:xfrm>
+                <a:off x="2957804" y="3138311"/>
+                <a:ext cx="5467739" cy="813813"/>
+              </a:xfrm>
+              <a:prstGeom prst="rect">
+                <a:avLst/>
+              </a:prstGeom>
+              <a:blipFill>
+                <a:blip r:embed="rId2"/>
+                <a:stretch>
+                  <a:fillRect/>
+                </a:stretch>
+              </a:blipFill>
+            </p:spPr>
+            <p:txBody>
+              <a:bodyPr/>
+              <a:lstStyle/>
+              <a:p>
+                <a:r>
+                  <a:rPr lang="en-GB">
+                    <a:noFill/>
+                  </a:rPr>
+                  <a:t> </a:t>
+                </a:r>
+              </a:p>
+            </p:txBody>
+          </p:sp>
+        </mc:Fallback>
+      </mc:AlternateContent>
+      <p:sp>
+        <p:nvSpPr>
+          <p:cNvPr id="3" name="TextBox 2">
+            <a:extLst>
+              <a:ext uri="{FF2B5EF4-FFF2-40B4-BE49-F238E27FC236}">
+                <a16:creationId xmlns:a16="http://schemas.microsoft.com/office/drawing/2014/main" id="{69A0B934-DACF-3FBD-8FE4-13D46C4E6118}"/>
+              </a:ext>
+            </a:extLst>
+          </p:cNvPr>
+          <p:cNvSpPr txBox="1"/>
+          <p:nvPr/>
+        </p:nvSpPr>
+        <p:spPr>
+          <a:xfrm>
+            <a:off x="4138712" y="5595648"/>
+            <a:ext cx="3560014" cy="369332"/>
+          </a:xfrm>
+          <a:prstGeom prst="rect">
+            <a:avLst/>
+          </a:prstGeom>
+          <a:noFill/>
+        </p:spPr>
+        <p:txBody>
+          <a:bodyPr wrap="none" rtlCol="0">
+            <a:spAutoFit/>
+          </a:bodyPr>
+          <a:lstStyle/>
+          <a:p>
+            <a:r>
+              <a:rPr lang="en-GB" dirty="0"/>
+              <a:t>Be </a:t>
+            </a:r>
+            <a:r>
+              <a:rPr lang="en-GB" dirty="0" err="1"/>
+              <a:t>carefull</a:t>
+            </a:r>
+            <a:r>
+              <a:rPr lang="en-GB" dirty="0"/>
+              <a:t> with imbalanced classes!</a:t>
+            </a:r>
+          </a:p>
+        </p:txBody>
+      </p:sp>
+    </p:spTree>
+    <p:extLst>
+      <p:ext uri="{BB962C8B-B14F-4D97-AF65-F5344CB8AC3E}">
+        <p14:creationId xmlns:p14="http://schemas.microsoft.com/office/powerpoint/2010/main" val="2936514577"/>
+      </p:ext>
+    </p:extLst>
+  </p:cSld>
+  <p:clrMapOvr>
+    <a:masterClrMapping/>
+  </p:clrMapOvr>
+</p:sld>
+</file>
+
+<file path=ppt/slides/slide18.xml><?xml version="1.0" encoding="utf-8"?>
+<p:sld xmlns:a="http://schemas.openxmlformats.org/drawingml/2006/main" xmlns:r="http://schemas.openxmlformats.org/officeDocument/2006/relationships" xmlns:p="http://schemas.openxmlformats.org/presentationml/2006/main">
+  <p:cSld>
+    <p:spTree>
+      <p:nvGrpSpPr>
+        <p:cNvPr id="1" name=""/>
+        <p:cNvGrpSpPr/>
+        <p:nvPr/>
+      </p:nvGrpSpPr>
+      <p:grpSpPr>
+        <a:xfrm>
+          <a:off x="0" y="0"/>
+          <a:ext cx="0" cy="0"/>
+          <a:chOff x="0" y="0"/>
+          <a:chExt cx="0" cy="0"/>
+        </a:xfrm>
+      </p:grpSpPr>
+      <p:sp>
+        <p:nvSpPr>
+          <p:cNvPr id="4" name="Title 1">
+            <a:extLst>
+              <a:ext uri="{FF2B5EF4-FFF2-40B4-BE49-F238E27FC236}">
+                <a16:creationId xmlns:a16="http://schemas.microsoft.com/office/drawing/2014/main" id="{58C679D1-14B7-223D-10A5-F77131E88DFF}"/>
+              </a:ext>
+            </a:extLst>
+          </p:cNvPr>
+          <p:cNvSpPr>
+            <a:spLocks noGrp="1"/>
+          </p:cNvSpPr>
+          <p:nvPr>
+            <p:ph type="title"/>
+          </p:nvPr>
+        </p:nvSpPr>
+        <p:spPr>
+          <a:xfrm>
+            <a:off x="838200" y="365125"/>
             <a:ext cx="10515600" cy="1939536"/>
           </a:xfrm>
         </p:spPr>
         <p:txBody>
           <a:bodyPr>
-            <a:normAutofit fontScale="90000"/>
+            <a:normAutofit/>
           </a:bodyPr>
           <a:lstStyle/>
           <a:p>
@@ -5220,24 +6171,14 @@
                 <a:latin typeface="Lato" panose="020F0502020204030203" pitchFamily="34" charset="0"/>
               </a:rPr>
             </a:br>
-            <a:r>
-              <a:rPr lang="en-GB" sz="1800" b="0" i="0" dirty="0">
-                <a:solidFill>
-                  <a:srgbClr val="222222"/>
-                </a:solidFill>
-                <a:effectLst/>
-                <a:latin typeface="Lato" panose="020F0502020204030203" pitchFamily="34" charset="0"/>
-              </a:rPr>
-              <a:t>The importance of Precision is in music or video recommendation systems, e-commerce websites, etc. where wrong results could lead to customer churn and this could be harmful to the business.</a:t>
-            </a:r>
             <a:endParaRPr lang="en-GB" sz="1800" b="1" dirty="0">
               <a:latin typeface="+mn-lt"/>
             </a:endParaRPr>
           </a:p>
         </p:txBody>
       </p:sp>
-      <mc:AlternateContent xmlns:mc="http://schemas.openxmlformats.org/markup-compatibility/2006">
-        <mc:Choice xmlns:a14="http://schemas.microsoft.com/office/drawing/2010/main" Requires="a14">
+      <mc:AlternateContent xmlns:mc="http://schemas.openxmlformats.org/markup-compatibility/2006" xmlns:a14="http://schemas.microsoft.com/office/drawing/2010/main">
+        <mc:Choice Requires="a14">
           <p:sp>
             <p:nvSpPr>
               <p:cNvPr id="8" name="TextBox 7">
@@ -5330,7 +6271,7 @@
             </p:txBody>
           </p:sp>
         </mc:Choice>
-        <mc:Fallback>
+        <mc:Fallback xmlns="">
           <p:sp>
             <p:nvSpPr>
               <p:cNvPr id="8" name="TextBox 7">
@@ -5375,6 +6316,48 @@
           </p:sp>
         </mc:Fallback>
       </mc:AlternateContent>
+      <p:sp>
+        <p:nvSpPr>
+          <p:cNvPr id="5" name="TextBox 4">
+            <a:extLst>
+              <a:ext uri="{FF2B5EF4-FFF2-40B4-BE49-F238E27FC236}">
+                <a16:creationId xmlns:a16="http://schemas.microsoft.com/office/drawing/2014/main" id="{972B15DC-2E23-E813-602D-5ABC32FF6E4D}"/>
+              </a:ext>
+            </a:extLst>
+          </p:cNvPr>
+          <p:cNvSpPr txBox="1"/>
+          <p:nvPr/>
+        </p:nvSpPr>
+        <p:spPr>
+          <a:xfrm>
+            <a:off x="838199" y="4750942"/>
+            <a:ext cx="10274559" cy="646331"/>
+          </a:xfrm>
+          <a:prstGeom prst="rect">
+            <a:avLst/>
+          </a:prstGeom>
+          <a:noFill/>
+        </p:spPr>
+        <p:txBody>
+          <a:bodyPr wrap="square">
+            <a:spAutoFit/>
+          </a:bodyPr>
+          <a:lstStyle/>
+          <a:p>
+            <a:r>
+              <a:rPr lang="en-GB" sz="1800" b="0" i="0" dirty="0">
+                <a:solidFill>
+                  <a:srgbClr val="222222"/>
+                </a:solidFill>
+                <a:effectLst/>
+                <a:latin typeface="Lato" panose="020F0502020204030203" pitchFamily="34" charset="0"/>
+              </a:rPr>
+              <a:t>The importance of Precision is in music or video recommendation systems, e-commerce websites, etc. where wrong results could lead to customer churn and this could be harmful to the business.</a:t>
+            </a:r>
+            <a:endParaRPr lang="en-GB" dirty="0"/>
+          </a:p>
+        </p:txBody>
+      </p:sp>
     </p:spTree>
     <p:extLst>
       <p:ext uri="{BB962C8B-B14F-4D97-AF65-F5344CB8AC3E}">
@@ -5388,7 +6371,7 @@
 </p:sld>
 </file>
 
-<file path=ppt/slides/slide13.xml><?xml version="1.0" encoding="utf-8"?>
+<file path=ppt/slides/slide19.xml><?xml version="1.0" encoding="utf-8"?>
 <p:sld xmlns:a="http://schemas.openxmlformats.org/drawingml/2006/main" xmlns:r="http://schemas.openxmlformats.org/officeDocument/2006/relationships" xmlns:p="http://schemas.openxmlformats.org/presentationml/2006/main">
   <p:cSld>
     <p:spTree>
@@ -5429,7 +6412,7 @@
         </p:spPr>
         <p:txBody>
           <a:bodyPr>
-            <a:normAutofit fontScale="90000"/>
+            <a:normAutofit/>
           </a:bodyPr>
           <a:lstStyle/>
           <a:p>
@@ -5465,12 +6448,9 @@
                 <a:latin typeface="+mn-lt"/>
               </a:rPr>
             </a:br>
-            <a:r>
-              <a:rPr lang="en-GB" sz="2000" dirty="0">
-                <a:latin typeface="+mn-lt"/>
-              </a:rPr>
-              <a:t>It is a useful metric in cases where False Negative is of higher concern than False Positive. It is important in medical cases where it doesn’t matter whether we raise a false alarm but the actual positive cases should not go undetected!</a:t>
-            </a:r>
+            <a:endParaRPr lang="en-GB" sz="2000" dirty="0">
+              <a:latin typeface="+mn-lt"/>
+            </a:endParaRPr>
           </a:p>
         </p:txBody>
       </p:sp>
@@ -5490,7 +6470,7 @@
             </p:nvSpPr>
             <p:spPr>
               <a:xfrm>
-                <a:off x="3004457" y="2804367"/>
+                <a:off x="2976465" y="2403150"/>
                 <a:ext cx="5467739" cy="813813"/>
               </a:xfrm>
               <a:prstGeom prst="rect">
@@ -5585,7 +6565,7 @@
             </p:nvSpPr>
             <p:spPr>
               <a:xfrm>
-                <a:off x="3004457" y="2804367"/>
+                <a:off x="2976465" y="2403150"/>
                 <a:ext cx="5467739" cy="813813"/>
               </a:xfrm>
               <a:prstGeom prst="rect">
@@ -5613,386 +6593,48 @@
           </p:sp>
         </mc:Fallback>
       </mc:AlternateContent>
+      <p:sp>
+        <p:nvSpPr>
+          <p:cNvPr id="5" name="TextBox 4">
+            <a:extLst>
+              <a:ext uri="{FF2B5EF4-FFF2-40B4-BE49-F238E27FC236}">
+                <a16:creationId xmlns:a16="http://schemas.microsoft.com/office/drawing/2014/main" id="{E65BDDB0-C9EA-B7DE-79AF-C34198DE50D2}"/>
+              </a:ext>
+            </a:extLst>
+          </p:cNvPr>
+          <p:cNvSpPr txBox="1"/>
+          <p:nvPr/>
+        </p:nvSpPr>
+        <p:spPr>
+          <a:xfrm>
+            <a:off x="838200" y="4379143"/>
+            <a:ext cx="10218576" cy="923330"/>
+          </a:xfrm>
+          <a:prstGeom prst="rect">
+            <a:avLst/>
+          </a:prstGeom>
+          <a:noFill/>
+        </p:spPr>
+        <p:txBody>
+          <a:bodyPr wrap="square">
+            <a:spAutoFit/>
+          </a:bodyPr>
+          <a:lstStyle/>
+          <a:p>
+            <a:r>
+              <a:rPr lang="en-GB" sz="1800" dirty="0">
+                <a:latin typeface="+mn-lt"/>
+              </a:rPr>
+              <a:t>It is a useful metric in cases where False Negative is of higher concern than False Positive. It is important in medical cases where it doesn’t matter whether we raise a false alarm but the actual positive cases should not go undetected!</a:t>
+            </a:r>
+            <a:endParaRPr lang="en-GB" dirty="0"/>
+          </a:p>
+        </p:txBody>
+      </p:sp>
     </p:spTree>
     <p:extLst>
       <p:ext uri="{BB962C8B-B14F-4D97-AF65-F5344CB8AC3E}">
         <p14:creationId xmlns:p14="http://schemas.microsoft.com/office/powerpoint/2010/main" val="406194174"/>
-      </p:ext>
-    </p:extLst>
-  </p:cSld>
-  <p:clrMapOvr>
-    <a:masterClrMapping/>
-  </p:clrMapOvr>
-</p:sld>
-</file>
-
-<file path=ppt/slides/slide14.xml><?xml version="1.0" encoding="utf-8"?>
-<p:sld xmlns:a="http://schemas.openxmlformats.org/drawingml/2006/main" xmlns:r="http://schemas.openxmlformats.org/officeDocument/2006/relationships" xmlns:p="http://schemas.openxmlformats.org/presentationml/2006/main">
-  <p:cSld>
-    <p:spTree>
-      <p:nvGrpSpPr>
-        <p:cNvPr id="1" name=""/>
-        <p:cNvGrpSpPr/>
-        <p:nvPr/>
-      </p:nvGrpSpPr>
-      <p:grpSpPr>
-        <a:xfrm>
-          <a:off x="0" y="0"/>
-          <a:ext cx="0" cy="0"/>
-          <a:chOff x="0" y="0"/>
-          <a:chExt cx="0" cy="0"/>
-        </a:xfrm>
-      </p:grpSpPr>
-      <p:sp>
-        <p:nvSpPr>
-          <p:cNvPr id="4" name="Title 1">
-            <a:extLst>
-              <a:ext uri="{FF2B5EF4-FFF2-40B4-BE49-F238E27FC236}">
-                <a16:creationId xmlns:a16="http://schemas.microsoft.com/office/drawing/2014/main" id="{58C679D1-14B7-223D-10A5-F77131E88DFF}"/>
-              </a:ext>
-            </a:extLst>
-          </p:cNvPr>
-          <p:cNvSpPr>
-            <a:spLocks noGrp="1"/>
-          </p:cNvSpPr>
-          <p:nvPr>
-            <p:ph type="title"/>
-          </p:nvPr>
-        </p:nvSpPr>
-        <p:spPr>
-          <a:xfrm>
-            <a:off x="838200" y="365126"/>
-            <a:ext cx="10515600" cy="474630"/>
-          </a:xfrm>
-        </p:spPr>
-        <p:txBody>
-          <a:bodyPr>
-            <a:normAutofit/>
-          </a:bodyPr>
-          <a:lstStyle/>
-          <a:p>
-            <a:r>
-              <a:rPr lang="en-GB" sz="2400" b="1" dirty="0">
-                <a:latin typeface="+mn-lt"/>
-              </a:rPr>
-              <a:t>AUC-ROC (Area Under Curve – Receiver Operating Characteristics)</a:t>
-            </a:r>
-            <a:endParaRPr lang="en-GB" sz="2000" dirty="0">
-              <a:latin typeface="+mn-lt"/>
-            </a:endParaRPr>
-          </a:p>
-        </p:txBody>
-      </p:sp>
-      <mc:AlternateContent xmlns:mc="http://schemas.openxmlformats.org/markup-compatibility/2006">
-        <mc:Choice xmlns:a14="http://schemas.microsoft.com/office/drawing/2010/main" Requires="a14">
-          <p:sp>
-            <p:nvSpPr>
-              <p:cNvPr id="2" name="TextBox 1">
-                <a:extLst>
-                  <a:ext uri="{FF2B5EF4-FFF2-40B4-BE49-F238E27FC236}">
-                    <a16:creationId xmlns:a16="http://schemas.microsoft.com/office/drawing/2014/main" id="{6C1271EB-EC09-D599-B642-4CF3002D6636}"/>
-                  </a:ext>
-                </a:extLst>
-              </p:cNvPr>
-              <p:cNvSpPr txBox="1"/>
-              <p:nvPr/>
-            </p:nvSpPr>
-            <p:spPr>
-              <a:xfrm>
-                <a:off x="9370251" y="5568534"/>
-                <a:ext cx="1669111" cy="523157"/>
-              </a:xfrm>
-              <a:prstGeom prst="rect">
-                <a:avLst/>
-              </a:prstGeom>
-              <a:noFill/>
-            </p:spPr>
-            <p:txBody>
-              <a:bodyPr wrap="none" lIns="0" tIns="0" rIns="0" bIns="0" rtlCol="0">
-                <a:spAutoFit/>
-              </a:bodyPr>
-              <a:lstStyle/>
-              <a:p>
-                <a14:m>
-                  <m:oMathPara xmlns:m="http://schemas.openxmlformats.org/officeDocument/2006/math">
-                    <m:oMathParaPr>
-                      <m:jc m:val="centerGroup"/>
-                    </m:oMathParaPr>
-                    <m:oMath xmlns:m="http://schemas.openxmlformats.org/officeDocument/2006/math">
-                      <m:r>
-                        <a:rPr lang="en-GB" b="0" i="1" smtClean="0">
-                          <a:latin typeface="Cambria Math" panose="02040503050406030204" pitchFamily="18" charset="0"/>
-                        </a:rPr>
-                        <m:t>𝐹𝑃𝑅</m:t>
-                      </m:r>
-                      <m:r>
-                        <a:rPr lang="pt-BR" i="1" smtClean="0">
-                          <a:latin typeface="Cambria Math" panose="02040503050406030204" pitchFamily="18" charset="0"/>
-                        </a:rPr>
-                        <m:t>=</m:t>
-                      </m:r>
-                      <m:f>
-                        <m:fPr>
-                          <m:ctrlPr>
-                            <a:rPr lang="pt-BR" i="1" smtClean="0">
-                              <a:latin typeface="Cambria Math" panose="02040503050406030204" pitchFamily="18" charset="0"/>
-                            </a:rPr>
-                          </m:ctrlPr>
-                        </m:fPr>
-                        <m:num>
-                          <m:r>
-                            <a:rPr lang="en-GB" b="0" i="1" smtClean="0">
-                              <a:latin typeface="Cambria Math" panose="02040503050406030204" pitchFamily="18" charset="0"/>
-                            </a:rPr>
-                            <m:t>𝐹𝑃</m:t>
-                          </m:r>
-                        </m:num>
-                        <m:den>
-                          <m:r>
-                            <a:rPr lang="en-GB" b="0" i="1" smtClean="0">
-                              <a:latin typeface="Cambria Math" panose="02040503050406030204" pitchFamily="18" charset="0"/>
-                            </a:rPr>
-                            <m:t>𝐹𝑃</m:t>
-                          </m:r>
-                          <m:r>
-                            <a:rPr lang="en-GB" b="0" i="1" smtClean="0">
-                              <a:latin typeface="Cambria Math" panose="02040503050406030204" pitchFamily="18" charset="0"/>
-                            </a:rPr>
-                            <m:t>+</m:t>
-                          </m:r>
-                          <m:r>
-                            <a:rPr lang="en-GB" b="0" i="1" smtClean="0">
-                              <a:latin typeface="Cambria Math" panose="02040503050406030204" pitchFamily="18" charset="0"/>
-                            </a:rPr>
-                            <m:t>𝑇𝑁</m:t>
-                          </m:r>
-                        </m:den>
-                      </m:f>
-                    </m:oMath>
-                  </m:oMathPara>
-                </a14:m>
-                <a:endParaRPr lang="en-GB" dirty="0"/>
-              </a:p>
-            </p:txBody>
-          </p:sp>
-        </mc:Choice>
-        <mc:Fallback>
-          <p:sp>
-            <p:nvSpPr>
-              <p:cNvPr id="2" name="TextBox 1">
-                <a:extLst>
-                  <a:ext uri="{FF2B5EF4-FFF2-40B4-BE49-F238E27FC236}">
-                    <a16:creationId xmlns:a16="http://schemas.microsoft.com/office/drawing/2014/main" id="{6C1271EB-EC09-D599-B642-4CF3002D6636}"/>
-                  </a:ext>
-                </a:extLst>
-              </p:cNvPr>
-              <p:cNvSpPr txBox="1">
-                <a:spLocks noRot="1" noChangeAspect="1" noMove="1" noResize="1" noEditPoints="1" noAdjustHandles="1" noChangeArrowheads="1" noChangeShapeType="1" noTextEdit="1"/>
-              </p:cNvSpPr>
-              <p:nvPr/>
-            </p:nvSpPr>
-            <p:spPr>
-              <a:xfrm>
-                <a:off x="9370251" y="5568534"/>
-                <a:ext cx="1669111" cy="523157"/>
-              </a:xfrm>
-              <a:prstGeom prst="rect">
-                <a:avLst/>
-              </a:prstGeom>
-              <a:blipFill>
-                <a:blip r:embed="rId2"/>
-                <a:stretch>
-                  <a:fillRect/>
-                </a:stretch>
-              </a:blipFill>
-            </p:spPr>
-            <p:txBody>
-              <a:bodyPr/>
-              <a:lstStyle/>
-              <a:p>
-                <a:r>
-                  <a:rPr lang="en-GB">
-                    <a:noFill/>
-                  </a:rPr>
-                  <a:t> </a:t>
-                </a:r>
-              </a:p>
-            </p:txBody>
-          </p:sp>
-        </mc:Fallback>
-      </mc:AlternateContent>
-      <mc:AlternateContent xmlns:mc="http://schemas.openxmlformats.org/markup-compatibility/2006">
-        <mc:Choice xmlns:a14="http://schemas.microsoft.com/office/drawing/2010/main" Requires="a14">
-          <p:sp>
-            <p:nvSpPr>
-              <p:cNvPr id="5" name="TextBox 4">
-                <a:extLst>
-                  <a:ext uri="{FF2B5EF4-FFF2-40B4-BE49-F238E27FC236}">
-                    <a16:creationId xmlns:a16="http://schemas.microsoft.com/office/drawing/2014/main" id="{01AB2D80-7629-278D-434D-142CBAC46217}"/>
-                  </a:ext>
-                </a:extLst>
-              </p:cNvPr>
-              <p:cNvSpPr txBox="1"/>
-              <p:nvPr/>
-            </p:nvSpPr>
-            <p:spPr>
-              <a:xfrm>
-                <a:off x="1024847" y="1427283"/>
-                <a:ext cx="1665905" cy="523157"/>
-              </a:xfrm>
-              <a:prstGeom prst="rect">
-                <a:avLst/>
-              </a:prstGeom>
-              <a:noFill/>
-            </p:spPr>
-            <p:txBody>
-              <a:bodyPr wrap="none" lIns="0" tIns="0" rIns="0" bIns="0" rtlCol="0">
-                <a:spAutoFit/>
-              </a:bodyPr>
-              <a:lstStyle/>
-              <a:p>
-                <a14:m>
-                  <m:oMathPara xmlns:m="http://schemas.openxmlformats.org/officeDocument/2006/math">
-                    <m:oMathParaPr>
-                      <m:jc m:val="centerGroup"/>
-                    </m:oMathParaPr>
-                    <m:oMath xmlns:m="http://schemas.openxmlformats.org/officeDocument/2006/math">
-                      <m:r>
-                        <a:rPr lang="en-GB" b="0" i="1" smtClean="0">
-                          <a:latin typeface="Cambria Math" panose="02040503050406030204" pitchFamily="18" charset="0"/>
-                        </a:rPr>
-                        <m:t>𝑇𝑃𝑅</m:t>
-                      </m:r>
-                      <m:r>
-                        <a:rPr lang="pt-BR" i="1" smtClean="0">
-                          <a:latin typeface="Cambria Math" panose="02040503050406030204" pitchFamily="18" charset="0"/>
-                        </a:rPr>
-                        <m:t>=</m:t>
-                      </m:r>
-                      <m:f>
-                        <m:fPr>
-                          <m:ctrlPr>
-                            <a:rPr lang="pt-BR" i="1" smtClean="0">
-                              <a:latin typeface="Cambria Math" panose="02040503050406030204" pitchFamily="18" charset="0"/>
-                            </a:rPr>
-                          </m:ctrlPr>
-                        </m:fPr>
-                        <m:num>
-                          <m:r>
-                            <a:rPr lang="en-GB" b="0" i="1" smtClean="0">
-                              <a:latin typeface="Cambria Math" panose="02040503050406030204" pitchFamily="18" charset="0"/>
-                            </a:rPr>
-                            <m:t>𝑇𝑃</m:t>
-                          </m:r>
-                        </m:num>
-                        <m:den>
-                          <m:r>
-                            <a:rPr lang="en-GB" b="0" i="1" smtClean="0">
-                              <a:latin typeface="Cambria Math" panose="02040503050406030204" pitchFamily="18" charset="0"/>
-                            </a:rPr>
-                            <m:t>𝑇𝑃</m:t>
-                          </m:r>
-                          <m:r>
-                            <a:rPr lang="en-GB" b="0" i="1" smtClean="0">
-                              <a:latin typeface="Cambria Math" panose="02040503050406030204" pitchFamily="18" charset="0"/>
-                            </a:rPr>
-                            <m:t>+</m:t>
-                          </m:r>
-                          <m:r>
-                            <a:rPr lang="en-GB" b="0" i="1" smtClean="0">
-                              <a:latin typeface="Cambria Math" panose="02040503050406030204" pitchFamily="18" charset="0"/>
-                            </a:rPr>
-                            <m:t>𝐹𝑁</m:t>
-                          </m:r>
-                        </m:den>
-                      </m:f>
-                    </m:oMath>
-                  </m:oMathPara>
-                </a14:m>
-                <a:endParaRPr lang="en-GB" dirty="0"/>
-              </a:p>
-            </p:txBody>
-          </p:sp>
-        </mc:Choice>
-        <mc:Fallback>
-          <p:sp>
-            <p:nvSpPr>
-              <p:cNvPr id="5" name="TextBox 4">
-                <a:extLst>
-                  <a:ext uri="{FF2B5EF4-FFF2-40B4-BE49-F238E27FC236}">
-                    <a16:creationId xmlns:a16="http://schemas.microsoft.com/office/drawing/2014/main" id="{01AB2D80-7629-278D-434D-142CBAC46217}"/>
-                  </a:ext>
-                </a:extLst>
-              </p:cNvPr>
-              <p:cNvSpPr txBox="1">
-                <a:spLocks noRot="1" noChangeAspect="1" noMove="1" noResize="1" noEditPoints="1" noAdjustHandles="1" noChangeArrowheads="1" noChangeShapeType="1" noTextEdit="1"/>
-              </p:cNvSpPr>
-              <p:nvPr/>
-            </p:nvSpPr>
-            <p:spPr>
-              <a:xfrm>
-                <a:off x="1024847" y="1427283"/>
-                <a:ext cx="1665905" cy="523157"/>
-              </a:xfrm>
-              <a:prstGeom prst="rect">
-                <a:avLst/>
-              </a:prstGeom>
-              <a:blipFill>
-                <a:blip r:embed="rId3"/>
-                <a:stretch>
-                  <a:fillRect/>
-                </a:stretch>
-              </a:blipFill>
-            </p:spPr>
-            <p:txBody>
-              <a:bodyPr/>
-              <a:lstStyle/>
-              <a:p>
-                <a:r>
-                  <a:rPr lang="en-GB">
-                    <a:noFill/>
-                  </a:rPr>
-                  <a:t> </a:t>
-                </a:r>
-              </a:p>
-            </p:txBody>
-          </p:sp>
-        </mc:Fallback>
-      </mc:AlternateContent>
-      <p:pic>
-        <p:nvPicPr>
-          <p:cNvPr id="6" name="Picture 5">
-            <a:extLst>
-              <a:ext uri="{FF2B5EF4-FFF2-40B4-BE49-F238E27FC236}">
-                <a16:creationId xmlns:a16="http://schemas.microsoft.com/office/drawing/2014/main" id="{4A355A50-8724-8F6F-E4B3-F09B0BF03989}"/>
-              </a:ext>
-            </a:extLst>
-          </p:cNvPr>
-          <p:cNvPicPr>
-            <a:picLocks noChangeAspect="1"/>
-          </p:cNvPicPr>
-          <p:nvPr/>
-        </p:nvPicPr>
-        <p:blipFill>
-          <a:blip r:embed="rId4"/>
-          <a:stretch>
-            <a:fillRect/>
-          </a:stretch>
-        </p:blipFill>
-        <p:spPr>
-          <a:xfrm>
-            <a:off x="2690752" y="1250002"/>
-            <a:ext cx="6579637" cy="5016159"/>
-          </a:xfrm>
-          <a:prstGeom prst="rect">
-            <a:avLst/>
-          </a:prstGeom>
-        </p:spPr>
-      </p:pic>
-    </p:spTree>
-    <p:extLst>
-      <p:ext uri="{BB962C8B-B14F-4D97-AF65-F5344CB8AC3E}">
-        <p14:creationId xmlns:p14="http://schemas.microsoft.com/office/powerpoint/2010/main" val="3609853914"/>
       </p:ext>
     </p:extLst>
   </p:cSld>
@@ -6821,6 +7463,519 @@
     <p:extLst>
       <p:ext uri="{BB962C8B-B14F-4D97-AF65-F5344CB8AC3E}">
         <p14:creationId xmlns:p14="http://schemas.microsoft.com/office/powerpoint/2010/main" val="3551890752"/>
+      </p:ext>
+    </p:extLst>
+  </p:cSld>
+  <p:clrMapOvr>
+    <a:masterClrMapping/>
+  </p:clrMapOvr>
+</p:sld>
+</file>
+
+<file path=ppt/slides/slide20.xml><?xml version="1.0" encoding="utf-8"?>
+<p:sld xmlns:a="http://schemas.openxmlformats.org/drawingml/2006/main" xmlns:r="http://schemas.openxmlformats.org/officeDocument/2006/relationships" xmlns:p="http://schemas.openxmlformats.org/presentationml/2006/main">
+  <p:cSld>
+    <p:spTree>
+      <p:nvGrpSpPr>
+        <p:cNvPr id="1" name=""/>
+        <p:cNvGrpSpPr/>
+        <p:nvPr/>
+      </p:nvGrpSpPr>
+      <p:grpSpPr>
+        <a:xfrm>
+          <a:off x="0" y="0"/>
+          <a:ext cx="0" cy="0"/>
+          <a:chOff x="0" y="0"/>
+          <a:chExt cx="0" cy="0"/>
+        </a:xfrm>
+      </p:grpSpPr>
+      <p:sp>
+        <p:nvSpPr>
+          <p:cNvPr id="4" name="Title 1">
+            <a:extLst>
+              <a:ext uri="{FF2B5EF4-FFF2-40B4-BE49-F238E27FC236}">
+                <a16:creationId xmlns:a16="http://schemas.microsoft.com/office/drawing/2014/main" id="{58C679D1-14B7-223D-10A5-F77131E88DFF}"/>
+              </a:ext>
+            </a:extLst>
+          </p:cNvPr>
+          <p:cNvSpPr>
+            <a:spLocks noGrp="1"/>
+          </p:cNvSpPr>
+          <p:nvPr>
+            <p:ph type="title"/>
+          </p:nvPr>
+        </p:nvSpPr>
+        <p:spPr>
+          <a:xfrm>
+            <a:off x="838200" y="365126"/>
+            <a:ext cx="10515600" cy="474630"/>
+          </a:xfrm>
+        </p:spPr>
+        <p:txBody>
+          <a:bodyPr>
+            <a:normAutofit/>
+          </a:bodyPr>
+          <a:lstStyle/>
+          <a:p>
+            <a:r>
+              <a:rPr lang="en-GB" sz="2400" b="1" dirty="0">
+                <a:latin typeface="+mn-lt"/>
+              </a:rPr>
+              <a:t>AUC-ROC (Area Under Curve – Receiver Operating Characteristics)</a:t>
+            </a:r>
+            <a:endParaRPr lang="en-GB" sz="2000" dirty="0">
+              <a:latin typeface="+mn-lt"/>
+            </a:endParaRPr>
+          </a:p>
+        </p:txBody>
+      </p:sp>
+      <mc:AlternateContent xmlns:mc="http://schemas.openxmlformats.org/markup-compatibility/2006" xmlns:a14="http://schemas.microsoft.com/office/drawing/2010/main">
+        <mc:Choice Requires="a14">
+          <p:sp>
+            <p:nvSpPr>
+              <p:cNvPr id="2" name="TextBox 1">
+                <a:extLst>
+                  <a:ext uri="{FF2B5EF4-FFF2-40B4-BE49-F238E27FC236}">
+                    <a16:creationId xmlns:a16="http://schemas.microsoft.com/office/drawing/2014/main" id="{6C1271EB-EC09-D599-B642-4CF3002D6636}"/>
+                  </a:ext>
+                </a:extLst>
+              </p:cNvPr>
+              <p:cNvSpPr txBox="1"/>
+              <p:nvPr/>
+            </p:nvSpPr>
+            <p:spPr>
+              <a:xfrm>
+                <a:off x="9370251" y="5568534"/>
+                <a:ext cx="1669111" cy="523157"/>
+              </a:xfrm>
+              <a:prstGeom prst="rect">
+                <a:avLst/>
+              </a:prstGeom>
+              <a:noFill/>
+            </p:spPr>
+            <p:txBody>
+              <a:bodyPr wrap="none" lIns="0" tIns="0" rIns="0" bIns="0" rtlCol="0">
+                <a:spAutoFit/>
+              </a:bodyPr>
+              <a:lstStyle/>
+              <a:p>
+                <a:pPr/>
+                <a14:m>
+                  <m:oMathPara xmlns:m="http://schemas.openxmlformats.org/officeDocument/2006/math">
+                    <m:oMathParaPr>
+                      <m:jc m:val="centerGroup"/>
+                    </m:oMathParaPr>
+                    <m:oMath xmlns:m="http://schemas.openxmlformats.org/officeDocument/2006/math">
+                      <m:r>
+                        <a:rPr lang="en-GB" b="0" i="1" smtClean="0">
+                          <a:latin typeface="Cambria Math" panose="02040503050406030204" pitchFamily="18" charset="0"/>
+                        </a:rPr>
+                        <m:t>𝐹𝑃𝑅</m:t>
+                      </m:r>
+                      <m:r>
+                        <a:rPr lang="pt-BR" i="1" smtClean="0">
+                          <a:latin typeface="Cambria Math" panose="02040503050406030204" pitchFamily="18" charset="0"/>
+                        </a:rPr>
+                        <m:t>=</m:t>
+                      </m:r>
+                      <m:f>
+                        <m:fPr>
+                          <m:ctrlPr>
+                            <a:rPr lang="pt-BR" i="1" smtClean="0">
+                              <a:latin typeface="Cambria Math" panose="02040503050406030204" pitchFamily="18" charset="0"/>
+                            </a:rPr>
+                          </m:ctrlPr>
+                        </m:fPr>
+                        <m:num>
+                          <m:r>
+                            <a:rPr lang="en-GB" b="0" i="1" smtClean="0">
+                              <a:latin typeface="Cambria Math" panose="02040503050406030204" pitchFamily="18" charset="0"/>
+                            </a:rPr>
+                            <m:t>𝐹𝑃</m:t>
+                          </m:r>
+                        </m:num>
+                        <m:den>
+                          <m:r>
+                            <a:rPr lang="en-GB" b="0" i="1" smtClean="0">
+                              <a:latin typeface="Cambria Math" panose="02040503050406030204" pitchFamily="18" charset="0"/>
+                            </a:rPr>
+                            <m:t>𝐹𝑃</m:t>
+                          </m:r>
+                          <m:r>
+                            <a:rPr lang="en-GB" b="0" i="1" smtClean="0">
+                              <a:latin typeface="Cambria Math" panose="02040503050406030204" pitchFamily="18" charset="0"/>
+                            </a:rPr>
+                            <m:t>+</m:t>
+                          </m:r>
+                          <m:r>
+                            <a:rPr lang="en-GB" b="0" i="1" smtClean="0">
+                              <a:latin typeface="Cambria Math" panose="02040503050406030204" pitchFamily="18" charset="0"/>
+                            </a:rPr>
+                            <m:t>𝑇𝑁</m:t>
+                          </m:r>
+                        </m:den>
+                      </m:f>
+                    </m:oMath>
+                  </m:oMathPara>
+                </a14:m>
+                <a:endParaRPr lang="en-GB" dirty="0"/>
+              </a:p>
+            </p:txBody>
+          </p:sp>
+        </mc:Choice>
+        <mc:Fallback xmlns="">
+          <p:sp>
+            <p:nvSpPr>
+              <p:cNvPr id="2" name="TextBox 1">
+                <a:extLst>
+                  <a:ext uri="{FF2B5EF4-FFF2-40B4-BE49-F238E27FC236}">
+                    <a16:creationId xmlns:a16="http://schemas.microsoft.com/office/drawing/2014/main" id="{6C1271EB-EC09-D599-B642-4CF3002D6636}"/>
+                  </a:ext>
+                </a:extLst>
+              </p:cNvPr>
+              <p:cNvSpPr txBox="1">
+                <a:spLocks noRot="1" noChangeAspect="1" noMove="1" noResize="1" noEditPoints="1" noAdjustHandles="1" noChangeArrowheads="1" noChangeShapeType="1" noTextEdit="1"/>
+              </p:cNvSpPr>
+              <p:nvPr/>
+            </p:nvSpPr>
+            <p:spPr>
+              <a:xfrm>
+                <a:off x="9370251" y="5568534"/>
+                <a:ext cx="1669111" cy="523157"/>
+              </a:xfrm>
+              <a:prstGeom prst="rect">
+                <a:avLst/>
+              </a:prstGeom>
+              <a:blipFill>
+                <a:blip r:embed="rId2"/>
+                <a:stretch>
+                  <a:fillRect/>
+                </a:stretch>
+              </a:blipFill>
+            </p:spPr>
+            <p:txBody>
+              <a:bodyPr/>
+              <a:lstStyle/>
+              <a:p>
+                <a:r>
+                  <a:rPr lang="en-GB">
+                    <a:noFill/>
+                  </a:rPr>
+                  <a:t> </a:t>
+                </a:r>
+              </a:p>
+            </p:txBody>
+          </p:sp>
+        </mc:Fallback>
+      </mc:AlternateContent>
+      <mc:AlternateContent xmlns:mc="http://schemas.openxmlformats.org/markup-compatibility/2006" xmlns:a14="http://schemas.microsoft.com/office/drawing/2010/main">
+        <mc:Choice Requires="a14">
+          <p:sp>
+            <p:nvSpPr>
+              <p:cNvPr id="5" name="TextBox 4">
+                <a:extLst>
+                  <a:ext uri="{FF2B5EF4-FFF2-40B4-BE49-F238E27FC236}">
+                    <a16:creationId xmlns:a16="http://schemas.microsoft.com/office/drawing/2014/main" id="{01AB2D80-7629-278D-434D-142CBAC46217}"/>
+                  </a:ext>
+                </a:extLst>
+              </p:cNvPr>
+              <p:cNvSpPr txBox="1"/>
+              <p:nvPr/>
+            </p:nvSpPr>
+            <p:spPr>
+              <a:xfrm>
+                <a:off x="1024847" y="1427283"/>
+                <a:ext cx="1665905" cy="523157"/>
+              </a:xfrm>
+              <a:prstGeom prst="rect">
+                <a:avLst/>
+              </a:prstGeom>
+              <a:noFill/>
+            </p:spPr>
+            <p:txBody>
+              <a:bodyPr wrap="none" lIns="0" tIns="0" rIns="0" bIns="0" rtlCol="0">
+                <a:spAutoFit/>
+              </a:bodyPr>
+              <a:lstStyle/>
+              <a:p>
+                <a:pPr/>
+                <a14:m>
+                  <m:oMathPara xmlns:m="http://schemas.openxmlformats.org/officeDocument/2006/math">
+                    <m:oMathParaPr>
+                      <m:jc m:val="centerGroup"/>
+                    </m:oMathParaPr>
+                    <m:oMath xmlns:m="http://schemas.openxmlformats.org/officeDocument/2006/math">
+                      <m:r>
+                        <a:rPr lang="en-GB" b="0" i="1" smtClean="0">
+                          <a:latin typeface="Cambria Math" panose="02040503050406030204" pitchFamily="18" charset="0"/>
+                        </a:rPr>
+                        <m:t>𝑇𝑃𝑅</m:t>
+                      </m:r>
+                      <m:r>
+                        <a:rPr lang="pt-BR" i="1" smtClean="0">
+                          <a:latin typeface="Cambria Math" panose="02040503050406030204" pitchFamily="18" charset="0"/>
+                        </a:rPr>
+                        <m:t>=</m:t>
+                      </m:r>
+                      <m:f>
+                        <m:fPr>
+                          <m:ctrlPr>
+                            <a:rPr lang="pt-BR" i="1" smtClean="0">
+                              <a:latin typeface="Cambria Math" panose="02040503050406030204" pitchFamily="18" charset="0"/>
+                            </a:rPr>
+                          </m:ctrlPr>
+                        </m:fPr>
+                        <m:num>
+                          <m:r>
+                            <a:rPr lang="en-GB" b="0" i="1" smtClean="0">
+                              <a:latin typeface="Cambria Math" panose="02040503050406030204" pitchFamily="18" charset="0"/>
+                            </a:rPr>
+                            <m:t>𝑇𝑃</m:t>
+                          </m:r>
+                        </m:num>
+                        <m:den>
+                          <m:r>
+                            <a:rPr lang="en-GB" b="0" i="1" smtClean="0">
+                              <a:latin typeface="Cambria Math" panose="02040503050406030204" pitchFamily="18" charset="0"/>
+                            </a:rPr>
+                            <m:t>𝑇𝑃</m:t>
+                          </m:r>
+                          <m:r>
+                            <a:rPr lang="en-GB" b="0" i="1" smtClean="0">
+                              <a:latin typeface="Cambria Math" panose="02040503050406030204" pitchFamily="18" charset="0"/>
+                            </a:rPr>
+                            <m:t>+</m:t>
+                          </m:r>
+                          <m:r>
+                            <a:rPr lang="en-GB" b="0" i="1" smtClean="0">
+                              <a:latin typeface="Cambria Math" panose="02040503050406030204" pitchFamily="18" charset="0"/>
+                            </a:rPr>
+                            <m:t>𝐹𝑁</m:t>
+                          </m:r>
+                        </m:den>
+                      </m:f>
+                    </m:oMath>
+                  </m:oMathPara>
+                </a14:m>
+                <a:endParaRPr lang="en-GB" dirty="0"/>
+              </a:p>
+            </p:txBody>
+          </p:sp>
+        </mc:Choice>
+        <mc:Fallback xmlns="">
+          <p:sp>
+            <p:nvSpPr>
+              <p:cNvPr id="5" name="TextBox 4">
+                <a:extLst>
+                  <a:ext uri="{FF2B5EF4-FFF2-40B4-BE49-F238E27FC236}">
+                    <a16:creationId xmlns:a16="http://schemas.microsoft.com/office/drawing/2014/main" id="{01AB2D80-7629-278D-434D-142CBAC46217}"/>
+                  </a:ext>
+                </a:extLst>
+              </p:cNvPr>
+              <p:cNvSpPr txBox="1">
+                <a:spLocks noRot="1" noChangeAspect="1" noMove="1" noResize="1" noEditPoints="1" noAdjustHandles="1" noChangeArrowheads="1" noChangeShapeType="1" noTextEdit="1"/>
+              </p:cNvSpPr>
+              <p:nvPr/>
+            </p:nvSpPr>
+            <p:spPr>
+              <a:xfrm>
+                <a:off x="1024847" y="1427283"/>
+                <a:ext cx="1665905" cy="523157"/>
+              </a:xfrm>
+              <a:prstGeom prst="rect">
+                <a:avLst/>
+              </a:prstGeom>
+              <a:blipFill>
+                <a:blip r:embed="rId3"/>
+                <a:stretch>
+                  <a:fillRect/>
+                </a:stretch>
+              </a:blipFill>
+            </p:spPr>
+            <p:txBody>
+              <a:bodyPr/>
+              <a:lstStyle/>
+              <a:p>
+                <a:r>
+                  <a:rPr lang="en-GB">
+                    <a:noFill/>
+                  </a:rPr>
+                  <a:t> </a:t>
+                </a:r>
+              </a:p>
+            </p:txBody>
+          </p:sp>
+        </mc:Fallback>
+      </mc:AlternateContent>
+      <p:pic>
+        <p:nvPicPr>
+          <p:cNvPr id="6" name="Picture 5">
+            <a:extLst>
+              <a:ext uri="{FF2B5EF4-FFF2-40B4-BE49-F238E27FC236}">
+                <a16:creationId xmlns:a16="http://schemas.microsoft.com/office/drawing/2014/main" id="{4A355A50-8724-8F6F-E4B3-F09B0BF03989}"/>
+              </a:ext>
+            </a:extLst>
+          </p:cNvPr>
+          <p:cNvPicPr>
+            <a:picLocks noChangeAspect="1"/>
+          </p:cNvPicPr>
+          <p:nvPr/>
+        </p:nvPicPr>
+        <p:blipFill>
+          <a:blip r:embed="rId4"/>
+          <a:stretch>
+            <a:fillRect/>
+          </a:stretch>
+        </p:blipFill>
+        <p:spPr>
+          <a:xfrm>
+            <a:off x="2690752" y="1250002"/>
+            <a:ext cx="6579637" cy="5016159"/>
+          </a:xfrm>
+          <a:prstGeom prst="rect">
+            <a:avLst/>
+          </a:prstGeom>
+        </p:spPr>
+      </p:pic>
+    </p:spTree>
+    <p:extLst>
+      <p:ext uri="{BB962C8B-B14F-4D97-AF65-F5344CB8AC3E}">
+        <p14:creationId xmlns:p14="http://schemas.microsoft.com/office/powerpoint/2010/main" val="3609853914"/>
+      </p:ext>
+    </p:extLst>
+  </p:cSld>
+  <p:clrMapOvr>
+    <a:masterClrMapping/>
+  </p:clrMapOvr>
+</p:sld>
+</file>
+
+<file path=ppt/slides/slide21.xml><?xml version="1.0" encoding="utf-8"?>
+<p:sld xmlns:a="http://schemas.openxmlformats.org/drawingml/2006/main" xmlns:r="http://schemas.openxmlformats.org/officeDocument/2006/relationships" xmlns:p="http://schemas.openxmlformats.org/presentationml/2006/main">
+  <p:cSld>
+    <p:spTree>
+      <p:nvGrpSpPr>
+        <p:cNvPr id="1" name=""/>
+        <p:cNvGrpSpPr/>
+        <p:nvPr/>
+      </p:nvGrpSpPr>
+      <p:grpSpPr>
+        <a:xfrm>
+          <a:off x="0" y="0"/>
+          <a:ext cx="0" cy="0"/>
+          <a:chOff x="0" y="0"/>
+          <a:chExt cx="0" cy="0"/>
+        </a:xfrm>
+      </p:grpSpPr>
+      <p:sp>
+        <p:nvSpPr>
+          <p:cNvPr id="4" name="Title 1">
+            <a:extLst>
+              <a:ext uri="{FF2B5EF4-FFF2-40B4-BE49-F238E27FC236}">
+                <a16:creationId xmlns:a16="http://schemas.microsoft.com/office/drawing/2014/main" id="{58C679D1-14B7-223D-10A5-F77131E88DFF}"/>
+              </a:ext>
+            </a:extLst>
+          </p:cNvPr>
+          <p:cNvSpPr>
+            <a:spLocks noGrp="1"/>
+          </p:cNvSpPr>
+          <p:nvPr>
+            <p:ph type="title"/>
+          </p:nvPr>
+        </p:nvSpPr>
+        <p:spPr>
+          <a:xfrm>
+            <a:off x="838200" y="365126"/>
+            <a:ext cx="10515600" cy="474630"/>
+          </a:xfrm>
+        </p:spPr>
+        <p:txBody>
+          <a:bodyPr>
+            <a:normAutofit/>
+          </a:bodyPr>
+          <a:lstStyle/>
+          <a:p>
+            <a:r>
+              <a:rPr lang="en-GB" sz="2400" b="1" dirty="0">
+                <a:latin typeface="+mn-lt"/>
+              </a:rPr>
+              <a:t>AUC-ROC (Area Under Curve – Receiver Operating Characteristics)</a:t>
+            </a:r>
+            <a:endParaRPr lang="en-GB" sz="2000" dirty="0">
+              <a:latin typeface="+mn-lt"/>
+            </a:endParaRPr>
+          </a:p>
+        </p:txBody>
+      </p:sp>
+      <p:sp>
+        <p:nvSpPr>
+          <p:cNvPr id="9" name="TextBox 8">
+            <a:extLst>
+              <a:ext uri="{FF2B5EF4-FFF2-40B4-BE49-F238E27FC236}">
+                <a16:creationId xmlns:a16="http://schemas.microsoft.com/office/drawing/2014/main" id="{5506391F-CA85-CE27-6780-414F614B667C}"/>
+              </a:ext>
+            </a:extLst>
+          </p:cNvPr>
+          <p:cNvSpPr txBox="1"/>
+          <p:nvPr/>
+        </p:nvSpPr>
+        <p:spPr>
+          <a:xfrm>
+            <a:off x="838199" y="1054560"/>
+            <a:ext cx="9668069" cy="646331"/>
+          </a:xfrm>
+          <a:prstGeom prst="rect">
+            <a:avLst/>
+          </a:prstGeom>
+          <a:noFill/>
+        </p:spPr>
+        <p:txBody>
+          <a:bodyPr wrap="square">
+            <a:spAutoFit/>
+          </a:bodyPr>
+          <a:lstStyle/>
+          <a:p>
+            <a:r>
+              <a:rPr lang="en-GB" dirty="0"/>
+              <a:t>ROC curve can be used to select a threshold for a classifier that maximizes the true positives while minimizing the false positives.</a:t>
+            </a:r>
+          </a:p>
+        </p:txBody>
+      </p:sp>
+      <p:pic>
+        <p:nvPicPr>
+          <p:cNvPr id="11" name="Picture 10">
+            <a:extLst>
+              <a:ext uri="{FF2B5EF4-FFF2-40B4-BE49-F238E27FC236}">
+                <a16:creationId xmlns:a16="http://schemas.microsoft.com/office/drawing/2014/main" id="{2F157A53-1D50-02E5-989E-E3A1F8EE5707}"/>
+              </a:ext>
+            </a:extLst>
+          </p:cNvPr>
+          <p:cNvPicPr>
+            <a:picLocks noChangeAspect="1"/>
+          </p:cNvPicPr>
+          <p:nvPr/>
+        </p:nvPicPr>
+        <p:blipFill>
+          <a:blip r:embed="rId2"/>
+          <a:stretch>
+            <a:fillRect/>
+          </a:stretch>
+        </p:blipFill>
+        <p:spPr>
+          <a:xfrm>
+            <a:off x="3032448" y="1973058"/>
+            <a:ext cx="5460593" cy="4519816"/>
+          </a:xfrm>
+          <a:prstGeom prst="rect">
+            <a:avLst/>
+          </a:prstGeom>
+        </p:spPr>
+      </p:pic>
+    </p:spTree>
+    <p:extLst>
+      <p:ext uri="{BB962C8B-B14F-4D97-AF65-F5344CB8AC3E}">
+        <p14:creationId xmlns:p14="http://schemas.microsoft.com/office/powerpoint/2010/main" val="2315808711"/>
       </p:ext>
     </p:extLst>
   </p:cSld>
@@ -7717,6 +8872,2964 @@
           </a:p>
         </p:txBody>
       </p:sp>
+      <p:pic>
+        <p:nvPicPr>
+          <p:cNvPr id="3" name="Picture 2">
+            <a:extLst>
+              <a:ext uri="{FF2B5EF4-FFF2-40B4-BE49-F238E27FC236}">
+                <a16:creationId xmlns:a16="http://schemas.microsoft.com/office/drawing/2014/main" id="{77EA222D-D10D-355D-88EB-95CF32420B8A}"/>
+              </a:ext>
+            </a:extLst>
+          </p:cNvPr>
+          <p:cNvPicPr>
+            <a:picLocks noChangeAspect="1"/>
+          </p:cNvPicPr>
+          <p:nvPr/>
+        </p:nvPicPr>
+        <p:blipFill>
+          <a:blip r:embed="rId2"/>
+          <a:stretch>
+            <a:fillRect/>
+          </a:stretch>
+        </p:blipFill>
+        <p:spPr>
+          <a:xfrm>
+            <a:off x="1310796" y="2039321"/>
+            <a:ext cx="4306232" cy="1063360"/>
+          </a:xfrm>
+          <a:prstGeom prst="rect">
+            <a:avLst/>
+          </a:prstGeom>
+        </p:spPr>
+      </p:pic>
+      <p:graphicFrame>
+        <p:nvGraphicFramePr>
+          <p:cNvPr id="5" name="Table 4">
+            <a:extLst>
+              <a:ext uri="{FF2B5EF4-FFF2-40B4-BE49-F238E27FC236}">
+                <a16:creationId xmlns:a16="http://schemas.microsoft.com/office/drawing/2014/main" id="{10536330-08D1-91C0-B460-F10BED2FD09F}"/>
+              </a:ext>
+            </a:extLst>
+          </p:cNvPr>
+          <p:cNvGraphicFramePr>
+            <a:graphicFrameLocks noGrp="1"/>
+          </p:cNvGraphicFramePr>
+          <p:nvPr>
+            <p:extLst>
+              <p:ext uri="{D42A27DB-BD31-4B8C-83A1-F6EECF244321}">
+                <p14:modId xmlns:p14="http://schemas.microsoft.com/office/powerpoint/2010/main" val="1492750523"/>
+              </p:ext>
+            </p:extLst>
+          </p:nvPr>
+        </p:nvGraphicFramePr>
+        <p:xfrm>
+          <a:off x="994961" y="3557453"/>
+          <a:ext cx="5347800" cy="2551627"/>
+        </p:xfrm>
+        <a:graphic>
+          <a:graphicData uri="http://schemas.openxmlformats.org/drawingml/2006/table">
+            <a:tbl>
+              <a:tblPr/>
+              <a:tblGrid>
+                <a:gridCol w="1419109">
+                  <a:extLst>
+                    <a:ext uri="{9D8B030D-6E8A-4147-A177-3AD203B41FA5}">
+                      <a16:colId xmlns:a16="http://schemas.microsoft.com/office/drawing/2014/main" val="2953201918"/>
+                    </a:ext>
+                  </a:extLst>
+                </a:gridCol>
+                <a:gridCol w="1419109">
+                  <a:extLst>
+                    <a:ext uri="{9D8B030D-6E8A-4147-A177-3AD203B41FA5}">
+                      <a16:colId xmlns:a16="http://schemas.microsoft.com/office/drawing/2014/main" val="2110217465"/>
+                    </a:ext>
+                  </a:extLst>
+                </a:gridCol>
+                <a:gridCol w="1334460">
+                  <a:extLst>
+                    <a:ext uri="{9D8B030D-6E8A-4147-A177-3AD203B41FA5}">
+                      <a16:colId xmlns:a16="http://schemas.microsoft.com/office/drawing/2014/main" val="4230227374"/>
+                    </a:ext>
+                  </a:extLst>
+                </a:gridCol>
+                <a:gridCol w="1175122">
+                  <a:extLst>
+                    <a:ext uri="{9D8B030D-6E8A-4147-A177-3AD203B41FA5}">
+                      <a16:colId xmlns:a16="http://schemas.microsoft.com/office/drawing/2014/main" val="2053625906"/>
+                    </a:ext>
+                  </a:extLst>
+                </a:gridCol>
+              </a:tblGrid>
+              <a:tr h="196279">
+                <a:tc>
+                  <a:txBody>
+                    <a:bodyPr/>
+                    <a:lstStyle/>
+                    <a:p>
+                      <a:pPr algn="l" fontAlgn="b"/>
+                      <a:r>
+                        <a:rPr lang="en-GB" sz="1100" b="1" i="0" u="none" strike="noStrike" dirty="0">
+                          <a:solidFill>
+                            <a:srgbClr val="FFFFFF"/>
+                          </a:solidFill>
+                          <a:effectLst/>
+                          <a:latin typeface="Calibri" panose="020F0502020204030204" pitchFamily="34" charset="0"/>
+                        </a:rPr>
+                        <a:t>head-shape</a:t>
+                      </a:r>
+                    </a:p>
+                  </a:txBody>
+                  <a:tcPr marL="9525" marR="9525" marT="9525" marB="0" anchor="b">
+                    <a:lnL w="6350" cap="flat" cmpd="sng" algn="ctr">
+                      <a:solidFill>
+                        <a:srgbClr val="8EA9DB"/>
+                      </a:solidFill>
+                      <a:prstDash val="solid"/>
+                      <a:round/>
+                      <a:headEnd type="none" w="med" len="med"/>
+                      <a:tailEnd type="none" w="med" len="med"/>
+                    </a:lnL>
+                    <a:lnR>
+                      <a:noFill/>
+                    </a:lnR>
+                    <a:lnT w="6350" cap="flat" cmpd="sng" algn="ctr">
+                      <a:solidFill>
+                        <a:srgbClr val="8EA9DB"/>
+                      </a:solidFill>
+                      <a:prstDash val="solid"/>
+                      <a:round/>
+                      <a:headEnd type="none" w="med" len="med"/>
+                      <a:tailEnd type="none" w="med" len="med"/>
+                    </a:lnT>
+                    <a:lnB w="6350" cap="flat" cmpd="sng" algn="ctr">
+                      <a:solidFill>
+                        <a:srgbClr val="8EA9DB"/>
+                      </a:solidFill>
+                      <a:prstDash val="solid"/>
+                      <a:round/>
+                      <a:headEnd type="none" w="med" len="med"/>
+                      <a:tailEnd type="none" w="med" len="med"/>
+                    </a:lnB>
+                    <a:solidFill>
+                      <a:srgbClr val="4472C4"/>
+                    </a:solidFill>
+                  </a:tcPr>
+                </a:tc>
+                <a:tc>
+                  <a:txBody>
+                    <a:bodyPr/>
+                    <a:lstStyle/>
+                    <a:p>
+                      <a:pPr algn="l" fontAlgn="b"/>
+                      <a:r>
+                        <a:rPr lang="en-GB" sz="1100" b="1" i="0" u="none" strike="noStrike">
+                          <a:solidFill>
+                            <a:srgbClr val="FFFFFF"/>
+                          </a:solidFill>
+                          <a:effectLst/>
+                          <a:latin typeface="Calibri" panose="020F0502020204030204" pitchFamily="34" charset="0"/>
+                        </a:rPr>
+                        <a:t>body-shape</a:t>
+                      </a:r>
+                    </a:p>
+                  </a:txBody>
+                  <a:tcPr marL="9525" marR="9525" marT="9525" marB="0" anchor="b">
+                    <a:lnL>
+                      <a:noFill/>
+                    </a:lnL>
+                    <a:lnR>
+                      <a:noFill/>
+                    </a:lnR>
+                    <a:lnT w="6350" cap="flat" cmpd="sng" algn="ctr">
+                      <a:solidFill>
+                        <a:srgbClr val="8EA9DB"/>
+                      </a:solidFill>
+                      <a:prstDash val="solid"/>
+                      <a:round/>
+                      <a:headEnd type="none" w="med" len="med"/>
+                      <a:tailEnd type="none" w="med" len="med"/>
+                    </a:lnT>
+                    <a:lnB w="6350" cap="flat" cmpd="sng" algn="ctr">
+                      <a:solidFill>
+                        <a:srgbClr val="8EA9DB"/>
+                      </a:solidFill>
+                      <a:prstDash val="solid"/>
+                      <a:round/>
+                      <a:headEnd type="none" w="med" len="med"/>
+                      <a:tailEnd type="none" w="med" len="med"/>
+                    </a:lnB>
+                    <a:solidFill>
+                      <a:srgbClr val="4472C4"/>
+                    </a:solidFill>
+                  </a:tcPr>
+                </a:tc>
+                <a:tc>
+                  <a:txBody>
+                    <a:bodyPr/>
+                    <a:lstStyle/>
+                    <a:p>
+                      <a:pPr algn="l" fontAlgn="b"/>
+                      <a:r>
+                        <a:rPr lang="en-GB" sz="1100" b="1" i="0" u="none" strike="noStrike">
+                          <a:solidFill>
+                            <a:srgbClr val="FFFFFF"/>
+                          </a:solidFill>
+                          <a:effectLst/>
+                          <a:latin typeface="Calibri" panose="020F0502020204030204" pitchFamily="34" charset="0"/>
+                        </a:rPr>
+                        <a:t>body-color</a:t>
+                      </a:r>
+                    </a:p>
+                  </a:txBody>
+                  <a:tcPr marL="9525" marR="9525" marT="9525" marB="0" anchor="b">
+                    <a:lnL>
+                      <a:noFill/>
+                    </a:lnL>
+                    <a:lnR>
+                      <a:noFill/>
+                    </a:lnR>
+                    <a:lnT w="6350" cap="flat" cmpd="sng" algn="ctr">
+                      <a:solidFill>
+                        <a:srgbClr val="8EA9DB"/>
+                      </a:solidFill>
+                      <a:prstDash val="solid"/>
+                      <a:round/>
+                      <a:headEnd type="none" w="med" len="med"/>
+                      <a:tailEnd type="none" w="med" len="med"/>
+                    </a:lnT>
+                    <a:lnB w="6350" cap="flat" cmpd="sng" algn="ctr">
+                      <a:solidFill>
+                        <a:srgbClr val="8EA9DB"/>
+                      </a:solidFill>
+                      <a:prstDash val="solid"/>
+                      <a:round/>
+                      <a:headEnd type="none" w="med" len="med"/>
+                      <a:tailEnd type="none" w="med" len="med"/>
+                    </a:lnB>
+                    <a:solidFill>
+                      <a:srgbClr val="4472C4"/>
+                    </a:solidFill>
+                  </a:tcPr>
+                </a:tc>
+                <a:tc>
+                  <a:txBody>
+                    <a:bodyPr/>
+                    <a:lstStyle/>
+                    <a:p>
+                      <a:pPr algn="l" fontAlgn="b"/>
+                      <a:r>
+                        <a:rPr lang="en-GB" sz="1100" b="1" i="0" u="none" strike="noStrike" dirty="0">
+                          <a:solidFill>
+                            <a:srgbClr val="FFFFFF"/>
+                          </a:solidFill>
+                          <a:effectLst/>
+                          <a:latin typeface="Calibri" panose="020F0502020204030204" pitchFamily="34" charset="0"/>
+                        </a:rPr>
+                        <a:t>Write-off</a:t>
+                      </a:r>
+                    </a:p>
+                  </a:txBody>
+                  <a:tcPr marL="9525" marR="9525" marT="9525" marB="0" anchor="b">
+                    <a:lnL>
+                      <a:noFill/>
+                    </a:lnL>
+                    <a:lnR w="6350" cap="flat" cmpd="sng" algn="ctr">
+                      <a:solidFill>
+                        <a:srgbClr val="8EA9DB"/>
+                      </a:solidFill>
+                      <a:prstDash val="solid"/>
+                      <a:round/>
+                      <a:headEnd type="none" w="med" len="med"/>
+                      <a:tailEnd type="none" w="med" len="med"/>
+                    </a:lnR>
+                    <a:lnT w="6350" cap="flat" cmpd="sng" algn="ctr">
+                      <a:solidFill>
+                        <a:srgbClr val="8EA9DB"/>
+                      </a:solidFill>
+                      <a:prstDash val="solid"/>
+                      <a:round/>
+                      <a:headEnd type="none" w="med" len="med"/>
+                      <a:tailEnd type="none" w="med" len="med"/>
+                    </a:lnT>
+                    <a:lnB w="6350" cap="flat" cmpd="sng" algn="ctr">
+                      <a:solidFill>
+                        <a:srgbClr val="8EA9DB"/>
+                      </a:solidFill>
+                      <a:prstDash val="solid"/>
+                      <a:round/>
+                      <a:headEnd type="none" w="med" len="med"/>
+                      <a:tailEnd type="none" w="med" len="med"/>
+                    </a:lnB>
+                    <a:solidFill>
+                      <a:srgbClr val="4472C4"/>
+                    </a:solidFill>
+                  </a:tcPr>
+                </a:tc>
+                <a:extLst>
+                  <a:ext uri="{0D108BD9-81ED-4DB2-BD59-A6C34878D82A}">
+                    <a16:rowId xmlns:a16="http://schemas.microsoft.com/office/drawing/2014/main" val="989003075"/>
+                  </a:ext>
+                </a:extLst>
+              </a:tr>
+              <a:tr h="196279">
+                <a:tc>
+                  <a:txBody>
+                    <a:bodyPr/>
+                    <a:lstStyle/>
+                    <a:p>
+                      <a:pPr algn="l" fontAlgn="b"/>
+                      <a:r>
+                        <a:rPr lang="en-GB" sz="1100" b="0" i="0" u="none" strike="noStrike">
+                          <a:solidFill>
+                            <a:srgbClr val="000000"/>
+                          </a:solidFill>
+                          <a:effectLst/>
+                          <a:latin typeface="Calibri" panose="020F0502020204030204" pitchFamily="34" charset="0"/>
+                        </a:rPr>
+                        <a:t>square</a:t>
+                      </a:r>
+                    </a:p>
+                  </a:txBody>
+                  <a:tcPr marL="9525" marR="9525" marT="9525" marB="0" anchor="b">
+                    <a:lnL w="6350" cap="flat" cmpd="sng" algn="ctr">
+                      <a:solidFill>
+                        <a:srgbClr val="8EA9DB"/>
+                      </a:solidFill>
+                      <a:prstDash val="solid"/>
+                      <a:round/>
+                      <a:headEnd type="none" w="med" len="med"/>
+                      <a:tailEnd type="none" w="med" len="med"/>
+                    </a:lnL>
+                    <a:lnR>
+                      <a:noFill/>
+                    </a:lnR>
+                    <a:lnT w="6350" cap="flat" cmpd="sng" algn="ctr">
+                      <a:solidFill>
+                        <a:srgbClr val="8EA9DB"/>
+                      </a:solidFill>
+                      <a:prstDash val="solid"/>
+                      <a:round/>
+                      <a:headEnd type="none" w="med" len="med"/>
+                      <a:tailEnd type="none" w="med" len="med"/>
+                    </a:lnT>
+                    <a:lnB w="6350" cap="flat" cmpd="sng" algn="ctr">
+                      <a:solidFill>
+                        <a:srgbClr val="8EA9DB"/>
+                      </a:solidFill>
+                      <a:prstDash val="solid"/>
+                      <a:round/>
+                      <a:headEnd type="none" w="med" len="med"/>
+                      <a:tailEnd type="none" w="med" len="med"/>
+                    </a:lnB>
+                    <a:solidFill>
+                      <a:srgbClr val="D9E1F2"/>
+                    </a:solidFill>
+                  </a:tcPr>
+                </a:tc>
+                <a:tc>
+                  <a:txBody>
+                    <a:bodyPr/>
+                    <a:lstStyle/>
+                    <a:p>
+                      <a:pPr algn="l" fontAlgn="b"/>
+                      <a:r>
+                        <a:rPr lang="en-GB" sz="1100" b="0" i="0" u="none" strike="noStrike">
+                          <a:solidFill>
+                            <a:srgbClr val="000000"/>
+                          </a:solidFill>
+                          <a:effectLst/>
+                          <a:latin typeface="Calibri" panose="020F0502020204030204" pitchFamily="34" charset="0"/>
+                        </a:rPr>
+                        <a:t>oval</a:t>
+                      </a:r>
+                    </a:p>
+                  </a:txBody>
+                  <a:tcPr marL="9525" marR="9525" marT="9525" marB="0" anchor="b">
+                    <a:lnL>
+                      <a:noFill/>
+                    </a:lnL>
+                    <a:lnR>
+                      <a:noFill/>
+                    </a:lnR>
+                    <a:lnT w="6350" cap="flat" cmpd="sng" algn="ctr">
+                      <a:solidFill>
+                        <a:srgbClr val="8EA9DB"/>
+                      </a:solidFill>
+                      <a:prstDash val="solid"/>
+                      <a:round/>
+                      <a:headEnd type="none" w="med" len="med"/>
+                      <a:tailEnd type="none" w="med" len="med"/>
+                    </a:lnT>
+                    <a:lnB w="6350" cap="flat" cmpd="sng" algn="ctr">
+                      <a:solidFill>
+                        <a:srgbClr val="8EA9DB"/>
+                      </a:solidFill>
+                      <a:prstDash val="solid"/>
+                      <a:round/>
+                      <a:headEnd type="none" w="med" len="med"/>
+                      <a:tailEnd type="none" w="med" len="med"/>
+                    </a:lnB>
+                    <a:solidFill>
+                      <a:srgbClr val="D9E1F2"/>
+                    </a:solidFill>
+                  </a:tcPr>
+                </a:tc>
+                <a:tc>
+                  <a:txBody>
+                    <a:bodyPr/>
+                    <a:lstStyle/>
+                    <a:p>
+                      <a:pPr algn="l" fontAlgn="b"/>
+                      <a:r>
+                        <a:rPr lang="en-GB" sz="1100" b="0" i="0" u="none" strike="noStrike" dirty="0">
+                          <a:solidFill>
+                            <a:srgbClr val="000000"/>
+                          </a:solidFill>
+                          <a:effectLst/>
+                          <a:latin typeface="Calibri" panose="020F0502020204030204" pitchFamily="34" charset="0"/>
+                        </a:rPr>
+                        <a:t>white</a:t>
+                      </a:r>
+                    </a:p>
+                  </a:txBody>
+                  <a:tcPr marL="9525" marR="9525" marT="9525" marB="0" anchor="b">
+                    <a:lnL>
+                      <a:noFill/>
+                    </a:lnL>
+                    <a:lnR>
+                      <a:noFill/>
+                    </a:lnR>
+                    <a:lnT w="6350" cap="flat" cmpd="sng" algn="ctr">
+                      <a:solidFill>
+                        <a:srgbClr val="8EA9DB"/>
+                      </a:solidFill>
+                      <a:prstDash val="solid"/>
+                      <a:round/>
+                      <a:headEnd type="none" w="med" len="med"/>
+                      <a:tailEnd type="none" w="med" len="med"/>
+                    </a:lnT>
+                    <a:lnB w="6350" cap="flat" cmpd="sng" algn="ctr">
+                      <a:solidFill>
+                        <a:srgbClr val="8EA9DB"/>
+                      </a:solidFill>
+                      <a:prstDash val="solid"/>
+                      <a:round/>
+                      <a:headEnd type="none" w="med" len="med"/>
+                      <a:tailEnd type="none" w="med" len="med"/>
+                    </a:lnB>
+                    <a:solidFill>
+                      <a:srgbClr val="D9E1F2"/>
+                    </a:solidFill>
+                  </a:tcPr>
+                </a:tc>
+                <a:tc>
+                  <a:txBody>
+                    <a:bodyPr/>
+                    <a:lstStyle/>
+                    <a:p>
+                      <a:pPr algn="l" fontAlgn="b"/>
+                      <a:r>
+                        <a:rPr lang="en-GB" sz="1100" b="0" i="0" u="none" strike="noStrike" dirty="0">
+                          <a:solidFill>
+                            <a:srgbClr val="000000"/>
+                          </a:solidFill>
+                          <a:effectLst/>
+                          <a:latin typeface="Calibri" panose="020F0502020204030204" pitchFamily="34" charset="0"/>
+                        </a:rPr>
+                        <a:t>No</a:t>
+                      </a:r>
+                    </a:p>
+                  </a:txBody>
+                  <a:tcPr marL="9525" marR="9525" marT="9525" marB="0" anchor="b">
+                    <a:lnL>
+                      <a:noFill/>
+                    </a:lnL>
+                    <a:lnR w="6350" cap="flat" cmpd="sng" algn="ctr">
+                      <a:solidFill>
+                        <a:srgbClr val="8EA9DB"/>
+                      </a:solidFill>
+                      <a:prstDash val="solid"/>
+                      <a:round/>
+                      <a:headEnd type="none" w="med" len="med"/>
+                      <a:tailEnd type="none" w="med" len="med"/>
+                    </a:lnR>
+                    <a:lnT w="6350" cap="flat" cmpd="sng" algn="ctr">
+                      <a:solidFill>
+                        <a:srgbClr val="8EA9DB"/>
+                      </a:solidFill>
+                      <a:prstDash val="solid"/>
+                      <a:round/>
+                      <a:headEnd type="none" w="med" len="med"/>
+                      <a:tailEnd type="none" w="med" len="med"/>
+                    </a:lnT>
+                    <a:lnB w="6350" cap="flat" cmpd="sng" algn="ctr">
+                      <a:solidFill>
+                        <a:srgbClr val="8EA9DB"/>
+                      </a:solidFill>
+                      <a:prstDash val="solid"/>
+                      <a:round/>
+                      <a:headEnd type="none" w="med" len="med"/>
+                      <a:tailEnd type="none" w="med" len="med"/>
+                    </a:lnB>
+                    <a:solidFill>
+                      <a:srgbClr val="D9E1F2"/>
+                    </a:solidFill>
+                  </a:tcPr>
+                </a:tc>
+                <a:extLst>
+                  <a:ext uri="{0D108BD9-81ED-4DB2-BD59-A6C34878D82A}">
+                    <a16:rowId xmlns:a16="http://schemas.microsoft.com/office/drawing/2014/main" val="3964378933"/>
+                  </a:ext>
+                </a:extLst>
+              </a:tr>
+              <a:tr h="196279">
+                <a:tc>
+                  <a:txBody>
+                    <a:bodyPr/>
+                    <a:lstStyle/>
+                    <a:p>
+                      <a:pPr algn="l" fontAlgn="b"/>
+                      <a:r>
+                        <a:rPr lang="en-GB" sz="1100" b="0" i="0" u="none" strike="noStrike">
+                          <a:solidFill>
+                            <a:srgbClr val="000000"/>
+                          </a:solidFill>
+                          <a:effectLst/>
+                          <a:latin typeface="Calibri" panose="020F0502020204030204" pitchFamily="34" charset="0"/>
+                        </a:rPr>
+                        <a:t>circular</a:t>
+                      </a:r>
+                    </a:p>
+                  </a:txBody>
+                  <a:tcPr marL="9525" marR="9525" marT="9525" marB="0" anchor="b">
+                    <a:lnL w="6350" cap="flat" cmpd="sng" algn="ctr">
+                      <a:solidFill>
+                        <a:srgbClr val="8EA9DB"/>
+                      </a:solidFill>
+                      <a:prstDash val="solid"/>
+                      <a:round/>
+                      <a:headEnd type="none" w="med" len="med"/>
+                      <a:tailEnd type="none" w="med" len="med"/>
+                    </a:lnL>
+                    <a:lnR>
+                      <a:noFill/>
+                    </a:lnR>
+                    <a:lnT w="6350" cap="flat" cmpd="sng" algn="ctr">
+                      <a:solidFill>
+                        <a:srgbClr val="8EA9DB"/>
+                      </a:solidFill>
+                      <a:prstDash val="solid"/>
+                      <a:round/>
+                      <a:headEnd type="none" w="med" len="med"/>
+                      <a:tailEnd type="none" w="med" len="med"/>
+                    </a:lnT>
+                    <a:lnB w="6350" cap="flat" cmpd="sng" algn="ctr">
+                      <a:solidFill>
+                        <a:srgbClr val="8EA9DB"/>
+                      </a:solidFill>
+                      <a:prstDash val="solid"/>
+                      <a:round/>
+                      <a:headEnd type="none" w="med" len="med"/>
+                      <a:tailEnd type="none" w="med" len="med"/>
+                    </a:lnB>
+                  </a:tcPr>
+                </a:tc>
+                <a:tc>
+                  <a:txBody>
+                    <a:bodyPr/>
+                    <a:lstStyle/>
+                    <a:p>
+                      <a:pPr algn="l" fontAlgn="b"/>
+                      <a:r>
+                        <a:rPr lang="en-GB" sz="1100" b="0" i="0" u="none" strike="noStrike">
+                          <a:solidFill>
+                            <a:srgbClr val="000000"/>
+                          </a:solidFill>
+                          <a:effectLst/>
+                          <a:latin typeface="Calibri" panose="020F0502020204030204" pitchFamily="34" charset="0"/>
+                        </a:rPr>
+                        <a:t>oval</a:t>
+                      </a:r>
+                    </a:p>
+                  </a:txBody>
+                  <a:tcPr marL="9525" marR="9525" marT="9525" marB="0" anchor="b">
+                    <a:lnL>
+                      <a:noFill/>
+                    </a:lnL>
+                    <a:lnR>
+                      <a:noFill/>
+                    </a:lnR>
+                    <a:lnT w="6350" cap="flat" cmpd="sng" algn="ctr">
+                      <a:solidFill>
+                        <a:srgbClr val="8EA9DB"/>
+                      </a:solidFill>
+                      <a:prstDash val="solid"/>
+                      <a:round/>
+                      <a:headEnd type="none" w="med" len="med"/>
+                      <a:tailEnd type="none" w="med" len="med"/>
+                    </a:lnT>
+                    <a:lnB w="6350" cap="flat" cmpd="sng" algn="ctr">
+                      <a:solidFill>
+                        <a:srgbClr val="8EA9DB"/>
+                      </a:solidFill>
+                      <a:prstDash val="solid"/>
+                      <a:round/>
+                      <a:headEnd type="none" w="med" len="med"/>
+                      <a:tailEnd type="none" w="med" len="med"/>
+                    </a:lnB>
+                  </a:tcPr>
+                </a:tc>
+                <a:tc>
+                  <a:txBody>
+                    <a:bodyPr/>
+                    <a:lstStyle/>
+                    <a:p>
+                      <a:pPr algn="l" fontAlgn="b"/>
+                      <a:r>
+                        <a:rPr lang="en-GB" sz="1100" b="0" i="0" u="none" strike="noStrike">
+                          <a:solidFill>
+                            <a:srgbClr val="000000"/>
+                          </a:solidFill>
+                          <a:effectLst/>
+                          <a:latin typeface="Calibri" panose="020F0502020204030204" pitchFamily="34" charset="0"/>
+                        </a:rPr>
+                        <a:t>gray</a:t>
+                      </a:r>
+                    </a:p>
+                  </a:txBody>
+                  <a:tcPr marL="9525" marR="9525" marT="9525" marB="0" anchor="b">
+                    <a:lnL>
+                      <a:noFill/>
+                    </a:lnL>
+                    <a:lnR>
+                      <a:noFill/>
+                    </a:lnR>
+                    <a:lnT w="6350" cap="flat" cmpd="sng" algn="ctr">
+                      <a:solidFill>
+                        <a:srgbClr val="8EA9DB"/>
+                      </a:solidFill>
+                      <a:prstDash val="solid"/>
+                      <a:round/>
+                      <a:headEnd type="none" w="med" len="med"/>
+                      <a:tailEnd type="none" w="med" len="med"/>
+                    </a:lnT>
+                    <a:lnB w="6350" cap="flat" cmpd="sng" algn="ctr">
+                      <a:solidFill>
+                        <a:srgbClr val="8EA9DB"/>
+                      </a:solidFill>
+                      <a:prstDash val="solid"/>
+                      <a:round/>
+                      <a:headEnd type="none" w="med" len="med"/>
+                      <a:tailEnd type="none" w="med" len="med"/>
+                    </a:lnB>
+                  </a:tcPr>
+                </a:tc>
+                <a:tc>
+                  <a:txBody>
+                    <a:bodyPr/>
+                    <a:lstStyle/>
+                    <a:p>
+                      <a:pPr algn="l" fontAlgn="b"/>
+                      <a:r>
+                        <a:rPr lang="en-GB" sz="1100" b="0" i="0" u="none" strike="noStrike" dirty="0">
+                          <a:solidFill>
+                            <a:srgbClr val="000000"/>
+                          </a:solidFill>
+                          <a:effectLst/>
+                          <a:latin typeface="Calibri" panose="020F0502020204030204" pitchFamily="34" charset="0"/>
+                        </a:rPr>
+                        <a:t>Yes</a:t>
+                      </a:r>
+                    </a:p>
+                  </a:txBody>
+                  <a:tcPr marL="9525" marR="9525" marT="9525" marB="0" anchor="b">
+                    <a:lnL>
+                      <a:noFill/>
+                    </a:lnL>
+                    <a:lnR w="6350" cap="flat" cmpd="sng" algn="ctr">
+                      <a:solidFill>
+                        <a:srgbClr val="8EA9DB"/>
+                      </a:solidFill>
+                      <a:prstDash val="solid"/>
+                      <a:round/>
+                      <a:headEnd type="none" w="med" len="med"/>
+                      <a:tailEnd type="none" w="med" len="med"/>
+                    </a:lnR>
+                    <a:lnT w="6350" cap="flat" cmpd="sng" algn="ctr">
+                      <a:solidFill>
+                        <a:srgbClr val="8EA9DB"/>
+                      </a:solidFill>
+                      <a:prstDash val="solid"/>
+                      <a:round/>
+                      <a:headEnd type="none" w="med" len="med"/>
+                      <a:tailEnd type="none" w="med" len="med"/>
+                    </a:lnT>
+                    <a:lnB w="6350" cap="flat" cmpd="sng" algn="ctr">
+                      <a:solidFill>
+                        <a:srgbClr val="8EA9DB"/>
+                      </a:solidFill>
+                      <a:prstDash val="solid"/>
+                      <a:round/>
+                      <a:headEnd type="none" w="med" len="med"/>
+                      <a:tailEnd type="none" w="med" len="med"/>
+                    </a:lnB>
+                  </a:tcPr>
+                </a:tc>
+                <a:extLst>
+                  <a:ext uri="{0D108BD9-81ED-4DB2-BD59-A6C34878D82A}">
+                    <a16:rowId xmlns:a16="http://schemas.microsoft.com/office/drawing/2014/main" val="2840204587"/>
+                  </a:ext>
+                </a:extLst>
+              </a:tr>
+              <a:tr h="196279">
+                <a:tc>
+                  <a:txBody>
+                    <a:bodyPr/>
+                    <a:lstStyle/>
+                    <a:p>
+                      <a:pPr algn="l" fontAlgn="b"/>
+                      <a:r>
+                        <a:rPr lang="en-GB" sz="1100" b="0" i="0" u="none" strike="noStrike">
+                          <a:solidFill>
+                            <a:srgbClr val="000000"/>
+                          </a:solidFill>
+                          <a:effectLst/>
+                          <a:latin typeface="Calibri" panose="020F0502020204030204" pitchFamily="34" charset="0"/>
+                        </a:rPr>
+                        <a:t>square</a:t>
+                      </a:r>
+                    </a:p>
+                  </a:txBody>
+                  <a:tcPr marL="9525" marR="9525" marT="9525" marB="0" anchor="b">
+                    <a:lnL w="6350" cap="flat" cmpd="sng" algn="ctr">
+                      <a:solidFill>
+                        <a:srgbClr val="8EA9DB"/>
+                      </a:solidFill>
+                      <a:prstDash val="solid"/>
+                      <a:round/>
+                      <a:headEnd type="none" w="med" len="med"/>
+                      <a:tailEnd type="none" w="med" len="med"/>
+                    </a:lnL>
+                    <a:lnR>
+                      <a:noFill/>
+                    </a:lnR>
+                    <a:lnT w="6350" cap="flat" cmpd="sng" algn="ctr">
+                      <a:solidFill>
+                        <a:srgbClr val="8EA9DB"/>
+                      </a:solidFill>
+                      <a:prstDash val="solid"/>
+                      <a:round/>
+                      <a:headEnd type="none" w="med" len="med"/>
+                      <a:tailEnd type="none" w="med" len="med"/>
+                    </a:lnT>
+                    <a:lnB w="6350" cap="flat" cmpd="sng" algn="ctr">
+                      <a:solidFill>
+                        <a:srgbClr val="8EA9DB"/>
+                      </a:solidFill>
+                      <a:prstDash val="solid"/>
+                      <a:round/>
+                      <a:headEnd type="none" w="med" len="med"/>
+                      <a:tailEnd type="none" w="med" len="med"/>
+                    </a:lnB>
+                    <a:solidFill>
+                      <a:srgbClr val="D9E1F2"/>
+                    </a:solidFill>
+                  </a:tcPr>
+                </a:tc>
+                <a:tc>
+                  <a:txBody>
+                    <a:bodyPr/>
+                    <a:lstStyle/>
+                    <a:p>
+                      <a:pPr algn="l" fontAlgn="b"/>
+                      <a:r>
+                        <a:rPr lang="en-GB" sz="1100" b="0" i="0" u="none" strike="noStrike">
+                          <a:solidFill>
+                            <a:srgbClr val="000000"/>
+                          </a:solidFill>
+                          <a:effectLst/>
+                          <a:latin typeface="Calibri" panose="020F0502020204030204" pitchFamily="34" charset="0"/>
+                        </a:rPr>
+                        <a:t>rectangular</a:t>
+                      </a:r>
+                    </a:p>
+                  </a:txBody>
+                  <a:tcPr marL="9525" marR="9525" marT="9525" marB="0" anchor="b">
+                    <a:lnL>
+                      <a:noFill/>
+                    </a:lnL>
+                    <a:lnR>
+                      <a:noFill/>
+                    </a:lnR>
+                    <a:lnT w="6350" cap="flat" cmpd="sng" algn="ctr">
+                      <a:solidFill>
+                        <a:srgbClr val="8EA9DB"/>
+                      </a:solidFill>
+                      <a:prstDash val="solid"/>
+                      <a:round/>
+                      <a:headEnd type="none" w="med" len="med"/>
+                      <a:tailEnd type="none" w="med" len="med"/>
+                    </a:lnT>
+                    <a:lnB w="6350" cap="flat" cmpd="sng" algn="ctr">
+                      <a:solidFill>
+                        <a:srgbClr val="8EA9DB"/>
+                      </a:solidFill>
+                      <a:prstDash val="solid"/>
+                      <a:round/>
+                      <a:headEnd type="none" w="med" len="med"/>
+                      <a:tailEnd type="none" w="med" len="med"/>
+                    </a:lnB>
+                    <a:solidFill>
+                      <a:srgbClr val="D9E1F2"/>
+                    </a:solidFill>
+                  </a:tcPr>
+                </a:tc>
+                <a:tc>
+                  <a:txBody>
+                    <a:bodyPr/>
+                    <a:lstStyle/>
+                    <a:p>
+                      <a:pPr algn="l" fontAlgn="b"/>
+                      <a:r>
+                        <a:rPr lang="en-GB" sz="1100" b="0" i="0" u="none" strike="noStrike">
+                          <a:solidFill>
+                            <a:srgbClr val="000000"/>
+                          </a:solidFill>
+                          <a:effectLst/>
+                          <a:latin typeface="Calibri" panose="020F0502020204030204" pitchFamily="34" charset="0"/>
+                        </a:rPr>
+                        <a:t>white</a:t>
+                      </a:r>
+                    </a:p>
+                  </a:txBody>
+                  <a:tcPr marL="9525" marR="9525" marT="9525" marB="0" anchor="b">
+                    <a:lnL>
+                      <a:noFill/>
+                    </a:lnL>
+                    <a:lnR>
+                      <a:noFill/>
+                    </a:lnR>
+                    <a:lnT w="6350" cap="flat" cmpd="sng" algn="ctr">
+                      <a:solidFill>
+                        <a:srgbClr val="8EA9DB"/>
+                      </a:solidFill>
+                      <a:prstDash val="solid"/>
+                      <a:round/>
+                      <a:headEnd type="none" w="med" len="med"/>
+                      <a:tailEnd type="none" w="med" len="med"/>
+                    </a:lnT>
+                    <a:lnB w="6350" cap="flat" cmpd="sng" algn="ctr">
+                      <a:solidFill>
+                        <a:srgbClr val="8EA9DB"/>
+                      </a:solidFill>
+                      <a:prstDash val="solid"/>
+                      <a:round/>
+                      <a:headEnd type="none" w="med" len="med"/>
+                      <a:tailEnd type="none" w="med" len="med"/>
+                    </a:lnB>
+                    <a:solidFill>
+                      <a:srgbClr val="D9E1F2"/>
+                    </a:solidFill>
+                  </a:tcPr>
+                </a:tc>
+                <a:tc>
+                  <a:txBody>
+                    <a:bodyPr/>
+                    <a:lstStyle/>
+                    <a:p>
+                      <a:pPr algn="l" fontAlgn="b"/>
+                      <a:r>
+                        <a:rPr lang="en-GB" sz="1100" b="0" i="0" u="none" strike="noStrike" dirty="0">
+                          <a:solidFill>
+                            <a:srgbClr val="000000"/>
+                          </a:solidFill>
+                          <a:effectLst/>
+                          <a:latin typeface="Calibri" panose="020F0502020204030204" pitchFamily="34" charset="0"/>
+                        </a:rPr>
+                        <a:t>Yes</a:t>
+                      </a:r>
+                    </a:p>
+                  </a:txBody>
+                  <a:tcPr marL="9525" marR="9525" marT="9525" marB="0" anchor="b">
+                    <a:lnL>
+                      <a:noFill/>
+                    </a:lnL>
+                    <a:lnR w="6350" cap="flat" cmpd="sng" algn="ctr">
+                      <a:solidFill>
+                        <a:srgbClr val="8EA9DB"/>
+                      </a:solidFill>
+                      <a:prstDash val="solid"/>
+                      <a:round/>
+                      <a:headEnd type="none" w="med" len="med"/>
+                      <a:tailEnd type="none" w="med" len="med"/>
+                    </a:lnR>
+                    <a:lnT w="6350" cap="flat" cmpd="sng" algn="ctr">
+                      <a:solidFill>
+                        <a:srgbClr val="8EA9DB"/>
+                      </a:solidFill>
+                      <a:prstDash val="solid"/>
+                      <a:round/>
+                      <a:headEnd type="none" w="med" len="med"/>
+                      <a:tailEnd type="none" w="med" len="med"/>
+                    </a:lnT>
+                    <a:lnB w="6350" cap="flat" cmpd="sng" algn="ctr">
+                      <a:solidFill>
+                        <a:srgbClr val="8EA9DB"/>
+                      </a:solidFill>
+                      <a:prstDash val="solid"/>
+                      <a:round/>
+                      <a:headEnd type="none" w="med" len="med"/>
+                      <a:tailEnd type="none" w="med" len="med"/>
+                    </a:lnB>
+                    <a:solidFill>
+                      <a:srgbClr val="D9E1F2"/>
+                    </a:solidFill>
+                  </a:tcPr>
+                </a:tc>
+                <a:extLst>
+                  <a:ext uri="{0D108BD9-81ED-4DB2-BD59-A6C34878D82A}">
+                    <a16:rowId xmlns:a16="http://schemas.microsoft.com/office/drawing/2014/main" val="654865817"/>
+                  </a:ext>
+                </a:extLst>
+              </a:tr>
+              <a:tr h="196279">
+                <a:tc>
+                  <a:txBody>
+                    <a:bodyPr/>
+                    <a:lstStyle/>
+                    <a:p>
+                      <a:pPr algn="l" fontAlgn="b"/>
+                      <a:r>
+                        <a:rPr lang="en-GB" sz="1100" b="0" i="0" u="none" strike="noStrike">
+                          <a:solidFill>
+                            <a:srgbClr val="000000"/>
+                          </a:solidFill>
+                          <a:effectLst/>
+                          <a:latin typeface="Calibri" panose="020F0502020204030204" pitchFamily="34" charset="0"/>
+                        </a:rPr>
+                        <a:t>square</a:t>
+                      </a:r>
+                    </a:p>
+                  </a:txBody>
+                  <a:tcPr marL="9525" marR="9525" marT="9525" marB="0" anchor="b">
+                    <a:lnL w="6350" cap="flat" cmpd="sng" algn="ctr">
+                      <a:solidFill>
+                        <a:srgbClr val="8EA9DB"/>
+                      </a:solidFill>
+                      <a:prstDash val="solid"/>
+                      <a:round/>
+                      <a:headEnd type="none" w="med" len="med"/>
+                      <a:tailEnd type="none" w="med" len="med"/>
+                    </a:lnL>
+                    <a:lnR>
+                      <a:noFill/>
+                    </a:lnR>
+                    <a:lnT w="6350" cap="flat" cmpd="sng" algn="ctr">
+                      <a:solidFill>
+                        <a:srgbClr val="8EA9DB"/>
+                      </a:solidFill>
+                      <a:prstDash val="solid"/>
+                      <a:round/>
+                      <a:headEnd type="none" w="med" len="med"/>
+                      <a:tailEnd type="none" w="med" len="med"/>
+                    </a:lnT>
+                    <a:lnB w="6350" cap="flat" cmpd="sng" algn="ctr">
+                      <a:solidFill>
+                        <a:srgbClr val="8EA9DB"/>
+                      </a:solidFill>
+                      <a:prstDash val="solid"/>
+                      <a:round/>
+                      <a:headEnd type="none" w="med" len="med"/>
+                      <a:tailEnd type="none" w="med" len="med"/>
+                    </a:lnB>
+                  </a:tcPr>
+                </a:tc>
+                <a:tc>
+                  <a:txBody>
+                    <a:bodyPr/>
+                    <a:lstStyle/>
+                    <a:p>
+                      <a:pPr algn="l" fontAlgn="b"/>
+                      <a:r>
+                        <a:rPr lang="en-GB" sz="1100" b="0" i="0" u="none" strike="noStrike">
+                          <a:solidFill>
+                            <a:srgbClr val="000000"/>
+                          </a:solidFill>
+                          <a:effectLst/>
+                          <a:latin typeface="Calibri" panose="020F0502020204030204" pitchFamily="34" charset="0"/>
+                        </a:rPr>
+                        <a:t>rectangular</a:t>
+                      </a:r>
+                    </a:p>
+                  </a:txBody>
+                  <a:tcPr marL="9525" marR="9525" marT="9525" marB="0" anchor="b">
+                    <a:lnL>
+                      <a:noFill/>
+                    </a:lnL>
+                    <a:lnR>
+                      <a:noFill/>
+                    </a:lnR>
+                    <a:lnT w="6350" cap="flat" cmpd="sng" algn="ctr">
+                      <a:solidFill>
+                        <a:srgbClr val="8EA9DB"/>
+                      </a:solidFill>
+                      <a:prstDash val="solid"/>
+                      <a:round/>
+                      <a:headEnd type="none" w="med" len="med"/>
+                      <a:tailEnd type="none" w="med" len="med"/>
+                    </a:lnT>
+                    <a:lnB w="6350" cap="flat" cmpd="sng" algn="ctr">
+                      <a:solidFill>
+                        <a:srgbClr val="8EA9DB"/>
+                      </a:solidFill>
+                      <a:prstDash val="solid"/>
+                      <a:round/>
+                      <a:headEnd type="none" w="med" len="med"/>
+                      <a:tailEnd type="none" w="med" len="med"/>
+                    </a:lnB>
+                  </a:tcPr>
+                </a:tc>
+                <a:tc>
+                  <a:txBody>
+                    <a:bodyPr/>
+                    <a:lstStyle/>
+                    <a:p>
+                      <a:pPr algn="l" fontAlgn="b"/>
+                      <a:r>
+                        <a:rPr lang="en-GB" sz="1100" b="0" i="0" u="none" strike="noStrike">
+                          <a:solidFill>
+                            <a:srgbClr val="000000"/>
+                          </a:solidFill>
+                          <a:effectLst/>
+                          <a:latin typeface="Calibri" panose="020F0502020204030204" pitchFamily="34" charset="0"/>
+                        </a:rPr>
+                        <a:t>white</a:t>
+                      </a:r>
+                    </a:p>
+                  </a:txBody>
+                  <a:tcPr marL="9525" marR="9525" marT="9525" marB="0" anchor="b">
+                    <a:lnL>
+                      <a:noFill/>
+                    </a:lnL>
+                    <a:lnR>
+                      <a:noFill/>
+                    </a:lnR>
+                    <a:lnT w="6350" cap="flat" cmpd="sng" algn="ctr">
+                      <a:solidFill>
+                        <a:srgbClr val="8EA9DB"/>
+                      </a:solidFill>
+                      <a:prstDash val="solid"/>
+                      <a:round/>
+                      <a:headEnd type="none" w="med" len="med"/>
+                      <a:tailEnd type="none" w="med" len="med"/>
+                    </a:lnT>
+                    <a:lnB w="6350" cap="flat" cmpd="sng" algn="ctr">
+                      <a:solidFill>
+                        <a:srgbClr val="8EA9DB"/>
+                      </a:solidFill>
+                      <a:prstDash val="solid"/>
+                      <a:round/>
+                      <a:headEnd type="none" w="med" len="med"/>
+                      <a:tailEnd type="none" w="med" len="med"/>
+                    </a:lnB>
+                  </a:tcPr>
+                </a:tc>
+                <a:tc>
+                  <a:txBody>
+                    <a:bodyPr/>
+                    <a:lstStyle/>
+                    <a:p>
+                      <a:pPr algn="l" fontAlgn="b"/>
+                      <a:r>
+                        <a:rPr lang="en-GB" sz="1100" b="0" i="0" u="none" strike="noStrike" dirty="0">
+                          <a:solidFill>
+                            <a:srgbClr val="000000"/>
+                          </a:solidFill>
+                          <a:effectLst/>
+                          <a:latin typeface="Calibri" panose="020F0502020204030204" pitchFamily="34" charset="0"/>
+                        </a:rPr>
+                        <a:t>Yes</a:t>
+                      </a:r>
+                    </a:p>
+                  </a:txBody>
+                  <a:tcPr marL="9525" marR="9525" marT="9525" marB="0" anchor="b">
+                    <a:lnL>
+                      <a:noFill/>
+                    </a:lnL>
+                    <a:lnR w="6350" cap="flat" cmpd="sng" algn="ctr">
+                      <a:solidFill>
+                        <a:srgbClr val="8EA9DB"/>
+                      </a:solidFill>
+                      <a:prstDash val="solid"/>
+                      <a:round/>
+                      <a:headEnd type="none" w="med" len="med"/>
+                      <a:tailEnd type="none" w="med" len="med"/>
+                    </a:lnR>
+                    <a:lnT w="6350" cap="flat" cmpd="sng" algn="ctr">
+                      <a:solidFill>
+                        <a:srgbClr val="8EA9DB"/>
+                      </a:solidFill>
+                      <a:prstDash val="solid"/>
+                      <a:round/>
+                      <a:headEnd type="none" w="med" len="med"/>
+                      <a:tailEnd type="none" w="med" len="med"/>
+                    </a:lnT>
+                    <a:lnB w="6350" cap="flat" cmpd="sng" algn="ctr">
+                      <a:solidFill>
+                        <a:srgbClr val="8EA9DB"/>
+                      </a:solidFill>
+                      <a:prstDash val="solid"/>
+                      <a:round/>
+                      <a:headEnd type="none" w="med" len="med"/>
+                      <a:tailEnd type="none" w="med" len="med"/>
+                    </a:lnB>
+                  </a:tcPr>
+                </a:tc>
+                <a:extLst>
+                  <a:ext uri="{0D108BD9-81ED-4DB2-BD59-A6C34878D82A}">
+                    <a16:rowId xmlns:a16="http://schemas.microsoft.com/office/drawing/2014/main" val="2261059439"/>
+                  </a:ext>
+                </a:extLst>
+              </a:tr>
+              <a:tr h="196279">
+                <a:tc>
+                  <a:txBody>
+                    <a:bodyPr/>
+                    <a:lstStyle/>
+                    <a:p>
+                      <a:pPr algn="l" fontAlgn="b"/>
+                      <a:r>
+                        <a:rPr lang="en-GB" sz="1100" b="0" i="0" u="none" strike="noStrike">
+                          <a:solidFill>
+                            <a:srgbClr val="000000"/>
+                          </a:solidFill>
+                          <a:effectLst/>
+                          <a:latin typeface="Calibri" panose="020F0502020204030204" pitchFamily="34" charset="0"/>
+                        </a:rPr>
+                        <a:t>square</a:t>
+                      </a:r>
+                    </a:p>
+                  </a:txBody>
+                  <a:tcPr marL="9525" marR="9525" marT="9525" marB="0" anchor="b">
+                    <a:lnL w="6350" cap="flat" cmpd="sng" algn="ctr">
+                      <a:solidFill>
+                        <a:srgbClr val="8EA9DB"/>
+                      </a:solidFill>
+                      <a:prstDash val="solid"/>
+                      <a:round/>
+                      <a:headEnd type="none" w="med" len="med"/>
+                      <a:tailEnd type="none" w="med" len="med"/>
+                    </a:lnL>
+                    <a:lnR>
+                      <a:noFill/>
+                    </a:lnR>
+                    <a:lnT w="6350" cap="flat" cmpd="sng" algn="ctr">
+                      <a:solidFill>
+                        <a:srgbClr val="8EA9DB"/>
+                      </a:solidFill>
+                      <a:prstDash val="solid"/>
+                      <a:round/>
+                      <a:headEnd type="none" w="med" len="med"/>
+                      <a:tailEnd type="none" w="med" len="med"/>
+                    </a:lnT>
+                    <a:lnB w="6350" cap="flat" cmpd="sng" algn="ctr">
+                      <a:solidFill>
+                        <a:srgbClr val="8EA9DB"/>
+                      </a:solidFill>
+                      <a:prstDash val="solid"/>
+                      <a:round/>
+                      <a:headEnd type="none" w="med" len="med"/>
+                      <a:tailEnd type="none" w="med" len="med"/>
+                    </a:lnB>
+                    <a:solidFill>
+                      <a:srgbClr val="D9E1F2"/>
+                    </a:solidFill>
+                  </a:tcPr>
+                </a:tc>
+                <a:tc>
+                  <a:txBody>
+                    <a:bodyPr/>
+                    <a:lstStyle/>
+                    <a:p>
+                      <a:pPr algn="l" fontAlgn="b"/>
+                      <a:r>
+                        <a:rPr lang="en-GB" sz="1100" b="0" i="0" u="none" strike="noStrike">
+                          <a:solidFill>
+                            <a:srgbClr val="000000"/>
+                          </a:solidFill>
+                          <a:effectLst/>
+                          <a:latin typeface="Calibri" panose="020F0502020204030204" pitchFamily="34" charset="0"/>
+                        </a:rPr>
+                        <a:t>rectangular</a:t>
+                      </a:r>
+                    </a:p>
+                  </a:txBody>
+                  <a:tcPr marL="9525" marR="9525" marT="9525" marB="0" anchor="b">
+                    <a:lnL>
+                      <a:noFill/>
+                    </a:lnL>
+                    <a:lnR>
+                      <a:noFill/>
+                    </a:lnR>
+                    <a:lnT w="6350" cap="flat" cmpd="sng" algn="ctr">
+                      <a:solidFill>
+                        <a:srgbClr val="8EA9DB"/>
+                      </a:solidFill>
+                      <a:prstDash val="solid"/>
+                      <a:round/>
+                      <a:headEnd type="none" w="med" len="med"/>
+                      <a:tailEnd type="none" w="med" len="med"/>
+                    </a:lnT>
+                    <a:lnB w="6350" cap="flat" cmpd="sng" algn="ctr">
+                      <a:solidFill>
+                        <a:srgbClr val="8EA9DB"/>
+                      </a:solidFill>
+                      <a:prstDash val="solid"/>
+                      <a:round/>
+                      <a:headEnd type="none" w="med" len="med"/>
+                      <a:tailEnd type="none" w="med" len="med"/>
+                    </a:lnB>
+                    <a:solidFill>
+                      <a:srgbClr val="D9E1F2"/>
+                    </a:solidFill>
+                  </a:tcPr>
+                </a:tc>
+                <a:tc>
+                  <a:txBody>
+                    <a:bodyPr/>
+                    <a:lstStyle/>
+                    <a:p>
+                      <a:pPr algn="l" fontAlgn="b"/>
+                      <a:r>
+                        <a:rPr lang="en-GB" sz="1100" b="0" i="0" u="none" strike="noStrike">
+                          <a:solidFill>
+                            <a:srgbClr val="000000"/>
+                          </a:solidFill>
+                          <a:effectLst/>
+                          <a:latin typeface="Calibri" panose="020F0502020204030204" pitchFamily="34" charset="0"/>
+                        </a:rPr>
+                        <a:t>white</a:t>
+                      </a:r>
+                    </a:p>
+                  </a:txBody>
+                  <a:tcPr marL="9525" marR="9525" marT="9525" marB="0" anchor="b">
+                    <a:lnL>
+                      <a:noFill/>
+                    </a:lnL>
+                    <a:lnR>
+                      <a:noFill/>
+                    </a:lnR>
+                    <a:lnT w="6350" cap="flat" cmpd="sng" algn="ctr">
+                      <a:solidFill>
+                        <a:srgbClr val="8EA9DB"/>
+                      </a:solidFill>
+                      <a:prstDash val="solid"/>
+                      <a:round/>
+                      <a:headEnd type="none" w="med" len="med"/>
+                      <a:tailEnd type="none" w="med" len="med"/>
+                    </a:lnT>
+                    <a:lnB w="6350" cap="flat" cmpd="sng" algn="ctr">
+                      <a:solidFill>
+                        <a:srgbClr val="8EA9DB"/>
+                      </a:solidFill>
+                      <a:prstDash val="solid"/>
+                      <a:round/>
+                      <a:headEnd type="none" w="med" len="med"/>
+                      <a:tailEnd type="none" w="med" len="med"/>
+                    </a:lnB>
+                    <a:solidFill>
+                      <a:srgbClr val="D9E1F2"/>
+                    </a:solidFill>
+                  </a:tcPr>
+                </a:tc>
+                <a:tc>
+                  <a:txBody>
+                    <a:bodyPr/>
+                    <a:lstStyle/>
+                    <a:p>
+                      <a:pPr algn="l" fontAlgn="b"/>
+                      <a:r>
+                        <a:rPr lang="en-GB" sz="1100" b="0" i="0" u="none" strike="noStrike" dirty="0">
+                          <a:solidFill>
+                            <a:srgbClr val="000000"/>
+                          </a:solidFill>
+                          <a:effectLst/>
+                          <a:latin typeface="Calibri" panose="020F0502020204030204" pitchFamily="34" charset="0"/>
+                        </a:rPr>
+                        <a:t>Yes</a:t>
+                      </a:r>
+                    </a:p>
+                  </a:txBody>
+                  <a:tcPr marL="9525" marR="9525" marT="9525" marB="0" anchor="b">
+                    <a:lnL>
+                      <a:noFill/>
+                    </a:lnL>
+                    <a:lnR w="6350" cap="flat" cmpd="sng" algn="ctr">
+                      <a:solidFill>
+                        <a:srgbClr val="8EA9DB"/>
+                      </a:solidFill>
+                      <a:prstDash val="solid"/>
+                      <a:round/>
+                      <a:headEnd type="none" w="med" len="med"/>
+                      <a:tailEnd type="none" w="med" len="med"/>
+                    </a:lnR>
+                    <a:lnT w="6350" cap="flat" cmpd="sng" algn="ctr">
+                      <a:solidFill>
+                        <a:srgbClr val="8EA9DB"/>
+                      </a:solidFill>
+                      <a:prstDash val="solid"/>
+                      <a:round/>
+                      <a:headEnd type="none" w="med" len="med"/>
+                      <a:tailEnd type="none" w="med" len="med"/>
+                    </a:lnT>
+                    <a:lnB w="6350" cap="flat" cmpd="sng" algn="ctr">
+                      <a:solidFill>
+                        <a:srgbClr val="8EA9DB"/>
+                      </a:solidFill>
+                      <a:prstDash val="solid"/>
+                      <a:round/>
+                      <a:headEnd type="none" w="med" len="med"/>
+                      <a:tailEnd type="none" w="med" len="med"/>
+                    </a:lnB>
+                    <a:solidFill>
+                      <a:srgbClr val="D9E1F2"/>
+                    </a:solidFill>
+                  </a:tcPr>
+                </a:tc>
+                <a:extLst>
+                  <a:ext uri="{0D108BD9-81ED-4DB2-BD59-A6C34878D82A}">
+                    <a16:rowId xmlns:a16="http://schemas.microsoft.com/office/drawing/2014/main" val="1101346679"/>
+                  </a:ext>
+                </a:extLst>
+              </a:tr>
+              <a:tr h="196279">
+                <a:tc>
+                  <a:txBody>
+                    <a:bodyPr/>
+                    <a:lstStyle/>
+                    <a:p>
+                      <a:pPr algn="l" fontAlgn="b"/>
+                      <a:r>
+                        <a:rPr lang="en-GB" sz="1100" b="0" i="0" u="none" strike="noStrike">
+                          <a:solidFill>
+                            <a:srgbClr val="000000"/>
+                          </a:solidFill>
+                          <a:effectLst/>
+                          <a:latin typeface="Calibri" panose="020F0502020204030204" pitchFamily="34" charset="0"/>
+                        </a:rPr>
+                        <a:t>circular</a:t>
+                      </a:r>
+                    </a:p>
+                  </a:txBody>
+                  <a:tcPr marL="9525" marR="9525" marT="9525" marB="0" anchor="b">
+                    <a:lnL w="6350" cap="flat" cmpd="sng" algn="ctr">
+                      <a:solidFill>
+                        <a:srgbClr val="8EA9DB"/>
+                      </a:solidFill>
+                      <a:prstDash val="solid"/>
+                      <a:round/>
+                      <a:headEnd type="none" w="med" len="med"/>
+                      <a:tailEnd type="none" w="med" len="med"/>
+                    </a:lnL>
+                    <a:lnR>
+                      <a:noFill/>
+                    </a:lnR>
+                    <a:lnT w="6350" cap="flat" cmpd="sng" algn="ctr">
+                      <a:solidFill>
+                        <a:srgbClr val="8EA9DB"/>
+                      </a:solidFill>
+                      <a:prstDash val="solid"/>
+                      <a:round/>
+                      <a:headEnd type="none" w="med" len="med"/>
+                      <a:tailEnd type="none" w="med" len="med"/>
+                    </a:lnT>
+                    <a:lnB w="6350" cap="flat" cmpd="sng" algn="ctr">
+                      <a:solidFill>
+                        <a:srgbClr val="8EA9DB"/>
+                      </a:solidFill>
+                      <a:prstDash val="solid"/>
+                      <a:round/>
+                      <a:headEnd type="none" w="med" len="med"/>
+                      <a:tailEnd type="none" w="med" len="med"/>
+                    </a:lnB>
+                  </a:tcPr>
+                </a:tc>
+                <a:tc>
+                  <a:txBody>
+                    <a:bodyPr/>
+                    <a:lstStyle/>
+                    <a:p>
+                      <a:pPr algn="l" fontAlgn="b"/>
+                      <a:r>
+                        <a:rPr lang="en-GB" sz="1100" b="0" i="0" u="none" strike="noStrike">
+                          <a:solidFill>
+                            <a:srgbClr val="000000"/>
+                          </a:solidFill>
+                          <a:effectLst/>
+                          <a:latin typeface="Calibri" panose="020F0502020204030204" pitchFamily="34" charset="0"/>
+                        </a:rPr>
+                        <a:t>rectangular</a:t>
+                      </a:r>
+                    </a:p>
+                  </a:txBody>
+                  <a:tcPr marL="9525" marR="9525" marT="9525" marB="0" anchor="b">
+                    <a:lnL>
+                      <a:noFill/>
+                    </a:lnL>
+                    <a:lnR>
+                      <a:noFill/>
+                    </a:lnR>
+                    <a:lnT w="6350" cap="flat" cmpd="sng" algn="ctr">
+                      <a:solidFill>
+                        <a:srgbClr val="8EA9DB"/>
+                      </a:solidFill>
+                      <a:prstDash val="solid"/>
+                      <a:round/>
+                      <a:headEnd type="none" w="med" len="med"/>
+                      <a:tailEnd type="none" w="med" len="med"/>
+                    </a:lnT>
+                    <a:lnB w="6350" cap="flat" cmpd="sng" algn="ctr">
+                      <a:solidFill>
+                        <a:srgbClr val="8EA9DB"/>
+                      </a:solidFill>
+                      <a:prstDash val="solid"/>
+                      <a:round/>
+                      <a:headEnd type="none" w="med" len="med"/>
+                      <a:tailEnd type="none" w="med" len="med"/>
+                    </a:lnB>
+                  </a:tcPr>
+                </a:tc>
+                <a:tc>
+                  <a:txBody>
+                    <a:bodyPr/>
+                    <a:lstStyle/>
+                    <a:p>
+                      <a:pPr algn="l" fontAlgn="b"/>
+                      <a:r>
+                        <a:rPr lang="en-GB" sz="1100" b="0" i="0" u="none" strike="noStrike">
+                          <a:solidFill>
+                            <a:srgbClr val="000000"/>
+                          </a:solidFill>
+                          <a:effectLst/>
+                          <a:latin typeface="Calibri" panose="020F0502020204030204" pitchFamily="34" charset="0"/>
+                        </a:rPr>
+                        <a:t>gray</a:t>
+                      </a:r>
+                    </a:p>
+                  </a:txBody>
+                  <a:tcPr marL="9525" marR="9525" marT="9525" marB="0" anchor="b">
+                    <a:lnL>
+                      <a:noFill/>
+                    </a:lnL>
+                    <a:lnR>
+                      <a:noFill/>
+                    </a:lnR>
+                    <a:lnT w="6350" cap="flat" cmpd="sng" algn="ctr">
+                      <a:solidFill>
+                        <a:srgbClr val="8EA9DB"/>
+                      </a:solidFill>
+                      <a:prstDash val="solid"/>
+                      <a:round/>
+                      <a:headEnd type="none" w="med" len="med"/>
+                      <a:tailEnd type="none" w="med" len="med"/>
+                    </a:lnT>
+                    <a:lnB w="6350" cap="flat" cmpd="sng" algn="ctr">
+                      <a:solidFill>
+                        <a:srgbClr val="8EA9DB"/>
+                      </a:solidFill>
+                      <a:prstDash val="solid"/>
+                      <a:round/>
+                      <a:headEnd type="none" w="med" len="med"/>
+                      <a:tailEnd type="none" w="med" len="med"/>
+                    </a:lnB>
+                  </a:tcPr>
+                </a:tc>
+                <a:tc>
+                  <a:txBody>
+                    <a:bodyPr/>
+                    <a:lstStyle/>
+                    <a:p>
+                      <a:pPr algn="l" fontAlgn="b"/>
+                      <a:r>
+                        <a:rPr lang="en-GB" sz="1100" b="0" i="0" u="none" strike="noStrike" dirty="0">
+                          <a:solidFill>
+                            <a:srgbClr val="000000"/>
+                          </a:solidFill>
+                          <a:effectLst/>
+                          <a:latin typeface="Calibri" panose="020F0502020204030204" pitchFamily="34" charset="0"/>
+                        </a:rPr>
+                        <a:t>No</a:t>
+                      </a:r>
+                    </a:p>
+                  </a:txBody>
+                  <a:tcPr marL="9525" marR="9525" marT="9525" marB="0" anchor="b">
+                    <a:lnL>
+                      <a:noFill/>
+                    </a:lnL>
+                    <a:lnR w="6350" cap="flat" cmpd="sng" algn="ctr">
+                      <a:solidFill>
+                        <a:srgbClr val="8EA9DB"/>
+                      </a:solidFill>
+                      <a:prstDash val="solid"/>
+                      <a:round/>
+                      <a:headEnd type="none" w="med" len="med"/>
+                      <a:tailEnd type="none" w="med" len="med"/>
+                    </a:lnR>
+                    <a:lnT w="6350" cap="flat" cmpd="sng" algn="ctr">
+                      <a:solidFill>
+                        <a:srgbClr val="8EA9DB"/>
+                      </a:solidFill>
+                      <a:prstDash val="solid"/>
+                      <a:round/>
+                      <a:headEnd type="none" w="med" len="med"/>
+                      <a:tailEnd type="none" w="med" len="med"/>
+                    </a:lnT>
+                    <a:lnB w="6350" cap="flat" cmpd="sng" algn="ctr">
+                      <a:solidFill>
+                        <a:srgbClr val="8EA9DB"/>
+                      </a:solidFill>
+                      <a:prstDash val="solid"/>
+                      <a:round/>
+                      <a:headEnd type="none" w="med" len="med"/>
+                      <a:tailEnd type="none" w="med" len="med"/>
+                    </a:lnB>
+                  </a:tcPr>
+                </a:tc>
+                <a:extLst>
+                  <a:ext uri="{0D108BD9-81ED-4DB2-BD59-A6C34878D82A}">
+                    <a16:rowId xmlns:a16="http://schemas.microsoft.com/office/drawing/2014/main" val="4057098035"/>
+                  </a:ext>
+                </a:extLst>
+              </a:tr>
+              <a:tr h="196279">
+                <a:tc>
+                  <a:txBody>
+                    <a:bodyPr/>
+                    <a:lstStyle/>
+                    <a:p>
+                      <a:pPr algn="l" fontAlgn="b"/>
+                      <a:r>
+                        <a:rPr lang="en-GB" sz="1100" b="0" i="0" u="none" strike="noStrike">
+                          <a:solidFill>
+                            <a:srgbClr val="000000"/>
+                          </a:solidFill>
+                          <a:effectLst/>
+                          <a:latin typeface="Calibri" panose="020F0502020204030204" pitchFamily="34" charset="0"/>
+                        </a:rPr>
+                        <a:t>square</a:t>
+                      </a:r>
+                    </a:p>
+                  </a:txBody>
+                  <a:tcPr marL="9525" marR="9525" marT="9525" marB="0" anchor="b">
+                    <a:lnL w="6350" cap="flat" cmpd="sng" algn="ctr">
+                      <a:solidFill>
+                        <a:srgbClr val="8EA9DB"/>
+                      </a:solidFill>
+                      <a:prstDash val="solid"/>
+                      <a:round/>
+                      <a:headEnd type="none" w="med" len="med"/>
+                      <a:tailEnd type="none" w="med" len="med"/>
+                    </a:lnL>
+                    <a:lnR>
+                      <a:noFill/>
+                    </a:lnR>
+                    <a:lnT w="6350" cap="flat" cmpd="sng" algn="ctr">
+                      <a:solidFill>
+                        <a:srgbClr val="8EA9DB"/>
+                      </a:solidFill>
+                      <a:prstDash val="solid"/>
+                      <a:round/>
+                      <a:headEnd type="none" w="med" len="med"/>
+                      <a:tailEnd type="none" w="med" len="med"/>
+                    </a:lnT>
+                    <a:lnB w="6350" cap="flat" cmpd="sng" algn="ctr">
+                      <a:solidFill>
+                        <a:srgbClr val="8EA9DB"/>
+                      </a:solidFill>
+                      <a:prstDash val="solid"/>
+                      <a:round/>
+                      <a:headEnd type="none" w="med" len="med"/>
+                      <a:tailEnd type="none" w="med" len="med"/>
+                    </a:lnB>
+                    <a:solidFill>
+                      <a:srgbClr val="D9E1F2"/>
+                    </a:solidFill>
+                  </a:tcPr>
+                </a:tc>
+                <a:tc>
+                  <a:txBody>
+                    <a:bodyPr/>
+                    <a:lstStyle/>
+                    <a:p>
+                      <a:pPr algn="l" fontAlgn="b"/>
+                      <a:r>
+                        <a:rPr lang="en-GB" sz="1100" b="0" i="0" u="none" strike="noStrike">
+                          <a:solidFill>
+                            <a:srgbClr val="000000"/>
+                          </a:solidFill>
+                          <a:effectLst/>
+                          <a:latin typeface="Calibri" panose="020F0502020204030204" pitchFamily="34" charset="0"/>
+                        </a:rPr>
+                        <a:t>rectangular</a:t>
+                      </a:r>
+                    </a:p>
+                  </a:txBody>
+                  <a:tcPr marL="9525" marR="9525" marT="9525" marB="0" anchor="b">
+                    <a:lnL>
+                      <a:noFill/>
+                    </a:lnL>
+                    <a:lnR>
+                      <a:noFill/>
+                    </a:lnR>
+                    <a:lnT w="6350" cap="flat" cmpd="sng" algn="ctr">
+                      <a:solidFill>
+                        <a:srgbClr val="8EA9DB"/>
+                      </a:solidFill>
+                      <a:prstDash val="solid"/>
+                      <a:round/>
+                      <a:headEnd type="none" w="med" len="med"/>
+                      <a:tailEnd type="none" w="med" len="med"/>
+                    </a:lnT>
+                    <a:lnB w="6350" cap="flat" cmpd="sng" algn="ctr">
+                      <a:solidFill>
+                        <a:srgbClr val="8EA9DB"/>
+                      </a:solidFill>
+                      <a:prstDash val="solid"/>
+                      <a:round/>
+                      <a:headEnd type="none" w="med" len="med"/>
+                      <a:tailEnd type="none" w="med" len="med"/>
+                    </a:lnB>
+                    <a:solidFill>
+                      <a:srgbClr val="D9E1F2"/>
+                    </a:solidFill>
+                  </a:tcPr>
+                </a:tc>
+                <a:tc>
+                  <a:txBody>
+                    <a:bodyPr/>
+                    <a:lstStyle/>
+                    <a:p>
+                      <a:pPr algn="l" fontAlgn="b"/>
+                      <a:r>
+                        <a:rPr lang="en-GB" sz="1100" b="0" i="0" u="none" strike="noStrike">
+                          <a:solidFill>
+                            <a:srgbClr val="000000"/>
+                          </a:solidFill>
+                          <a:effectLst/>
+                          <a:latin typeface="Calibri" panose="020F0502020204030204" pitchFamily="34" charset="0"/>
+                        </a:rPr>
+                        <a:t>white</a:t>
+                      </a:r>
+                    </a:p>
+                  </a:txBody>
+                  <a:tcPr marL="9525" marR="9525" marT="9525" marB="0" anchor="b">
+                    <a:lnL>
+                      <a:noFill/>
+                    </a:lnL>
+                    <a:lnR>
+                      <a:noFill/>
+                    </a:lnR>
+                    <a:lnT w="6350" cap="flat" cmpd="sng" algn="ctr">
+                      <a:solidFill>
+                        <a:srgbClr val="8EA9DB"/>
+                      </a:solidFill>
+                      <a:prstDash val="solid"/>
+                      <a:round/>
+                      <a:headEnd type="none" w="med" len="med"/>
+                      <a:tailEnd type="none" w="med" len="med"/>
+                    </a:lnT>
+                    <a:lnB w="6350" cap="flat" cmpd="sng" algn="ctr">
+                      <a:solidFill>
+                        <a:srgbClr val="8EA9DB"/>
+                      </a:solidFill>
+                      <a:prstDash val="solid"/>
+                      <a:round/>
+                      <a:headEnd type="none" w="med" len="med"/>
+                      <a:tailEnd type="none" w="med" len="med"/>
+                    </a:lnB>
+                    <a:solidFill>
+                      <a:srgbClr val="D9E1F2"/>
+                    </a:solidFill>
+                  </a:tcPr>
+                </a:tc>
+                <a:tc>
+                  <a:txBody>
+                    <a:bodyPr/>
+                    <a:lstStyle/>
+                    <a:p>
+                      <a:pPr algn="l" fontAlgn="b"/>
+                      <a:r>
+                        <a:rPr lang="en-GB" sz="1100" b="0" i="0" u="none" strike="noStrike" dirty="0">
+                          <a:solidFill>
+                            <a:srgbClr val="000000"/>
+                          </a:solidFill>
+                          <a:effectLst/>
+                          <a:latin typeface="Calibri" panose="020F0502020204030204" pitchFamily="34" charset="0"/>
+                        </a:rPr>
+                        <a:t>Yes</a:t>
+                      </a:r>
+                    </a:p>
+                  </a:txBody>
+                  <a:tcPr marL="9525" marR="9525" marT="9525" marB="0" anchor="b">
+                    <a:lnL>
+                      <a:noFill/>
+                    </a:lnL>
+                    <a:lnR w="6350" cap="flat" cmpd="sng" algn="ctr">
+                      <a:solidFill>
+                        <a:srgbClr val="8EA9DB"/>
+                      </a:solidFill>
+                      <a:prstDash val="solid"/>
+                      <a:round/>
+                      <a:headEnd type="none" w="med" len="med"/>
+                      <a:tailEnd type="none" w="med" len="med"/>
+                    </a:lnR>
+                    <a:lnT w="6350" cap="flat" cmpd="sng" algn="ctr">
+                      <a:solidFill>
+                        <a:srgbClr val="8EA9DB"/>
+                      </a:solidFill>
+                      <a:prstDash val="solid"/>
+                      <a:round/>
+                      <a:headEnd type="none" w="med" len="med"/>
+                      <a:tailEnd type="none" w="med" len="med"/>
+                    </a:lnT>
+                    <a:lnB w="6350" cap="flat" cmpd="sng" algn="ctr">
+                      <a:solidFill>
+                        <a:srgbClr val="8EA9DB"/>
+                      </a:solidFill>
+                      <a:prstDash val="solid"/>
+                      <a:round/>
+                      <a:headEnd type="none" w="med" len="med"/>
+                      <a:tailEnd type="none" w="med" len="med"/>
+                    </a:lnB>
+                    <a:solidFill>
+                      <a:srgbClr val="D9E1F2"/>
+                    </a:solidFill>
+                  </a:tcPr>
+                </a:tc>
+                <a:extLst>
+                  <a:ext uri="{0D108BD9-81ED-4DB2-BD59-A6C34878D82A}">
+                    <a16:rowId xmlns:a16="http://schemas.microsoft.com/office/drawing/2014/main" val="286129925"/>
+                  </a:ext>
+                </a:extLst>
+              </a:tr>
+              <a:tr h="196279">
+                <a:tc>
+                  <a:txBody>
+                    <a:bodyPr/>
+                    <a:lstStyle/>
+                    <a:p>
+                      <a:pPr algn="l" fontAlgn="b"/>
+                      <a:r>
+                        <a:rPr lang="en-GB" sz="1100" b="0" i="0" u="none" strike="noStrike">
+                          <a:solidFill>
+                            <a:srgbClr val="000000"/>
+                          </a:solidFill>
+                          <a:effectLst/>
+                          <a:latin typeface="Calibri" panose="020F0502020204030204" pitchFamily="34" charset="0"/>
+                        </a:rPr>
+                        <a:t>square</a:t>
+                      </a:r>
+                    </a:p>
+                  </a:txBody>
+                  <a:tcPr marL="9525" marR="9525" marT="9525" marB="0" anchor="b">
+                    <a:lnL w="6350" cap="flat" cmpd="sng" algn="ctr">
+                      <a:solidFill>
+                        <a:srgbClr val="8EA9DB"/>
+                      </a:solidFill>
+                      <a:prstDash val="solid"/>
+                      <a:round/>
+                      <a:headEnd type="none" w="med" len="med"/>
+                      <a:tailEnd type="none" w="med" len="med"/>
+                    </a:lnL>
+                    <a:lnR>
+                      <a:noFill/>
+                    </a:lnR>
+                    <a:lnT w="6350" cap="flat" cmpd="sng" algn="ctr">
+                      <a:solidFill>
+                        <a:srgbClr val="8EA9DB"/>
+                      </a:solidFill>
+                      <a:prstDash val="solid"/>
+                      <a:round/>
+                      <a:headEnd type="none" w="med" len="med"/>
+                      <a:tailEnd type="none" w="med" len="med"/>
+                    </a:lnT>
+                    <a:lnB w="6350" cap="flat" cmpd="sng" algn="ctr">
+                      <a:solidFill>
+                        <a:srgbClr val="8EA9DB"/>
+                      </a:solidFill>
+                      <a:prstDash val="solid"/>
+                      <a:round/>
+                      <a:headEnd type="none" w="med" len="med"/>
+                      <a:tailEnd type="none" w="med" len="med"/>
+                    </a:lnB>
+                  </a:tcPr>
+                </a:tc>
+                <a:tc>
+                  <a:txBody>
+                    <a:bodyPr/>
+                    <a:lstStyle/>
+                    <a:p>
+                      <a:pPr algn="l" fontAlgn="b"/>
+                      <a:r>
+                        <a:rPr lang="en-GB" sz="1100" b="0" i="0" u="none" strike="noStrike">
+                          <a:solidFill>
+                            <a:srgbClr val="000000"/>
+                          </a:solidFill>
+                          <a:effectLst/>
+                          <a:latin typeface="Calibri" panose="020F0502020204030204" pitchFamily="34" charset="0"/>
+                        </a:rPr>
+                        <a:t>oval</a:t>
+                      </a:r>
+                    </a:p>
+                  </a:txBody>
+                  <a:tcPr marL="9525" marR="9525" marT="9525" marB="0" anchor="b">
+                    <a:lnL>
+                      <a:noFill/>
+                    </a:lnL>
+                    <a:lnR>
+                      <a:noFill/>
+                    </a:lnR>
+                    <a:lnT w="6350" cap="flat" cmpd="sng" algn="ctr">
+                      <a:solidFill>
+                        <a:srgbClr val="8EA9DB"/>
+                      </a:solidFill>
+                      <a:prstDash val="solid"/>
+                      <a:round/>
+                      <a:headEnd type="none" w="med" len="med"/>
+                      <a:tailEnd type="none" w="med" len="med"/>
+                    </a:lnT>
+                    <a:lnB w="6350" cap="flat" cmpd="sng" algn="ctr">
+                      <a:solidFill>
+                        <a:srgbClr val="8EA9DB"/>
+                      </a:solidFill>
+                      <a:prstDash val="solid"/>
+                      <a:round/>
+                      <a:headEnd type="none" w="med" len="med"/>
+                      <a:tailEnd type="none" w="med" len="med"/>
+                    </a:lnB>
+                  </a:tcPr>
+                </a:tc>
+                <a:tc>
+                  <a:txBody>
+                    <a:bodyPr/>
+                    <a:lstStyle/>
+                    <a:p>
+                      <a:pPr algn="l" fontAlgn="b"/>
+                      <a:r>
+                        <a:rPr lang="en-GB" sz="1100" b="0" i="0" u="none" strike="noStrike">
+                          <a:solidFill>
+                            <a:srgbClr val="000000"/>
+                          </a:solidFill>
+                          <a:effectLst/>
+                          <a:latin typeface="Calibri" panose="020F0502020204030204" pitchFamily="34" charset="0"/>
+                        </a:rPr>
+                        <a:t>white</a:t>
+                      </a:r>
+                    </a:p>
+                  </a:txBody>
+                  <a:tcPr marL="9525" marR="9525" marT="9525" marB="0" anchor="b">
+                    <a:lnL>
+                      <a:noFill/>
+                    </a:lnL>
+                    <a:lnR>
+                      <a:noFill/>
+                    </a:lnR>
+                    <a:lnT w="6350" cap="flat" cmpd="sng" algn="ctr">
+                      <a:solidFill>
+                        <a:srgbClr val="8EA9DB"/>
+                      </a:solidFill>
+                      <a:prstDash val="solid"/>
+                      <a:round/>
+                      <a:headEnd type="none" w="med" len="med"/>
+                      <a:tailEnd type="none" w="med" len="med"/>
+                    </a:lnT>
+                    <a:lnB w="6350" cap="flat" cmpd="sng" algn="ctr">
+                      <a:solidFill>
+                        <a:srgbClr val="8EA9DB"/>
+                      </a:solidFill>
+                      <a:prstDash val="solid"/>
+                      <a:round/>
+                      <a:headEnd type="none" w="med" len="med"/>
+                      <a:tailEnd type="none" w="med" len="med"/>
+                    </a:lnB>
+                  </a:tcPr>
+                </a:tc>
+                <a:tc>
+                  <a:txBody>
+                    <a:bodyPr/>
+                    <a:lstStyle/>
+                    <a:p>
+                      <a:pPr algn="l" fontAlgn="b"/>
+                      <a:r>
+                        <a:rPr lang="en-GB" sz="1100" b="0" i="0" u="none" strike="noStrike" dirty="0">
+                          <a:solidFill>
+                            <a:srgbClr val="000000"/>
+                          </a:solidFill>
+                          <a:effectLst/>
+                          <a:latin typeface="Calibri" panose="020F0502020204030204" pitchFamily="34" charset="0"/>
+                        </a:rPr>
+                        <a:t>No</a:t>
+                      </a:r>
+                    </a:p>
+                  </a:txBody>
+                  <a:tcPr marL="9525" marR="9525" marT="9525" marB="0" anchor="b">
+                    <a:lnL>
+                      <a:noFill/>
+                    </a:lnL>
+                    <a:lnR w="6350" cap="flat" cmpd="sng" algn="ctr">
+                      <a:solidFill>
+                        <a:srgbClr val="8EA9DB"/>
+                      </a:solidFill>
+                      <a:prstDash val="solid"/>
+                      <a:round/>
+                      <a:headEnd type="none" w="med" len="med"/>
+                      <a:tailEnd type="none" w="med" len="med"/>
+                    </a:lnR>
+                    <a:lnT w="6350" cap="flat" cmpd="sng" algn="ctr">
+                      <a:solidFill>
+                        <a:srgbClr val="8EA9DB"/>
+                      </a:solidFill>
+                      <a:prstDash val="solid"/>
+                      <a:round/>
+                      <a:headEnd type="none" w="med" len="med"/>
+                      <a:tailEnd type="none" w="med" len="med"/>
+                    </a:lnT>
+                    <a:lnB w="6350" cap="flat" cmpd="sng" algn="ctr">
+                      <a:solidFill>
+                        <a:srgbClr val="8EA9DB"/>
+                      </a:solidFill>
+                      <a:prstDash val="solid"/>
+                      <a:round/>
+                      <a:headEnd type="none" w="med" len="med"/>
+                      <a:tailEnd type="none" w="med" len="med"/>
+                    </a:lnB>
+                  </a:tcPr>
+                </a:tc>
+                <a:extLst>
+                  <a:ext uri="{0D108BD9-81ED-4DB2-BD59-A6C34878D82A}">
+                    <a16:rowId xmlns:a16="http://schemas.microsoft.com/office/drawing/2014/main" val="2337857110"/>
+                  </a:ext>
+                </a:extLst>
+              </a:tr>
+              <a:tr h="196279">
+                <a:tc>
+                  <a:txBody>
+                    <a:bodyPr/>
+                    <a:lstStyle/>
+                    <a:p>
+                      <a:pPr algn="l" fontAlgn="b"/>
+                      <a:r>
+                        <a:rPr lang="en-GB" sz="1100" b="0" i="0" u="none" strike="noStrike">
+                          <a:solidFill>
+                            <a:srgbClr val="000000"/>
+                          </a:solidFill>
+                          <a:effectLst/>
+                          <a:latin typeface="Calibri" panose="020F0502020204030204" pitchFamily="34" charset="0"/>
+                        </a:rPr>
+                        <a:t>square</a:t>
+                      </a:r>
+                    </a:p>
+                  </a:txBody>
+                  <a:tcPr marL="9525" marR="9525" marT="9525" marB="0" anchor="b">
+                    <a:lnL w="6350" cap="flat" cmpd="sng" algn="ctr">
+                      <a:solidFill>
+                        <a:srgbClr val="8EA9DB"/>
+                      </a:solidFill>
+                      <a:prstDash val="solid"/>
+                      <a:round/>
+                      <a:headEnd type="none" w="med" len="med"/>
+                      <a:tailEnd type="none" w="med" len="med"/>
+                    </a:lnL>
+                    <a:lnR>
+                      <a:noFill/>
+                    </a:lnR>
+                    <a:lnT w="6350" cap="flat" cmpd="sng" algn="ctr">
+                      <a:solidFill>
+                        <a:srgbClr val="8EA9DB"/>
+                      </a:solidFill>
+                      <a:prstDash val="solid"/>
+                      <a:round/>
+                      <a:headEnd type="none" w="med" len="med"/>
+                      <a:tailEnd type="none" w="med" len="med"/>
+                    </a:lnT>
+                    <a:lnB w="6350" cap="flat" cmpd="sng" algn="ctr">
+                      <a:solidFill>
+                        <a:srgbClr val="8EA9DB"/>
+                      </a:solidFill>
+                      <a:prstDash val="solid"/>
+                      <a:round/>
+                      <a:headEnd type="none" w="med" len="med"/>
+                      <a:tailEnd type="none" w="med" len="med"/>
+                    </a:lnB>
+                    <a:solidFill>
+                      <a:srgbClr val="D9E1F2"/>
+                    </a:solidFill>
+                  </a:tcPr>
+                </a:tc>
+                <a:tc>
+                  <a:txBody>
+                    <a:bodyPr/>
+                    <a:lstStyle/>
+                    <a:p>
+                      <a:pPr algn="l" fontAlgn="b"/>
+                      <a:r>
+                        <a:rPr lang="en-GB" sz="1100" b="0" i="0" u="none" strike="noStrike">
+                          <a:solidFill>
+                            <a:srgbClr val="000000"/>
+                          </a:solidFill>
+                          <a:effectLst/>
+                          <a:latin typeface="Calibri" panose="020F0502020204030204" pitchFamily="34" charset="0"/>
+                        </a:rPr>
+                        <a:t>oval</a:t>
+                      </a:r>
+                    </a:p>
+                  </a:txBody>
+                  <a:tcPr marL="9525" marR="9525" marT="9525" marB="0" anchor="b">
+                    <a:lnL>
+                      <a:noFill/>
+                    </a:lnL>
+                    <a:lnR>
+                      <a:noFill/>
+                    </a:lnR>
+                    <a:lnT w="6350" cap="flat" cmpd="sng" algn="ctr">
+                      <a:solidFill>
+                        <a:srgbClr val="8EA9DB"/>
+                      </a:solidFill>
+                      <a:prstDash val="solid"/>
+                      <a:round/>
+                      <a:headEnd type="none" w="med" len="med"/>
+                      <a:tailEnd type="none" w="med" len="med"/>
+                    </a:lnT>
+                    <a:lnB w="6350" cap="flat" cmpd="sng" algn="ctr">
+                      <a:solidFill>
+                        <a:srgbClr val="8EA9DB"/>
+                      </a:solidFill>
+                      <a:prstDash val="solid"/>
+                      <a:round/>
+                      <a:headEnd type="none" w="med" len="med"/>
+                      <a:tailEnd type="none" w="med" len="med"/>
+                    </a:lnB>
+                    <a:solidFill>
+                      <a:srgbClr val="D9E1F2"/>
+                    </a:solidFill>
+                  </a:tcPr>
+                </a:tc>
+                <a:tc>
+                  <a:txBody>
+                    <a:bodyPr/>
+                    <a:lstStyle/>
+                    <a:p>
+                      <a:pPr algn="l" fontAlgn="b"/>
+                      <a:r>
+                        <a:rPr lang="en-GB" sz="1100" b="0" i="0" u="none" strike="noStrike">
+                          <a:solidFill>
+                            <a:srgbClr val="000000"/>
+                          </a:solidFill>
+                          <a:effectLst/>
+                          <a:latin typeface="Calibri" panose="020F0502020204030204" pitchFamily="34" charset="0"/>
+                        </a:rPr>
+                        <a:t>white</a:t>
+                      </a:r>
+                    </a:p>
+                  </a:txBody>
+                  <a:tcPr marL="9525" marR="9525" marT="9525" marB="0" anchor="b">
+                    <a:lnL>
+                      <a:noFill/>
+                    </a:lnL>
+                    <a:lnR>
+                      <a:noFill/>
+                    </a:lnR>
+                    <a:lnT w="6350" cap="flat" cmpd="sng" algn="ctr">
+                      <a:solidFill>
+                        <a:srgbClr val="8EA9DB"/>
+                      </a:solidFill>
+                      <a:prstDash val="solid"/>
+                      <a:round/>
+                      <a:headEnd type="none" w="med" len="med"/>
+                      <a:tailEnd type="none" w="med" len="med"/>
+                    </a:lnT>
+                    <a:lnB w="6350" cap="flat" cmpd="sng" algn="ctr">
+                      <a:solidFill>
+                        <a:srgbClr val="8EA9DB"/>
+                      </a:solidFill>
+                      <a:prstDash val="solid"/>
+                      <a:round/>
+                      <a:headEnd type="none" w="med" len="med"/>
+                      <a:tailEnd type="none" w="med" len="med"/>
+                    </a:lnB>
+                    <a:solidFill>
+                      <a:srgbClr val="D9E1F2"/>
+                    </a:solidFill>
+                  </a:tcPr>
+                </a:tc>
+                <a:tc>
+                  <a:txBody>
+                    <a:bodyPr/>
+                    <a:lstStyle/>
+                    <a:p>
+                      <a:pPr algn="l" fontAlgn="b"/>
+                      <a:r>
+                        <a:rPr lang="en-GB" sz="1100" b="0" i="0" u="none" strike="noStrike" dirty="0">
+                          <a:solidFill>
+                            <a:srgbClr val="000000"/>
+                          </a:solidFill>
+                          <a:effectLst/>
+                          <a:latin typeface="Calibri" panose="020F0502020204030204" pitchFamily="34" charset="0"/>
+                        </a:rPr>
+                        <a:t>No</a:t>
+                      </a:r>
+                    </a:p>
+                  </a:txBody>
+                  <a:tcPr marL="9525" marR="9525" marT="9525" marB="0" anchor="b">
+                    <a:lnL>
+                      <a:noFill/>
+                    </a:lnL>
+                    <a:lnR w="6350" cap="flat" cmpd="sng" algn="ctr">
+                      <a:solidFill>
+                        <a:srgbClr val="8EA9DB"/>
+                      </a:solidFill>
+                      <a:prstDash val="solid"/>
+                      <a:round/>
+                      <a:headEnd type="none" w="med" len="med"/>
+                      <a:tailEnd type="none" w="med" len="med"/>
+                    </a:lnR>
+                    <a:lnT w="6350" cap="flat" cmpd="sng" algn="ctr">
+                      <a:solidFill>
+                        <a:srgbClr val="8EA9DB"/>
+                      </a:solidFill>
+                      <a:prstDash val="solid"/>
+                      <a:round/>
+                      <a:headEnd type="none" w="med" len="med"/>
+                      <a:tailEnd type="none" w="med" len="med"/>
+                    </a:lnT>
+                    <a:lnB w="6350" cap="flat" cmpd="sng" algn="ctr">
+                      <a:solidFill>
+                        <a:srgbClr val="8EA9DB"/>
+                      </a:solidFill>
+                      <a:prstDash val="solid"/>
+                      <a:round/>
+                      <a:headEnd type="none" w="med" len="med"/>
+                      <a:tailEnd type="none" w="med" len="med"/>
+                    </a:lnB>
+                    <a:solidFill>
+                      <a:srgbClr val="D9E1F2"/>
+                    </a:solidFill>
+                  </a:tcPr>
+                </a:tc>
+                <a:extLst>
+                  <a:ext uri="{0D108BD9-81ED-4DB2-BD59-A6C34878D82A}">
+                    <a16:rowId xmlns:a16="http://schemas.microsoft.com/office/drawing/2014/main" val="1937333266"/>
+                  </a:ext>
+                </a:extLst>
+              </a:tr>
+              <a:tr h="196279">
+                <a:tc>
+                  <a:txBody>
+                    <a:bodyPr/>
+                    <a:lstStyle/>
+                    <a:p>
+                      <a:pPr algn="l" fontAlgn="b"/>
+                      <a:r>
+                        <a:rPr lang="en-GB" sz="1100" b="0" i="0" u="none" strike="noStrike">
+                          <a:solidFill>
+                            <a:srgbClr val="000000"/>
+                          </a:solidFill>
+                          <a:effectLst/>
+                          <a:latin typeface="Calibri" panose="020F0502020204030204" pitchFamily="34" charset="0"/>
+                        </a:rPr>
+                        <a:t>square</a:t>
+                      </a:r>
+                    </a:p>
+                  </a:txBody>
+                  <a:tcPr marL="9525" marR="9525" marT="9525" marB="0" anchor="b">
+                    <a:lnL w="6350" cap="flat" cmpd="sng" algn="ctr">
+                      <a:solidFill>
+                        <a:srgbClr val="8EA9DB"/>
+                      </a:solidFill>
+                      <a:prstDash val="solid"/>
+                      <a:round/>
+                      <a:headEnd type="none" w="med" len="med"/>
+                      <a:tailEnd type="none" w="med" len="med"/>
+                    </a:lnL>
+                    <a:lnR>
+                      <a:noFill/>
+                    </a:lnR>
+                    <a:lnT w="6350" cap="flat" cmpd="sng" algn="ctr">
+                      <a:solidFill>
+                        <a:srgbClr val="8EA9DB"/>
+                      </a:solidFill>
+                      <a:prstDash val="solid"/>
+                      <a:round/>
+                      <a:headEnd type="none" w="med" len="med"/>
+                      <a:tailEnd type="none" w="med" len="med"/>
+                    </a:lnT>
+                    <a:lnB w="6350" cap="flat" cmpd="sng" algn="ctr">
+                      <a:solidFill>
+                        <a:srgbClr val="8EA9DB"/>
+                      </a:solidFill>
+                      <a:prstDash val="solid"/>
+                      <a:round/>
+                      <a:headEnd type="none" w="med" len="med"/>
+                      <a:tailEnd type="none" w="med" len="med"/>
+                    </a:lnB>
+                  </a:tcPr>
+                </a:tc>
+                <a:tc>
+                  <a:txBody>
+                    <a:bodyPr/>
+                    <a:lstStyle/>
+                    <a:p>
+                      <a:pPr algn="l" fontAlgn="b"/>
+                      <a:r>
+                        <a:rPr lang="en-GB" sz="1100" b="0" i="0" u="none" strike="noStrike">
+                          <a:solidFill>
+                            <a:srgbClr val="000000"/>
+                          </a:solidFill>
+                          <a:effectLst/>
+                          <a:latin typeface="Calibri" panose="020F0502020204030204" pitchFamily="34" charset="0"/>
+                        </a:rPr>
+                        <a:t>rectangular</a:t>
+                      </a:r>
+                    </a:p>
+                  </a:txBody>
+                  <a:tcPr marL="9525" marR="9525" marT="9525" marB="0" anchor="b">
+                    <a:lnL>
+                      <a:noFill/>
+                    </a:lnL>
+                    <a:lnR>
+                      <a:noFill/>
+                    </a:lnR>
+                    <a:lnT w="6350" cap="flat" cmpd="sng" algn="ctr">
+                      <a:solidFill>
+                        <a:srgbClr val="8EA9DB"/>
+                      </a:solidFill>
+                      <a:prstDash val="solid"/>
+                      <a:round/>
+                      <a:headEnd type="none" w="med" len="med"/>
+                      <a:tailEnd type="none" w="med" len="med"/>
+                    </a:lnT>
+                    <a:lnB w="6350" cap="flat" cmpd="sng" algn="ctr">
+                      <a:solidFill>
+                        <a:srgbClr val="8EA9DB"/>
+                      </a:solidFill>
+                      <a:prstDash val="solid"/>
+                      <a:round/>
+                      <a:headEnd type="none" w="med" len="med"/>
+                      <a:tailEnd type="none" w="med" len="med"/>
+                    </a:lnB>
+                  </a:tcPr>
+                </a:tc>
+                <a:tc>
+                  <a:txBody>
+                    <a:bodyPr/>
+                    <a:lstStyle/>
+                    <a:p>
+                      <a:pPr algn="l" fontAlgn="b"/>
+                      <a:r>
+                        <a:rPr lang="en-GB" sz="1100" b="0" i="0" u="none" strike="noStrike">
+                          <a:solidFill>
+                            <a:srgbClr val="000000"/>
+                          </a:solidFill>
+                          <a:effectLst/>
+                          <a:latin typeface="Calibri" panose="020F0502020204030204" pitchFamily="34" charset="0"/>
+                        </a:rPr>
+                        <a:t>white</a:t>
+                      </a:r>
+                    </a:p>
+                  </a:txBody>
+                  <a:tcPr marL="9525" marR="9525" marT="9525" marB="0" anchor="b">
+                    <a:lnL>
+                      <a:noFill/>
+                    </a:lnL>
+                    <a:lnR>
+                      <a:noFill/>
+                    </a:lnR>
+                    <a:lnT w="6350" cap="flat" cmpd="sng" algn="ctr">
+                      <a:solidFill>
+                        <a:srgbClr val="8EA9DB"/>
+                      </a:solidFill>
+                      <a:prstDash val="solid"/>
+                      <a:round/>
+                      <a:headEnd type="none" w="med" len="med"/>
+                      <a:tailEnd type="none" w="med" len="med"/>
+                    </a:lnT>
+                    <a:lnB w="6350" cap="flat" cmpd="sng" algn="ctr">
+                      <a:solidFill>
+                        <a:srgbClr val="8EA9DB"/>
+                      </a:solidFill>
+                      <a:prstDash val="solid"/>
+                      <a:round/>
+                      <a:headEnd type="none" w="med" len="med"/>
+                      <a:tailEnd type="none" w="med" len="med"/>
+                    </a:lnB>
+                  </a:tcPr>
+                </a:tc>
+                <a:tc>
+                  <a:txBody>
+                    <a:bodyPr/>
+                    <a:lstStyle/>
+                    <a:p>
+                      <a:pPr algn="l" fontAlgn="b"/>
+                      <a:r>
+                        <a:rPr lang="en-GB" sz="1100" b="0" i="0" u="none" strike="noStrike" dirty="0">
+                          <a:solidFill>
+                            <a:srgbClr val="000000"/>
+                          </a:solidFill>
+                          <a:effectLst/>
+                          <a:latin typeface="Calibri" panose="020F0502020204030204" pitchFamily="34" charset="0"/>
+                        </a:rPr>
+                        <a:t>Yes</a:t>
+                      </a:r>
+                    </a:p>
+                  </a:txBody>
+                  <a:tcPr marL="9525" marR="9525" marT="9525" marB="0" anchor="b">
+                    <a:lnL>
+                      <a:noFill/>
+                    </a:lnL>
+                    <a:lnR w="6350" cap="flat" cmpd="sng" algn="ctr">
+                      <a:solidFill>
+                        <a:srgbClr val="8EA9DB"/>
+                      </a:solidFill>
+                      <a:prstDash val="solid"/>
+                      <a:round/>
+                      <a:headEnd type="none" w="med" len="med"/>
+                      <a:tailEnd type="none" w="med" len="med"/>
+                    </a:lnR>
+                    <a:lnT w="6350" cap="flat" cmpd="sng" algn="ctr">
+                      <a:solidFill>
+                        <a:srgbClr val="8EA9DB"/>
+                      </a:solidFill>
+                      <a:prstDash val="solid"/>
+                      <a:round/>
+                      <a:headEnd type="none" w="med" len="med"/>
+                      <a:tailEnd type="none" w="med" len="med"/>
+                    </a:lnT>
+                    <a:lnB w="6350" cap="flat" cmpd="sng" algn="ctr">
+                      <a:solidFill>
+                        <a:srgbClr val="8EA9DB"/>
+                      </a:solidFill>
+                      <a:prstDash val="solid"/>
+                      <a:round/>
+                      <a:headEnd type="none" w="med" len="med"/>
+                      <a:tailEnd type="none" w="med" len="med"/>
+                    </a:lnB>
+                  </a:tcPr>
+                </a:tc>
+                <a:extLst>
+                  <a:ext uri="{0D108BD9-81ED-4DB2-BD59-A6C34878D82A}">
+                    <a16:rowId xmlns:a16="http://schemas.microsoft.com/office/drawing/2014/main" val="3339031033"/>
+                  </a:ext>
+                </a:extLst>
+              </a:tr>
+              <a:tr h="196279">
+                <a:tc>
+                  <a:txBody>
+                    <a:bodyPr/>
+                    <a:lstStyle/>
+                    <a:p>
+                      <a:pPr algn="l" fontAlgn="b"/>
+                      <a:r>
+                        <a:rPr lang="en-GB" sz="1100" b="0" i="0" u="none" strike="noStrike">
+                          <a:solidFill>
+                            <a:srgbClr val="000000"/>
+                          </a:solidFill>
+                          <a:effectLst/>
+                          <a:latin typeface="Calibri" panose="020F0502020204030204" pitchFamily="34" charset="0"/>
+                        </a:rPr>
+                        <a:t>square</a:t>
+                      </a:r>
+                    </a:p>
+                  </a:txBody>
+                  <a:tcPr marL="9525" marR="9525" marT="9525" marB="0" anchor="b">
+                    <a:lnL w="6350" cap="flat" cmpd="sng" algn="ctr">
+                      <a:solidFill>
+                        <a:srgbClr val="8EA9DB"/>
+                      </a:solidFill>
+                      <a:prstDash val="solid"/>
+                      <a:round/>
+                      <a:headEnd type="none" w="med" len="med"/>
+                      <a:tailEnd type="none" w="med" len="med"/>
+                    </a:lnL>
+                    <a:lnR>
+                      <a:noFill/>
+                    </a:lnR>
+                    <a:lnT w="6350" cap="flat" cmpd="sng" algn="ctr">
+                      <a:solidFill>
+                        <a:srgbClr val="8EA9DB"/>
+                      </a:solidFill>
+                      <a:prstDash val="solid"/>
+                      <a:round/>
+                      <a:headEnd type="none" w="med" len="med"/>
+                      <a:tailEnd type="none" w="med" len="med"/>
+                    </a:lnT>
+                    <a:lnB w="6350" cap="flat" cmpd="sng" algn="ctr">
+                      <a:solidFill>
+                        <a:srgbClr val="8EA9DB"/>
+                      </a:solidFill>
+                      <a:prstDash val="solid"/>
+                      <a:round/>
+                      <a:headEnd type="none" w="med" len="med"/>
+                      <a:tailEnd type="none" w="med" len="med"/>
+                    </a:lnB>
+                    <a:solidFill>
+                      <a:srgbClr val="D9E1F2"/>
+                    </a:solidFill>
+                  </a:tcPr>
+                </a:tc>
+                <a:tc>
+                  <a:txBody>
+                    <a:bodyPr/>
+                    <a:lstStyle/>
+                    <a:p>
+                      <a:pPr algn="l" fontAlgn="b"/>
+                      <a:r>
+                        <a:rPr lang="en-GB" sz="1100" b="0" i="0" u="none" strike="noStrike">
+                          <a:solidFill>
+                            <a:srgbClr val="000000"/>
+                          </a:solidFill>
+                          <a:effectLst/>
+                          <a:latin typeface="Calibri" panose="020F0502020204030204" pitchFamily="34" charset="0"/>
+                        </a:rPr>
+                        <a:t>oval</a:t>
+                      </a:r>
+                    </a:p>
+                  </a:txBody>
+                  <a:tcPr marL="9525" marR="9525" marT="9525" marB="0" anchor="b">
+                    <a:lnL>
+                      <a:noFill/>
+                    </a:lnL>
+                    <a:lnR>
+                      <a:noFill/>
+                    </a:lnR>
+                    <a:lnT w="6350" cap="flat" cmpd="sng" algn="ctr">
+                      <a:solidFill>
+                        <a:srgbClr val="8EA9DB"/>
+                      </a:solidFill>
+                      <a:prstDash val="solid"/>
+                      <a:round/>
+                      <a:headEnd type="none" w="med" len="med"/>
+                      <a:tailEnd type="none" w="med" len="med"/>
+                    </a:lnT>
+                    <a:lnB w="6350" cap="flat" cmpd="sng" algn="ctr">
+                      <a:solidFill>
+                        <a:srgbClr val="8EA9DB"/>
+                      </a:solidFill>
+                      <a:prstDash val="solid"/>
+                      <a:round/>
+                      <a:headEnd type="none" w="med" len="med"/>
+                      <a:tailEnd type="none" w="med" len="med"/>
+                    </a:lnB>
+                    <a:solidFill>
+                      <a:srgbClr val="D9E1F2"/>
+                    </a:solidFill>
+                  </a:tcPr>
+                </a:tc>
+                <a:tc>
+                  <a:txBody>
+                    <a:bodyPr/>
+                    <a:lstStyle/>
+                    <a:p>
+                      <a:pPr algn="l" fontAlgn="b"/>
+                      <a:r>
+                        <a:rPr lang="en-GB" sz="1100" b="0" i="0" u="none" strike="noStrike">
+                          <a:solidFill>
+                            <a:srgbClr val="000000"/>
+                          </a:solidFill>
+                          <a:effectLst/>
+                          <a:latin typeface="Calibri" panose="020F0502020204030204" pitchFamily="34" charset="0"/>
+                        </a:rPr>
+                        <a:t>white</a:t>
+                      </a:r>
+                    </a:p>
+                  </a:txBody>
+                  <a:tcPr marL="9525" marR="9525" marT="9525" marB="0" anchor="b">
+                    <a:lnL>
+                      <a:noFill/>
+                    </a:lnL>
+                    <a:lnR>
+                      <a:noFill/>
+                    </a:lnR>
+                    <a:lnT w="6350" cap="flat" cmpd="sng" algn="ctr">
+                      <a:solidFill>
+                        <a:srgbClr val="8EA9DB"/>
+                      </a:solidFill>
+                      <a:prstDash val="solid"/>
+                      <a:round/>
+                      <a:headEnd type="none" w="med" len="med"/>
+                      <a:tailEnd type="none" w="med" len="med"/>
+                    </a:lnT>
+                    <a:lnB w="6350" cap="flat" cmpd="sng" algn="ctr">
+                      <a:solidFill>
+                        <a:srgbClr val="8EA9DB"/>
+                      </a:solidFill>
+                      <a:prstDash val="solid"/>
+                      <a:round/>
+                      <a:headEnd type="none" w="med" len="med"/>
+                      <a:tailEnd type="none" w="med" len="med"/>
+                    </a:lnB>
+                    <a:solidFill>
+                      <a:srgbClr val="D9E1F2"/>
+                    </a:solidFill>
+                  </a:tcPr>
+                </a:tc>
+                <a:tc>
+                  <a:txBody>
+                    <a:bodyPr/>
+                    <a:lstStyle/>
+                    <a:p>
+                      <a:pPr algn="l" fontAlgn="b"/>
+                      <a:r>
+                        <a:rPr lang="en-GB" sz="1100" b="0" i="0" u="none" strike="noStrike" dirty="0">
+                          <a:solidFill>
+                            <a:srgbClr val="000000"/>
+                          </a:solidFill>
+                          <a:effectLst/>
+                          <a:latin typeface="Calibri" panose="020F0502020204030204" pitchFamily="34" charset="0"/>
+                        </a:rPr>
+                        <a:t>No</a:t>
+                      </a:r>
+                    </a:p>
+                  </a:txBody>
+                  <a:tcPr marL="9525" marR="9525" marT="9525" marB="0" anchor="b">
+                    <a:lnL>
+                      <a:noFill/>
+                    </a:lnL>
+                    <a:lnR w="6350" cap="flat" cmpd="sng" algn="ctr">
+                      <a:solidFill>
+                        <a:srgbClr val="8EA9DB"/>
+                      </a:solidFill>
+                      <a:prstDash val="solid"/>
+                      <a:round/>
+                      <a:headEnd type="none" w="med" len="med"/>
+                      <a:tailEnd type="none" w="med" len="med"/>
+                    </a:lnR>
+                    <a:lnT w="6350" cap="flat" cmpd="sng" algn="ctr">
+                      <a:solidFill>
+                        <a:srgbClr val="8EA9DB"/>
+                      </a:solidFill>
+                      <a:prstDash val="solid"/>
+                      <a:round/>
+                      <a:headEnd type="none" w="med" len="med"/>
+                      <a:tailEnd type="none" w="med" len="med"/>
+                    </a:lnT>
+                    <a:lnB w="6350" cap="flat" cmpd="sng" algn="ctr">
+                      <a:solidFill>
+                        <a:srgbClr val="8EA9DB"/>
+                      </a:solidFill>
+                      <a:prstDash val="solid"/>
+                      <a:round/>
+                      <a:headEnd type="none" w="med" len="med"/>
+                      <a:tailEnd type="none" w="med" len="med"/>
+                    </a:lnB>
+                    <a:solidFill>
+                      <a:srgbClr val="D9E1F2"/>
+                    </a:solidFill>
+                  </a:tcPr>
+                </a:tc>
+                <a:extLst>
+                  <a:ext uri="{0D108BD9-81ED-4DB2-BD59-A6C34878D82A}">
+                    <a16:rowId xmlns:a16="http://schemas.microsoft.com/office/drawing/2014/main" val="2640082124"/>
+                  </a:ext>
+                </a:extLst>
+              </a:tr>
+              <a:tr h="196279">
+                <a:tc>
+                  <a:txBody>
+                    <a:bodyPr/>
+                    <a:lstStyle/>
+                    <a:p>
+                      <a:pPr algn="l" fontAlgn="b"/>
+                      <a:r>
+                        <a:rPr lang="en-GB" sz="1100" b="0" i="0" u="none" strike="noStrike" dirty="0">
+                          <a:solidFill>
+                            <a:srgbClr val="000000"/>
+                          </a:solidFill>
+                          <a:effectLst/>
+                          <a:latin typeface="Calibri" panose="020F0502020204030204" pitchFamily="34" charset="0"/>
+                        </a:rPr>
+                        <a:t>circular</a:t>
+                      </a:r>
+                    </a:p>
+                  </a:txBody>
+                  <a:tcPr marL="9525" marR="9525" marT="9525" marB="0" anchor="b">
+                    <a:lnL w="6350" cap="flat" cmpd="sng" algn="ctr">
+                      <a:solidFill>
+                        <a:srgbClr val="8EA9DB"/>
+                      </a:solidFill>
+                      <a:prstDash val="solid"/>
+                      <a:round/>
+                      <a:headEnd type="none" w="med" len="med"/>
+                      <a:tailEnd type="none" w="med" len="med"/>
+                    </a:lnL>
+                    <a:lnR>
+                      <a:noFill/>
+                    </a:lnR>
+                    <a:lnT w="6350" cap="flat" cmpd="sng" algn="ctr">
+                      <a:solidFill>
+                        <a:srgbClr val="8EA9DB"/>
+                      </a:solidFill>
+                      <a:prstDash val="solid"/>
+                      <a:round/>
+                      <a:headEnd type="none" w="med" len="med"/>
+                      <a:tailEnd type="none" w="med" len="med"/>
+                    </a:lnT>
+                    <a:lnB w="6350" cap="flat" cmpd="sng" algn="ctr">
+                      <a:solidFill>
+                        <a:srgbClr val="8EA9DB"/>
+                      </a:solidFill>
+                      <a:prstDash val="solid"/>
+                      <a:round/>
+                      <a:headEnd type="none" w="med" len="med"/>
+                      <a:tailEnd type="none" w="med" len="med"/>
+                    </a:lnB>
+                  </a:tcPr>
+                </a:tc>
+                <a:tc>
+                  <a:txBody>
+                    <a:bodyPr/>
+                    <a:lstStyle/>
+                    <a:p>
+                      <a:pPr algn="l" fontAlgn="b"/>
+                      <a:r>
+                        <a:rPr lang="en-GB" sz="1100" b="0" i="0" u="none" strike="noStrike">
+                          <a:solidFill>
+                            <a:srgbClr val="000000"/>
+                          </a:solidFill>
+                          <a:effectLst/>
+                          <a:latin typeface="Calibri" panose="020F0502020204030204" pitchFamily="34" charset="0"/>
+                        </a:rPr>
+                        <a:t>oval</a:t>
+                      </a:r>
+                    </a:p>
+                  </a:txBody>
+                  <a:tcPr marL="9525" marR="9525" marT="9525" marB="0" anchor="b">
+                    <a:lnL>
+                      <a:noFill/>
+                    </a:lnL>
+                    <a:lnR>
+                      <a:noFill/>
+                    </a:lnR>
+                    <a:lnT w="6350" cap="flat" cmpd="sng" algn="ctr">
+                      <a:solidFill>
+                        <a:srgbClr val="8EA9DB"/>
+                      </a:solidFill>
+                      <a:prstDash val="solid"/>
+                      <a:round/>
+                      <a:headEnd type="none" w="med" len="med"/>
+                      <a:tailEnd type="none" w="med" len="med"/>
+                    </a:lnT>
+                    <a:lnB w="6350" cap="flat" cmpd="sng" algn="ctr">
+                      <a:solidFill>
+                        <a:srgbClr val="8EA9DB"/>
+                      </a:solidFill>
+                      <a:prstDash val="solid"/>
+                      <a:round/>
+                      <a:headEnd type="none" w="med" len="med"/>
+                      <a:tailEnd type="none" w="med" len="med"/>
+                    </a:lnB>
+                  </a:tcPr>
+                </a:tc>
+                <a:tc>
+                  <a:txBody>
+                    <a:bodyPr/>
+                    <a:lstStyle/>
+                    <a:p>
+                      <a:pPr algn="l" fontAlgn="b"/>
+                      <a:r>
+                        <a:rPr lang="en-GB" sz="1100" b="0" i="0" u="none" strike="noStrike" dirty="0">
+                          <a:solidFill>
+                            <a:srgbClr val="000000"/>
+                          </a:solidFill>
+                          <a:effectLst/>
+                          <a:latin typeface="Calibri" panose="020F0502020204030204" pitchFamily="34" charset="0"/>
+                        </a:rPr>
+                        <a:t>white</a:t>
+                      </a:r>
+                    </a:p>
+                  </a:txBody>
+                  <a:tcPr marL="9525" marR="9525" marT="9525" marB="0" anchor="b">
+                    <a:lnL>
+                      <a:noFill/>
+                    </a:lnL>
+                    <a:lnR>
+                      <a:noFill/>
+                    </a:lnR>
+                    <a:lnT w="6350" cap="flat" cmpd="sng" algn="ctr">
+                      <a:solidFill>
+                        <a:srgbClr val="8EA9DB"/>
+                      </a:solidFill>
+                      <a:prstDash val="solid"/>
+                      <a:round/>
+                      <a:headEnd type="none" w="med" len="med"/>
+                      <a:tailEnd type="none" w="med" len="med"/>
+                    </a:lnT>
+                    <a:lnB w="6350" cap="flat" cmpd="sng" algn="ctr">
+                      <a:solidFill>
+                        <a:srgbClr val="8EA9DB"/>
+                      </a:solidFill>
+                      <a:prstDash val="solid"/>
+                      <a:round/>
+                      <a:headEnd type="none" w="med" len="med"/>
+                      <a:tailEnd type="none" w="med" len="med"/>
+                    </a:lnB>
+                  </a:tcPr>
+                </a:tc>
+                <a:tc>
+                  <a:txBody>
+                    <a:bodyPr/>
+                    <a:lstStyle/>
+                    <a:p>
+                      <a:pPr algn="l" fontAlgn="b"/>
+                      <a:r>
+                        <a:rPr lang="en-GB" sz="1100" b="0" i="0" u="none" strike="noStrike" dirty="0">
+                          <a:solidFill>
+                            <a:srgbClr val="000000"/>
+                          </a:solidFill>
+                          <a:effectLst/>
+                          <a:latin typeface="Calibri" panose="020F0502020204030204" pitchFamily="34" charset="0"/>
+                        </a:rPr>
+                        <a:t>Yes</a:t>
+                      </a:r>
+                    </a:p>
+                  </a:txBody>
+                  <a:tcPr marL="9525" marR="9525" marT="9525" marB="0" anchor="b">
+                    <a:lnL>
+                      <a:noFill/>
+                    </a:lnL>
+                    <a:lnR w="6350" cap="flat" cmpd="sng" algn="ctr">
+                      <a:solidFill>
+                        <a:srgbClr val="8EA9DB"/>
+                      </a:solidFill>
+                      <a:prstDash val="solid"/>
+                      <a:round/>
+                      <a:headEnd type="none" w="med" len="med"/>
+                      <a:tailEnd type="none" w="med" len="med"/>
+                    </a:lnR>
+                    <a:lnT w="6350" cap="flat" cmpd="sng" algn="ctr">
+                      <a:solidFill>
+                        <a:srgbClr val="8EA9DB"/>
+                      </a:solidFill>
+                      <a:prstDash val="solid"/>
+                      <a:round/>
+                      <a:headEnd type="none" w="med" len="med"/>
+                      <a:tailEnd type="none" w="med" len="med"/>
+                    </a:lnT>
+                    <a:lnB w="6350" cap="flat" cmpd="sng" algn="ctr">
+                      <a:solidFill>
+                        <a:srgbClr val="8EA9DB"/>
+                      </a:solidFill>
+                      <a:prstDash val="solid"/>
+                      <a:round/>
+                      <a:headEnd type="none" w="med" len="med"/>
+                      <a:tailEnd type="none" w="med" len="med"/>
+                    </a:lnB>
+                  </a:tcPr>
+                </a:tc>
+                <a:extLst>
+                  <a:ext uri="{0D108BD9-81ED-4DB2-BD59-A6C34878D82A}">
+                    <a16:rowId xmlns:a16="http://schemas.microsoft.com/office/drawing/2014/main" val="2776714097"/>
+                  </a:ext>
+                </a:extLst>
+              </a:tr>
+            </a:tbl>
+          </a:graphicData>
+        </a:graphic>
+      </p:graphicFrame>
+      <p:grpSp>
+        <p:nvGrpSpPr>
+          <p:cNvPr id="6" name="Group 5">
+            <a:extLst>
+              <a:ext uri="{FF2B5EF4-FFF2-40B4-BE49-F238E27FC236}">
+                <a16:creationId xmlns:a16="http://schemas.microsoft.com/office/drawing/2014/main" id="{ECFC9B85-68E1-03CF-3DEF-16183E8D0DE9}"/>
+              </a:ext>
+            </a:extLst>
+          </p:cNvPr>
+          <p:cNvGrpSpPr/>
+          <p:nvPr/>
+        </p:nvGrpSpPr>
+        <p:grpSpPr>
+          <a:xfrm>
+            <a:off x="5020924" y="3128375"/>
+            <a:ext cx="1405812" cy="3111337"/>
+            <a:chOff x="6096000" y="3326785"/>
+            <a:chExt cx="1405812" cy="3111337"/>
+          </a:xfrm>
+        </p:grpSpPr>
+        <p:sp>
+          <p:nvSpPr>
+            <p:cNvPr id="7" name="Rectangle 6">
+              <a:extLst>
+                <a:ext uri="{FF2B5EF4-FFF2-40B4-BE49-F238E27FC236}">
+                  <a16:creationId xmlns:a16="http://schemas.microsoft.com/office/drawing/2014/main" id="{064A8FE7-28A1-2A71-DB5B-743858A2C64E}"/>
+                </a:ext>
+              </a:extLst>
+            </p:cNvPr>
+            <p:cNvSpPr/>
+            <p:nvPr/>
+          </p:nvSpPr>
+          <p:spPr>
+            <a:xfrm>
+              <a:off x="6096000" y="3629608"/>
+              <a:ext cx="1405812" cy="2808514"/>
+            </a:xfrm>
+            <a:prstGeom prst="rect">
+              <a:avLst/>
+            </a:prstGeom>
+            <a:noFill/>
+            <a:ln>
+              <a:solidFill>
+                <a:srgbClr val="FF0000"/>
+              </a:solidFill>
+            </a:ln>
+          </p:spPr>
+          <p:style>
+            <a:lnRef idx="2">
+              <a:schemeClr val="accent1">
+                <a:shade val="50000"/>
+              </a:schemeClr>
+            </a:lnRef>
+            <a:fillRef idx="1">
+              <a:schemeClr val="accent1"/>
+            </a:fillRef>
+            <a:effectRef idx="0">
+              <a:schemeClr val="accent1"/>
+            </a:effectRef>
+            <a:fontRef idx="minor">
+              <a:schemeClr val="lt1"/>
+            </a:fontRef>
+          </p:style>
+          <p:txBody>
+            <a:bodyPr rtlCol="0" anchor="ctr"/>
+            <a:lstStyle/>
+            <a:p>
+              <a:pPr algn="ctr"/>
+              <a:endParaRPr lang="en-GB"/>
+            </a:p>
+          </p:txBody>
+        </p:sp>
+        <p:sp>
+          <p:nvSpPr>
+            <p:cNvPr id="8" name="TextBox 7">
+              <a:extLst>
+                <a:ext uri="{FF2B5EF4-FFF2-40B4-BE49-F238E27FC236}">
+                  <a16:creationId xmlns:a16="http://schemas.microsoft.com/office/drawing/2014/main" id="{25839190-3704-031E-903B-B8457C55D548}"/>
+                </a:ext>
+              </a:extLst>
+            </p:cNvPr>
+            <p:cNvSpPr txBox="1"/>
+            <p:nvPr/>
+          </p:nvSpPr>
+          <p:spPr>
+            <a:xfrm>
+              <a:off x="6096000" y="3326785"/>
+              <a:ext cx="1393395" cy="307777"/>
+            </a:xfrm>
+            <a:prstGeom prst="rect">
+              <a:avLst/>
+            </a:prstGeom>
+            <a:noFill/>
+          </p:spPr>
+          <p:txBody>
+            <a:bodyPr wrap="none" rtlCol="0">
+              <a:spAutoFit/>
+            </a:bodyPr>
+            <a:lstStyle/>
+            <a:p>
+              <a:r>
+                <a:rPr lang="it-IT" sz="1400" dirty="0">
+                  <a:solidFill>
+                    <a:srgbClr val="FF0000"/>
+                  </a:solidFill>
+                </a:rPr>
+                <a:t>Target </a:t>
+              </a:r>
+              <a:r>
+                <a:rPr lang="it-IT" sz="1400" dirty="0" err="1">
+                  <a:solidFill>
+                    <a:srgbClr val="FF0000"/>
+                  </a:solidFill>
+                </a:rPr>
+                <a:t>variable</a:t>
+              </a:r>
+              <a:endParaRPr lang="en-GB" sz="1400" dirty="0">
+                <a:solidFill>
+                  <a:srgbClr val="FF0000"/>
+                </a:solidFill>
+              </a:endParaRPr>
+            </a:p>
+          </p:txBody>
+        </p:sp>
+      </p:grpSp>
+      <p:pic>
+        <p:nvPicPr>
+          <p:cNvPr id="9" name="Picture 8">
+            <a:extLst>
+              <a:ext uri="{FF2B5EF4-FFF2-40B4-BE49-F238E27FC236}">
+                <a16:creationId xmlns:a16="http://schemas.microsoft.com/office/drawing/2014/main" id="{42573C4D-4047-3E09-322E-2668B993F444}"/>
+              </a:ext>
+            </a:extLst>
+          </p:cNvPr>
+          <p:cNvPicPr>
+            <a:picLocks noChangeAspect="1"/>
+          </p:cNvPicPr>
+          <p:nvPr/>
+        </p:nvPicPr>
+        <p:blipFill>
+          <a:blip r:embed="rId3"/>
+          <a:stretch>
+            <a:fillRect/>
+          </a:stretch>
+        </p:blipFill>
+        <p:spPr>
+          <a:xfrm>
+            <a:off x="7669763" y="1755803"/>
+            <a:ext cx="3455645" cy="4619785"/>
+          </a:xfrm>
+          <a:prstGeom prst="rect">
+            <a:avLst/>
+          </a:prstGeom>
+          <a:ln>
+            <a:solidFill>
+              <a:schemeClr val="tx1"/>
+            </a:solidFill>
+          </a:ln>
+        </p:spPr>
+      </p:pic>
+      <p:sp>
+        <p:nvSpPr>
+          <p:cNvPr id="10" name="TextBox 9">
+            <a:extLst>
+              <a:ext uri="{FF2B5EF4-FFF2-40B4-BE49-F238E27FC236}">
+                <a16:creationId xmlns:a16="http://schemas.microsoft.com/office/drawing/2014/main" id="{D5236B79-1A5A-3D42-6630-97BBF75319B1}"/>
+              </a:ext>
+            </a:extLst>
+          </p:cNvPr>
+          <p:cNvSpPr txBox="1"/>
+          <p:nvPr/>
+        </p:nvSpPr>
+        <p:spPr>
+          <a:xfrm>
+            <a:off x="817674" y="933655"/>
+            <a:ext cx="10536126" cy="646331"/>
+          </a:xfrm>
+          <a:prstGeom prst="rect">
+            <a:avLst/>
+          </a:prstGeom>
+          <a:noFill/>
+        </p:spPr>
+        <p:txBody>
+          <a:bodyPr wrap="square">
+            <a:spAutoFit/>
+          </a:bodyPr>
+          <a:lstStyle/>
+          <a:p>
+            <a:r>
+              <a:rPr lang="en-GB" dirty="0"/>
+              <a:t>Classification tree is non-parametric model built by an iterative process of splitting the data into partitions, and then splitting it up further on each of the branches.</a:t>
+            </a:r>
+          </a:p>
+        </p:txBody>
+      </p:sp>
     </p:spTree>
     <p:extLst>
       <p:ext uri="{BB962C8B-B14F-4D97-AF65-F5344CB8AC3E}">
@@ -7731,6 +11844,196 @@
 </file>
 
 <file path=ppt/slides/slide5.xml><?xml version="1.0" encoding="utf-8"?>
+<p:sld xmlns:a="http://schemas.openxmlformats.org/drawingml/2006/main" xmlns:r="http://schemas.openxmlformats.org/officeDocument/2006/relationships" xmlns:p="http://schemas.openxmlformats.org/presentationml/2006/main">
+  <p:cSld>
+    <p:spTree>
+      <p:nvGrpSpPr>
+        <p:cNvPr id="1" name=""/>
+        <p:cNvGrpSpPr/>
+        <p:nvPr/>
+      </p:nvGrpSpPr>
+      <p:grpSpPr>
+        <a:xfrm>
+          <a:off x="0" y="0"/>
+          <a:ext cx="0" cy="0"/>
+          <a:chOff x="0" y="0"/>
+          <a:chExt cx="0" cy="0"/>
+        </a:xfrm>
+      </p:grpSpPr>
+      <p:sp>
+        <p:nvSpPr>
+          <p:cNvPr id="4" name="Title 1">
+            <a:extLst>
+              <a:ext uri="{FF2B5EF4-FFF2-40B4-BE49-F238E27FC236}">
+                <a16:creationId xmlns:a16="http://schemas.microsoft.com/office/drawing/2014/main" id="{6376C15B-558B-E056-1DA1-D320271012CB}"/>
+              </a:ext>
+            </a:extLst>
+          </p:cNvPr>
+          <p:cNvSpPr>
+            <a:spLocks noGrp="1"/>
+          </p:cNvSpPr>
+          <p:nvPr>
+            <p:ph type="title"/>
+          </p:nvPr>
+        </p:nvSpPr>
+        <p:spPr>
+          <a:xfrm>
+            <a:off x="838200" y="365125"/>
+            <a:ext cx="10515600" cy="521283"/>
+          </a:xfrm>
+        </p:spPr>
+        <p:txBody>
+          <a:bodyPr>
+            <a:normAutofit/>
+          </a:bodyPr>
+          <a:lstStyle/>
+          <a:p>
+            <a:r>
+              <a:rPr lang="en-GB" sz="2400" b="1" dirty="0">
+                <a:latin typeface="+mn-lt"/>
+              </a:rPr>
+              <a:t>Classification tree</a:t>
+            </a:r>
+          </a:p>
+        </p:txBody>
+      </p:sp>
+      <p:sp>
+        <p:nvSpPr>
+          <p:cNvPr id="11" name="TextBox 10">
+            <a:extLst>
+              <a:ext uri="{FF2B5EF4-FFF2-40B4-BE49-F238E27FC236}">
+                <a16:creationId xmlns:a16="http://schemas.microsoft.com/office/drawing/2014/main" id="{77619ED3-5EB4-65C5-F4AA-DE823D023B9D}"/>
+              </a:ext>
+            </a:extLst>
+          </p:cNvPr>
+          <p:cNvSpPr txBox="1"/>
+          <p:nvPr/>
+        </p:nvSpPr>
+        <p:spPr>
+          <a:xfrm>
+            <a:off x="654697" y="1011141"/>
+            <a:ext cx="11064551" cy="5078313"/>
+          </a:xfrm>
+          <a:prstGeom prst="rect">
+            <a:avLst/>
+          </a:prstGeom>
+          <a:noFill/>
+        </p:spPr>
+        <p:txBody>
+          <a:bodyPr wrap="square">
+            <a:spAutoFit/>
+          </a:bodyPr>
+          <a:lstStyle/>
+          <a:p>
+            <a:r>
+              <a:rPr lang="en-GB" b="1" dirty="0"/>
+              <a:t>Advantages:</a:t>
+            </a:r>
+            <a:endParaRPr lang="en-GB" dirty="0"/>
+          </a:p>
+          <a:p>
+            <a:pPr marL="171450" indent="-171450">
+              <a:buFont typeface="Arial" panose="020B0604020202020204" pitchFamily="34" charset="0"/>
+              <a:buChar char="•"/>
+            </a:pPr>
+            <a:r>
+              <a:rPr lang="en-GB" dirty="0"/>
+              <a:t>Simple to understand and to interpret. Trees can be visualized.</a:t>
+            </a:r>
+          </a:p>
+          <a:p>
+            <a:pPr marL="171450" indent="-171450">
+              <a:buFont typeface="Arial" panose="020B0604020202020204" pitchFamily="34" charset="0"/>
+              <a:buChar char="•"/>
+            </a:pPr>
+            <a:r>
+              <a:rPr lang="en-GB" dirty="0"/>
+              <a:t>Requires little data preparation. Other techniques often require data normalization, dummy variables need to be created and blank values to be removed. Note however that this module does not support missing values.</a:t>
+            </a:r>
+          </a:p>
+          <a:p>
+            <a:pPr marL="171450" indent="-171450">
+              <a:buFont typeface="Arial" panose="020B0604020202020204" pitchFamily="34" charset="0"/>
+              <a:buChar char="•"/>
+            </a:pPr>
+            <a:r>
+              <a:rPr lang="en-GB" dirty="0"/>
+              <a:t>The cost of using the tree (i.e., predicting data) is logarithmic in the number of data points used to train the tree.</a:t>
+            </a:r>
+          </a:p>
+          <a:p>
+            <a:pPr marL="171450" indent="-171450">
+              <a:buFont typeface="Arial" panose="020B0604020202020204" pitchFamily="34" charset="0"/>
+              <a:buChar char="•"/>
+            </a:pPr>
+            <a:r>
+              <a:rPr lang="en-GB" dirty="0"/>
+              <a:t>Able to handle both numerical and categorical data. However scikit-learn implementation does not support categorical variables for now. Other techniques are usually specialized in </a:t>
+            </a:r>
+            <a:r>
+              <a:rPr lang="en-GB" dirty="0" err="1"/>
+              <a:t>analyzing</a:t>
+            </a:r>
+            <a:r>
+              <a:rPr lang="en-GB" dirty="0"/>
+              <a:t> datasets that have only one type of variable. </a:t>
+            </a:r>
+          </a:p>
+          <a:p>
+            <a:endParaRPr lang="en-GB" b="1" dirty="0"/>
+          </a:p>
+          <a:p>
+            <a:r>
+              <a:rPr lang="en-GB" b="1" dirty="0"/>
+              <a:t>Disadvantages:</a:t>
+            </a:r>
+          </a:p>
+          <a:p>
+            <a:pPr marL="285750" indent="-285750">
+              <a:buFont typeface="Arial" panose="020B0604020202020204" pitchFamily="34" charset="0"/>
+              <a:buChar char="•"/>
+            </a:pPr>
+            <a:r>
+              <a:rPr lang="en-GB" dirty="0"/>
+              <a:t>Decision-tree learners can create over-complex trees that do not generalize the data well. This is called overfitting.</a:t>
+            </a:r>
+          </a:p>
+          <a:p>
+            <a:pPr marL="285750" indent="-285750">
+              <a:buFont typeface="Arial" panose="020B0604020202020204" pitchFamily="34" charset="0"/>
+              <a:buChar char="•"/>
+            </a:pPr>
+            <a:r>
+              <a:rPr lang="en-GB" dirty="0"/>
+              <a:t>Decision trees can be unstable because small variations in the data might result in a completely different tree being generated. This problem is mitigated by using decision trees within an ensemble.</a:t>
+            </a:r>
+          </a:p>
+          <a:p>
+            <a:pPr marL="285750" indent="-285750">
+              <a:buFont typeface="Arial" panose="020B0604020202020204" pitchFamily="34" charset="0"/>
+              <a:buChar char="•"/>
+            </a:pPr>
+            <a:r>
+              <a:rPr lang="en-GB" dirty="0"/>
+              <a:t>Practical decision-tree learning algorithms are based on heuristic algorithms such as the greedy algorithm where locally optimal decisions are made at each node. Such algorithms cannot guarantee to return the globally optimal decision tree. This can be mitigated by training multiple trees in an ensemble learner, where the features and samples are randomly sampled with replacement.</a:t>
+            </a:r>
+          </a:p>
+        </p:txBody>
+      </p:sp>
+    </p:spTree>
+    <p:extLst>
+      <p:ext uri="{BB962C8B-B14F-4D97-AF65-F5344CB8AC3E}">
+        <p14:creationId xmlns:p14="http://schemas.microsoft.com/office/powerpoint/2010/main" val="1262805730"/>
+      </p:ext>
+    </p:extLst>
+  </p:cSld>
+  <p:clrMapOvr>
+    <a:masterClrMapping/>
+  </p:clrMapOvr>
+</p:sld>
+</file>
+
+<file path=ppt/slides/slide6.xml><?xml version="1.0" encoding="utf-8"?>
 <p:sld xmlns:a="http://schemas.openxmlformats.org/drawingml/2006/main" xmlns:r="http://schemas.openxmlformats.org/officeDocument/2006/relationships" xmlns:p="http://schemas.openxmlformats.org/presentationml/2006/main">
   <p:cSld>
     <p:spTree>
@@ -7784,8 +12087,8 @@
           </a:p>
         </p:txBody>
       </p:sp>
-      <mc:AlternateContent xmlns:mc="http://schemas.openxmlformats.org/markup-compatibility/2006" xmlns:a14="http://schemas.microsoft.com/office/drawing/2010/main">
-        <mc:Choice Requires="a14">
+      <mc:AlternateContent xmlns:mc="http://schemas.openxmlformats.org/markup-compatibility/2006">
+        <mc:Choice xmlns:a14="http://schemas.microsoft.com/office/drawing/2010/main" Requires="a14">
           <p:sp>
             <p:nvSpPr>
               <p:cNvPr id="4" name="TextBox 3">
@@ -7800,7 +12103,7 @@
             </p:nvSpPr>
             <p:spPr>
               <a:xfrm>
-                <a:off x="1054358" y="1431043"/>
+                <a:off x="3503174" y="2007162"/>
                 <a:ext cx="4388101" cy="622350"/>
               </a:xfrm>
               <a:prstGeom prst="rect">
@@ -8071,7 +12374,7 @@
             </p:txBody>
           </p:sp>
         </mc:Choice>
-        <mc:Fallback xmlns="">
+        <mc:Fallback>
           <p:sp>
             <p:nvSpPr>
               <p:cNvPr id="4" name="TextBox 3">
@@ -8088,7 +12391,7 @@
             </p:nvSpPr>
             <p:spPr>
               <a:xfrm>
-                <a:off x="1054358" y="1431043"/>
+                <a:off x="3503174" y="2007162"/>
                 <a:ext cx="4388101" cy="622350"/>
               </a:xfrm>
               <a:prstGeom prst="rect">
@@ -8145,8 +12448,8 @@
         </p:blipFill>
         <p:spPr bwMode="auto">
           <a:xfrm>
-            <a:off x="2439774" y="2598028"/>
-            <a:ext cx="5808488" cy="3709284"/>
+            <a:off x="2824440" y="3079297"/>
+            <a:ext cx="5507798" cy="3517264"/>
           </a:xfrm>
           <a:prstGeom prst="rect">
             <a:avLst/>
@@ -8163,8 +12466,8 @@
           </a:extLst>
         </p:spPr>
       </p:pic>
-      <mc:AlternateContent xmlns:mc="http://schemas.openxmlformats.org/markup-compatibility/2006" xmlns:a14="http://schemas.microsoft.com/office/drawing/2010/main">
-        <mc:Choice Requires="a14">
+      <mc:AlternateContent xmlns:mc="http://schemas.openxmlformats.org/markup-compatibility/2006">
+        <mc:Choice xmlns:a14="http://schemas.microsoft.com/office/drawing/2010/main" Requires="a14">
           <p:sp>
             <p:nvSpPr>
               <p:cNvPr id="7" name="TextBox 6">
@@ -8179,7 +12482,7 @@
             </p:nvSpPr>
             <p:spPr>
               <a:xfrm>
-                <a:off x="3523968" y="3079297"/>
+                <a:off x="3758289" y="3557794"/>
                 <a:ext cx="1820050" cy="529697"/>
               </a:xfrm>
               <a:prstGeom prst="rect">
@@ -8306,7 +12609,7 @@
             </p:txBody>
           </p:sp>
         </mc:Choice>
-        <mc:Fallback xmlns="">
+        <mc:Fallback>
           <p:sp>
             <p:nvSpPr>
               <p:cNvPr id="7" name="TextBox 6">
@@ -8323,7 +12626,7 @@
             </p:nvSpPr>
             <p:spPr>
               <a:xfrm>
-                <a:off x="3523968" y="3079297"/>
+                <a:off x="3758289" y="3557794"/>
                 <a:ext cx="1820050" cy="529697"/>
               </a:xfrm>
               <a:prstGeom prst="rect">
@@ -8351,81 +12654,37 @@
           </p:sp>
         </mc:Fallback>
       </mc:AlternateContent>
-    </p:spTree>
-    <p:extLst>
-      <p:ext uri="{BB962C8B-B14F-4D97-AF65-F5344CB8AC3E}">
-        <p14:creationId xmlns:p14="http://schemas.microsoft.com/office/powerpoint/2010/main" val="1188347284"/>
-      </p:ext>
-    </p:extLst>
-  </p:cSld>
-  <p:clrMapOvr>
-    <a:masterClrMapping/>
-  </p:clrMapOvr>
-</p:sld>
-</file>
-
-<file path=ppt/slides/slide6.xml><?xml version="1.0" encoding="utf-8"?>
-<p:sld xmlns:a="http://schemas.openxmlformats.org/drawingml/2006/main" xmlns:r="http://schemas.openxmlformats.org/officeDocument/2006/relationships" xmlns:p="http://schemas.openxmlformats.org/presentationml/2006/main">
-  <p:cSld>
-    <p:spTree>
-      <p:nvGrpSpPr>
-        <p:cNvPr id="1" name=""/>
-        <p:cNvGrpSpPr/>
-        <p:nvPr/>
-      </p:nvGrpSpPr>
-      <p:grpSpPr>
-        <a:xfrm>
-          <a:off x="0" y="0"/>
-          <a:ext cx="0" cy="0"/>
-          <a:chOff x="0" y="0"/>
-          <a:chExt cx="0" cy="0"/>
-        </a:xfrm>
-      </p:grpSpPr>
       <p:sp>
         <p:nvSpPr>
-          <p:cNvPr id="4" name="Title 1">
+          <p:cNvPr id="9" name="TextBox 8">
             <a:extLst>
               <a:ext uri="{FF2B5EF4-FFF2-40B4-BE49-F238E27FC236}">
-                <a16:creationId xmlns:a16="http://schemas.microsoft.com/office/drawing/2014/main" id="{58C679D1-14B7-223D-10A5-F77131E88DFF}"/>
+                <a16:creationId xmlns:a16="http://schemas.microsoft.com/office/drawing/2014/main" id="{AE80FB6C-040D-86F2-8E5D-547B8748ABFF}"/>
               </a:ext>
             </a:extLst>
           </p:cNvPr>
-          <p:cNvSpPr>
-            <a:spLocks noGrp="1"/>
-          </p:cNvSpPr>
-          <p:nvPr>
-            <p:ph type="title"/>
-          </p:nvPr>
+          <p:cNvSpPr txBox="1"/>
+          <p:nvPr/>
         </p:nvSpPr>
         <p:spPr>
           <a:xfrm>
-            <a:off x="838200" y="365125"/>
-            <a:ext cx="10515600" cy="521283"/>
+            <a:off x="838200" y="880066"/>
+            <a:ext cx="10993016" cy="923330"/>
           </a:xfrm>
+          <a:prstGeom prst="rect">
+            <a:avLst/>
+          </a:prstGeom>
+          <a:noFill/>
         </p:spPr>
         <p:txBody>
-          <a:bodyPr>
-            <a:normAutofit/>
+          <a:bodyPr wrap="square">
+            <a:spAutoFit/>
           </a:bodyPr>
           <a:lstStyle/>
           <a:p>
             <a:r>
-              <a:rPr lang="en-GB" sz="2400" b="1" dirty="0">
-                <a:latin typeface="+mn-lt"/>
-              </a:rPr>
-              <a:t>K </a:t>
-            </a:r>
-            <a:r>
-              <a:rPr lang="en-GB" sz="2400" b="1" dirty="0" err="1">
-                <a:latin typeface="+mn-lt"/>
-              </a:rPr>
-              <a:t>neighbors</a:t>
-            </a:r>
-            <a:r>
-              <a:rPr lang="en-GB" sz="2400" b="1" dirty="0">
-                <a:latin typeface="+mn-lt"/>
-              </a:rPr>
-              <a:t> classifier</a:t>
+              <a:rPr lang="en-GB" dirty="0"/>
+              <a:t>The (binary) logistic model (or logit model) is a statistical model that models the probability of one event (out of two alternatives) taking place by having the log-odds (the logarithm of the odds) for the event be a linear combination of one or more independent variables ("predictors").</a:t>
             </a:r>
           </a:p>
         </p:txBody>
@@ -8433,7 +12692,7 @@
     </p:spTree>
     <p:extLst>
       <p:ext uri="{BB962C8B-B14F-4D97-AF65-F5344CB8AC3E}">
-        <p14:creationId xmlns:p14="http://schemas.microsoft.com/office/powerpoint/2010/main" val="3010960734"/>
+        <p14:creationId xmlns:p14="http://schemas.microsoft.com/office/powerpoint/2010/main" val="1188347284"/>
       </p:ext>
     </p:extLst>
   </p:cSld>
@@ -8462,10 +12721,10 @@
       </p:grpSpPr>
       <p:sp>
         <p:nvSpPr>
-          <p:cNvPr id="4" name="Title 1">
+          <p:cNvPr id="2" name="Title 1">
             <a:extLst>
               <a:ext uri="{FF2B5EF4-FFF2-40B4-BE49-F238E27FC236}">
-                <a16:creationId xmlns:a16="http://schemas.microsoft.com/office/drawing/2014/main" id="{58C679D1-14B7-223D-10A5-F77131E88DFF}"/>
+                <a16:creationId xmlns:a16="http://schemas.microsoft.com/office/drawing/2014/main" id="{09DAA17F-4E4F-9B7A-7710-A946361BB865}"/>
               </a:ext>
             </a:extLst>
           </p:cNvPr>
@@ -8492,15 +12751,62 @@
               <a:rPr lang="en-GB" sz="2400" b="1" dirty="0">
                 <a:latin typeface="+mn-lt"/>
               </a:rPr>
-              <a:t>Support-vector machine</a:t>
+              <a:t>Logistic regression</a:t>
             </a:r>
           </a:p>
         </p:txBody>
       </p:sp>
+      <p:pic>
+        <p:nvPicPr>
+          <p:cNvPr id="2060" name="Picture 12">
+            <a:extLst>
+              <a:ext uri="{FF2B5EF4-FFF2-40B4-BE49-F238E27FC236}">
+                <a16:creationId xmlns:a16="http://schemas.microsoft.com/office/drawing/2014/main" id="{FED7EF38-00DE-91CE-D376-3B9ED3CBE4FB}"/>
+              </a:ext>
+            </a:extLst>
+          </p:cNvPr>
+          <p:cNvPicPr>
+            <a:picLocks noChangeAspect="1" noChangeArrowheads="1"/>
+          </p:cNvPicPr>
+          <p:nvPr/>
+        </p:nvPicPr>
+        <p:blipFill>
+          <a:blip r:embed="rId2">
+            <a:extLst>
+              <a:ext uri="{28A0092B-C50C-407E-A947-70E740481C1C}">
+                <a14:useLocalDpi xmlns:a14="http://schemas.microsoft.com/office/drawing/2010/main" val="0"/>
+              </a:ext>
+            </a:extLst>
+          </a:blip>
+          <a:srcRect/>
+          <a:stretch>
+            <a:fillRect/>
+          </a:stretch>
+        </p:blipFill>
+        <p:spPr bwMode="auto">
+          <a:xfrm>
+            <a:off x="2472612" y="1532844"/>
+            <a:ext cx="6606074" cy="4334145"/>
+          </a:xfrm>
+          <a:prstGeom prst="rect">
+            <a:avLst/>
+          </a:prstGeom>
+          <a:noFill/>
+          <a:extLst>
+            <a:ext uri="{909E8E84-426E-40DD-AFC4-6F175D3DCCD1}">
+              <a14:hiddenFill xmlns:a14="http://schemas.microsoft.com/office/drawing/2010/main">
+                <a:solidFill>
+                  <a:srgbClr val="FFFFFF"/>
+                </a:solidFill>
+              </a14:hiddenFill>
+            </a:ext>
+          </a:extLst>
+        </p:spPr>
+      </p:pic>
     </p:spTree>
     <p:extLst>
       <p:ext uri="{BB962C8B-B14F-4D97-AF65-F5344CB8AC3E}">
-        <p14:creationId xmlns:p14="http://schemas.microsoft.com/office/powerpoint/2010/main" val="918426659"/>
+        <p14:creationId xmlns:p14="http://schemas.microsoft.com/office/powerpoint/2010/main" val="1395333380"/>
       </p:ext>
     </p:extLst>
   </p:cSld>
@@ -8529,10 +12835,10 @@
       </p:grpSpPr>
       <p:sp>
         <p:nvSpPr>
-          <p:cNvPr id="4" name="Title 1">
+          <p:cNvPr id="2" name="Title 1">
             <a:extLst>
               <a:ext uri="{FF2B5EF4-FFF2-40B4-BE49-F238E27FC236}">
-                <a16:creationId xmlns:a16="http://schemas.microsoft.com/office/drawing/2014/main" id="{58C679D1-14B7-223D-10A5-F77131E88DFF}"/>
+                <a16:creationId xmlns:a16="http://schemas.microsoft.com/office/drawing/2014/main" id="{09DAA17F-4E4F-9B7A-7710-A946361BB865}"/>
               </a:ext>
             </a:extLst>
           </p:cNvPr>
@@ -8545,8 +12851,8 @@
         </p:nvSpPr>
         <p:spPr>
           <a:xfrm>
-            <a:off x="838200" y="365126"/>
-            <a:ext cx="10515600" cy="549274"/>
+            <a:off x="838200" y="365125"/>
+            <a:ext cx="10515600" cy="521283"/>
           </a:xfrm>
         </p:spPr>
         <p:txBody>
@@ -8559,48 +12865,62 @@
               <a:rPr lang="en-GB" sz="2400" b="1" dirty="0">
                 <a:latin typeface="+mn-lt"/>
               </a:rPr>
-              <a:t>Confusion matrix</a:t>
-            </a:r>
-            <a:endParaRPr lang="en-GB" sz="1800" b="1" dirty="0">
-              <a:latin typeface="+mn-lt"/>
-            </a:endParaRPr>
+              <a:t>Logistic regression</a:t>
+            </a:r>
           </a:p>
         </p:txBody>
       </p:sp>
       <p:pic>
         <p:nvPicPr>
-          <p:cNvPr id="5" name="Picture 4">
+          <p:cNvPr id="13" name="Picture 8">
             <a:extLst>
               <a:ext uri="{FF2B5EF4-FFF2-40B4-BE49-F238E27FC236}">
-                <a16:creationId xmlns:a16="http://schemas.microsoft.com/office/drawing/2014/main" id="{0469C677-950B-3E3C-5941-E58F0E10816C}"/>
+                <a16:creationId xmlns:a16="http://schemas.microsoft.com/office/drawing/2014/main" id="{CFC72859-53CF-86C4-8663-098CCD57D69B}"/>
               </a:ext>
             </a:extLst>
           </p:cNvPr>
           <p:cNvPicPr>
-            <a:picLocks noChangeAspect="1"/>
+            <a:picLocks noChangeAspect="1" noChangeArrowheads="1"/>
           </p:cNvPicPr>
           <p:nvPr/>
         </p:nvPicPr>
         <p:blipFill>
-          <a:blip r:embed="rId2"/>
+          <a:blip r:embed="rId2">
+            <a:extLst>
+              <a:ext uri="{28A0092B-C50C-407E-A947-70E740481C1C}">
+                <a14:useLocalDpi xmlns:a14="http://schemas.microsoft.com/office/drawing/2010/main" val="0"/>
+              </a:ext>
+            </a:extLst>
+          </a:blip>
+          <a:srcRect/>
           <a:stretch>
             <a:fillRect/>
           </a:stretch>
         </p:blipFill>
-        <p:spPr>
+        <p:spPr bwMode="auto">
           <a:xfrm>
-            <a:off x="2745370" y="1035698"/>
-            <a:ext cx="6701259" cy="5621516"/>
+            <a:off x="2472612" y="1532844"/>
+            <a:ext cx="6596743" cy="4334145"/>
           </a:xfrm>
           <a:prstGeom prst="rect">
             <a:avLst/>
           </a:prstGeom>
+          <a:noFill/>
+          <a:extLst>
+            <a:ext uri="{909E8E84-426E-40DD-AFC4-6F175D3DCCD1}">
+              <a14:hiddenFill xmlns:a14="http://schemas.microsoft.com/office/drawing/2010/main">
+                <a:solidFill>
+                  <a:srgbClr val="FFFFFF"/>
+                </a:solidFill>
+              </a14:hiddenFill>
+            </a:ext>
+          </a:extLst>
         </p:spPr>
       </p:pic>
     </p:spTree>
     <p:extLst>
       <p:ext uri="{BB962C8B-B14F-4D97-AF65-F5344CB8AC3E}">
-        <p14:creationId xmlns:p14="http://schemas.microsoft.com/office/powerpoint/2010/main" val="3583065972"/>
+        <p14:creationId xmlns:p14="http://schemas.microsoft.com/office/powerpoint/2010/main" val="4077814881"/>
       </p:ext>
     </p:extLst>
   </p:cSld>
@@ -8629,10 +12949,10 @@
       </p:grpSpPr>
       <p:sp>
         <p:nvSpPr>
-          <p:cNvPr id="4" name="Title 1">
+          <p:cNvPr id="2" name="Title 1">
             <a:extLst>
               <a:ext uri="{FF2B5EF4-FFF2-40B4-BE49-F238E27FC236}">
-                <a16:creationId xmlns:a16="http://schemas.microsoft.com/office/drawing/2014/main" id="{58C679D1-14B7-223D-10A5-F77131E88DFF}"/>
+                <a16:creationId xmlns:a16="http://schemas.microsoft.com/office/drawing/2014/main" id="{09DAA17F-4E4F-9B7A-7710-A946361BB865}"/>
               </a:ext>
             </a:extLst>
           </p:cNvPr>
@@ -8645,8 +12965,8 @@
         </p:nvSpPr>
         <p:spPr>
           <a:xfrm>
-            <a:off x="838200" y="365126"/>
-            <a:ext cx="10515600" cy="549274"/>
+            <a:off x="838200" y="365125"/>
+            <a:ext cx="10515600" cy="521283"/>
           </a:xfrm>
         </p:spPr>
         <p:txBody>
@@ -8659,48 +12979,62 @@
               <a:rPr lang="en-GB" sz="2400" b="1" dirty="0">
                 <a:latin typeface="+mn-lt"/>
               </a:rPr>
-              <a:t>Confusion matrix</a:t>
-            </a:r>
-            <a:endParaRPr lang="en-GB" sz="1800" b="1" dirty="0">
-              <a:latin typeface="+mn-lt"/>
-            </a:endParaRPr>
+              <a:t>Logistic regression</a:t>
+            </a:r>
           </a:p>
         </p:txBody>
       </p:sp>
       <p:pic>
         <p:nvPicPr>
-          <p:cNvPr id="7" name="Picture 6">
+          <p:cNvPr id="5" name="Picture 10">
             <a:extLst>
               <a:ext uri="{FF2B5EF4-FFF2-40B4-BE49-F238E27FC236}">
-                <a16:creationId xmlns:a16="http://schemas.microsoft.com/office/drawing/2014/main" id="{709D52EF-BF42-362A-B011-D80441CF66ED}"/>
+                <a16:creationId xmlns:a16="http://schemas.microsoft.com/office/drawing/2014/main" id="{AD2EB33C-C8AE-06B3-B275-93401CF95300}"/>
               </a:ext>
             </a:extLst>
           </p:cNvPr>
           <p:cNvPicPr>
-            <a:picLocks noChangeAspect="1"/>
+            <a:picLocks noChangeAspect="1" noChangeArrowheads="1"/>
           </p:cNvPicPr>
           <p:nvPr/>
         </p:nvPicPr>
         <p:blipFill>
-          <a:blip r:embed="rId2"/>
+          <a:blip r:embed="rId2">
+            <a:extLst>
+              <a:ext uri="{28A0092B-C50C-407E-A947-70E740481C1C}">
+                <a14:useLocalDpi xmlns:a14="http://schemas.microsoft.com/office/drawing/2010/main" val="0"/>
+              </a:ext>
+            </a:extLst>
+          </a:blip>
+          <a:srcRect/>
           <a:stretch>
             <a:fillRect/>
           </a:stretch>
         </p:blipFill>
-        <p:spPr>
+        <p:spPr bwMode="auto">
           <a:xfrm>
-            <a:off x="1572298" y="914399"/>
-            <a:ext cx="7478395" cy="5476997"/>
+            <a:off x="2472612" y="1532844"/>
+            <a:ext cx="6596742" cy="4397828"/>
           </a:xfrm>
           <a:prstGeom prst="rect">
             <a:avLst/>
           </a:prstGeom>
+          <a:noFill/>
+          <a:extLst>
+            <a:ext uri="{909E8E84-426E-40DD-AFC4-6F175D3DCCD1}">
+              <a14:hiddenFill xmlns:a14="http://schemas.microsoft.com/office/drawing/2010/main">
+                <a:solidFill>
+                  <a:srgbClr val="FFFFFF"/>
+                </a:solidFill>
+              </a14:hiddenFill>
+            </a:ext>
+          </a:extLst>
         </p:spPr>
       </p:pic>
     </p:spTree>
     <p:extLst>
       <p:ext uri="{BB962C8B-B14F-4D97-AF65-F5344CB8AC3E}">
-        <p14:creationId xmlns:p14="http://schemas.microsoft.com/office/powerpoint/2010/main" val="2996811488"/>
+        <p14:creationId xmlns:p14="http://schemas.microsoft.com/office/powerpoint/2010/main" val="8577589"/>
       </p:ext>
     </p:extLst>
   </p:cSld>
